--- a/Schedule/電脳戦機VARTUALON.pptx
+++ b/Schedule/電脳戦機VARTUALON.pptx
@@ -210,35 +210,35 @@
               <a:buNone/>
               <a:defRPr sz="2400"/>
             </a:lvl1pPr>
-            <a:lvl2pPr marL="457200" indent="0" algn="ctr">
+            <a:lvl2pPr marL="457206" indent="0" algn="ctr">
               <a:buNone/>
               <a:defRPr sz="2000"/>
             </a:lvl2pPr>
-            <a:lvl3pPr marL="914400" indent="0" algn="ctr">
-              <a:buNone/>
-              <a:defRPr sz="1800"/>
+            <a:lvl3pPr marL="914411" indent="0" algn="ctr">
+              <a:buNone/>
+              <a:defRPr sz="1801"/>
             </a:lvl3pPr>
-            <a:lvl4pPr marL="1371600" indent="0" algn="ctr">
+            <a:lvl4pPr marL="1371617" indent="0" algn="ctr">
               <a:buNone/>
               <a:defRPr sz="1600"/>
             </a:lvl4pPr>
-            <a:lvl5pPr marL="1828800" indent="0" algn="ctr">
+            <a:lvl5pPr marL="1828823" indent="0" algn="ctr">
               <a:buNone/>
               <a:defRPr sz="1600"/>
             </a:lvl5pPr>
-            <a:lvl6pPr marL="2286000" indent="0" algn="ctr">
+            <a:lvl6pPr marL="2286029" indent="0" algn="ctr">
               <a:buNone/>
               <a:defRPr sz="1600"/>
             </a:lvl6pPr>
-            <a:lvl7pPr marL="2743200" indent="0" algn="ctr">
+            <a:lvl7pPr marL="2743234" indent="0" algn="ctr">
               <a:buNone/>
               <a:defRPr sz="1600"/>
             </a:lvl7pPr>
-            <a:lvl8pPr marL="3200400" indent="0" algn="ctr">
+            <a:lvl8pPr marL="3200440" indent="0" algn="ctr">
               <a:buNone/>
               <a:defRPr sz="1600"/>
             </a:lvl8pPr>
-            <a:lvl9pPr marL="3657600" indent="0" algn="ctr">
+            <a:lvl9pPr marL="3657646" indent="0" algn="ctr">
               <a:buNone/>
               <a:defRPr sz="1600"/>
             </a:lvl9pPr>
@@ -269,7 +269,7 @@
           <a:p>
             <a:fld id="{F6187879-3E71-47E9-AF2E-6DC9BF0289AB}" type="datetimeFigureOut">
               <a:rPr kumimoji="1" lang="ja-JP" altLang="en-US" smtClean="0"/>
-              <a:t>2020/10/19</a:t>
+              <a:t>2020/10/20</a:t>
             </a:fld>
             <a:endParaRPr kumimoji="1" lang="ja-JP" altLang="en-US"/>
           </a:p>
@@ -471,7 +471,7 @@
           <a:p>
             <a:fld id="{F6187879-3E71-47E9-AF2E-6DC9BF0289AB}" type="datetimeFigureOut">
               <a:rPr kumimoji="1" lang="ja-JP" altLang="en-US" smtClean="0"/>
-              <a:t>2020/10/19</a:t>
+              <a:t>2020/10/20</a:t>
             </a:fld>
             <a:endParaRPr kumimoji="1" lang="ja-JP" altLang="en-US"/>
           </a:p>
@@ -561,7 +561,7 @@
         </p:nvSpPr>
         <p:spPr>
           <a:xfrm>
-            <a:off x="8724900" y="365125"/>
+            <a:off x="8724899" y="365125"/>
             <a:ext cx="2628900" cy="5811838"/>
           </a:xfrm>
         </p:spPr>
@@ -589,7 +589,7 @@
         </p:nvSpPr>
         <p:spPr>
           <a:xfrm>
-            <a:off x="838200" y="365125"/>
+            <a:off x="838199" y="365125"/>
             <a:ext cx="7734300" cy="5811838"/>
           </a:xfrm>
         </p:spPr>
@@ -683,7 +683,7 @@
           <a:p>
             <a:fld id="{F6187879-3E71-47E9-AF2E-6DC9BF0289AB}" type="datetimeFigureOut">
               <a:rPr kumimoji="1" lang="ja-JP" altLang="en-US" smtClean="0"/>
-              <a:t>2020/10/19</a:t>
+              <a:t>2020/10/20</a:t>
             </a:fld>
             <a:endParaRPr kumimoji="1" lang="ja-JP" altLang="en-US"/>
           </a:p>
@@ -885,7 +885,7 @@
           <a:p>
             <a:fld id="{F6187879-3E71-47E9-AF2E-6DC9BF0289AB}" type="datetimeFigureOut">
               <a:rPr kumimoji="1" lang="ja-JP" altLang="en-US" smtClean="0"/>
-              <a:t>2020/10/19</a:t>
+              <a:t>2020/10/20</a:t>
             </a:fld>
             <a:endParaRPr kumimoji="1" lang="ja-JP" altLang="en-US"/>
           </a:p>
@@ -975,7 +975,7 @@
         </p:nvSpPr>
         <p:spPr>
           <a:xfrm>
-            <a:off x="831850" y="1709738"/>
+            <a:off x="831852" y="1709738"/>
             <a:ext cx="10515600" cy="2852737"/>
           </a:xfrm>
         </p:spPr>
@@ -1007,7 +1007,7 @@
         </p:nvSpPr>
         <p:spPr>
           <a:xfrm>
-            <a:off x="831850" y="4589463"/>
+            <a:off x="831852" y="4589464"/>
             <a:ext cx="10515600" cy="1500187"/>
           </a:xfrm>
         </p:spPr>
@@ -1024,7 +1024,7 @@
                 </a:solidFill>
               </a:defRPr>
             </a:lvl1pPr>
-            <a:lvl2pPr marL="457200" indent="0">
+            <a:lvl2pPr marL="457206" indent="0">
               <a:buNone/>
               <a:defRPr sz="2000">
                 <a:solidFill>
@@ -1034,9 +1034,9 @@
                 </a:solidFill>
               </a:defRPr>
             </a:lvl2pPr>
-            <a:lvl3pPr marL="914400" indent="0">
-              <a:buNone/>
-              <a:defRPr sz="1800">
+            <a:lvl3pPr marL="914411" indent="0">
+              <a:buNone/>
+              <a:defRPr sz="1801">
                 <a:solidFill>
                   <a:schemeClr val="tx1">
                     <a:tint val="75000"/>
@@ -1044,7 +1044,7 @@
                 </a:solidFill>
               </a:defRPr>
             </a:lvl3pPr>
-            <a:lvl4pPr marL="1371600" indent="0">
+            <a:lvl4pPr marL="1371617" indent="0">
               <a:buNone/>
               <a:defRPr sz="1600">
                 <a:solidFill>
@@ -1054,7 +1054,7 @@
                 </a:solidFill>
               </a:defRPr>
             </a:lvl4pPr>
-            <a:lvl5pPr marL="1828800" indent="0">
+            <a:lvl5pPr marL="1828823" indent="0">
               <a:buNone/>
               <a:defRPr sz="1600">
                 <a:solidFill>
@@ -1064,7 +1064,7 @@
                 </a:solidFill>
               </a:defRPr>
             </a:lvl5pPr>
-            <a:lvl6pPr marL="2286000" indent="0">
+            <a:lvl6pPr marL="2286029" indent="0">
               <a:buNone/>
               <a:defRPr sz="1600">
                 <a:solidFill>
@@ -1074,7 +1074,7 @@
                 </a:solidFill>
               </a:defRPr>
             </a:lvl6pPr>
-            <a:lvl7pPr marL="2743200" indent="0">
+            <a:lvl7pPr marL="2743234" indent="0">
               <a:buNone/>
               <a:defRPr sz="1600">
                 <a:solidFill>
@@ -1084,7 +1084,7 @@
                 </a:solidFill>
               </a:defRPr>
             </a:lvl7pPr>
-            <a:lvl8pPr marL="3200400" indent="0">
+            <a:lvl8pPr marL="3200440" indent="0">
               <a:buNone/>
               <a:defRPr sz="1600">
                 <a:solidFill>
@@ -1094,7 +1094,7 @@
                 </a:solidFill>
               </a:defRPr>
             </a:lvl8pPr>
-            <a:lvl9pPr marL="3657600" indent="0">
+            <a:lvl9pPr marL="3657646" indent="0">
               <a:buNone/>
               <a:defRPr sz="1600">
                 <a:solidFill>
@@ -1131,7 +1131,7 @@
           <a:p>
             <a:fld id="{F6187879-3E71-47E9-AF2E-6DC9BF0289AB}" type="datetimeFigureOut">
               <a:rPr kumimoji="1" lang="ja-JP" altLang="en-US" smtClean="0"/>
-              <a:t>2020/10/19</a:t>
+              <a:t>2020/10/20</a:t>
             </a:fld>
             <a:endParaRPr kumimoji="1" lang="ja-JP" altLang="en-US"/>
           </a:p>
@@ -1244,7 +1244,7 @@
         </p:nvSpPr>
         <p:spPr>
           <a:xfrm>
-            <a:off x="838200" y="1825625"/>
+            <a:off x="838201" y="1825625"/>
             <a:ext cx="5181600" cy="4351338"/>
           </a:xfrm>
         </p:spPr>
@@ -1333,7 +1333,7 @@
         </p:nvSpPr>
         <p:spPr>
           <a:xfrm>
-            <a:off x="6172200" y="1825625"/>
+            <a:off x="6172201" y="1825625"/>
             <a:ext cx="5181600" cy="4351338"/>
           </a:xfrm>
         </p:spPr>
@@ -1427,7 +1427,7 @@
           <a:p>
             <a:fld id="{F6187879-3E71-47E9-AF2E-6DC9BF0289AB}" type="datetimeFigureOut">
               <a:rPr kumimoji="1" lang="ja-JP" altLang="en-US" smtClean="0"/>
-              <a:t>2020/10/19</a:t>
+              <a:t>2020/10/20</a:t>
             </a:fld>
             <a:endParaRPr kumimoji="1" lang="ja-JP" altLang="en-US"/>
           </a:p>
@@ -1517,7 +1517,7 @@
         </p:nvSpPr>
         <p:spPr>
           <a:xfrm>
-            <a:off x="839788" y="365125"/>
+            <a:off x="839789" y="365125"/>
             <a:ext cx="10515600" cy="1325563"/>
           </a:xfrm>
         </p:spPr>
@@ -1545,7 +1545,7 @@
         </p:nvSpPr>
         <p:spPr>
           <a:xfrm>
-            <a:off x="839788" y="1681163"/>
+            <a:off x="839789" y="1681163"/>
             <a:ext cx="5157787" cy="823912"/>
           </a:xfrm>
         </p:spPr>
@@ -1556,35 +1556,35 @@
               <a:buNone/>
               <a:defRPr sz="2400" b="1"/>
             </a:lvl1pPr>
-            <a:lvl2pPr marL="457200" indent="0">
+            <a:lvl2pPr marL="457206" indent="0">
               <a:buNone/>
               <a:defRPr sz="2000" b="1"/>
             </a:lvl2pPr>
-            <a:lvl3pPr marL="914400" indent="0">
-              <a:buNone/>
-              <a:defRPr sz="1800" b="1"/>
+            <a:lvl3pPr marL="914411" indent="0">
+              <a:buNone/>
+              <a:defRPr sz="1801" b="1"/>
             </a:lvl3pPr>
-            <a:lvl4pPr marL="1371600" indent="0">
+            <a:lvl4pPr marL="1371617" indent="0">
               <a:buNone/>
               <a:defRPr sz="1600" b="1"/>
             </a:lvl4pPr>
-            <a:lvl5pPr marL="1828800" indent="0">
+            <a:lvl5pPr marL="1828823" indent="0">
               <a:buNone/>
               <a:defRPr sz="1600" b="1"/>
             </a:lvl5pPr>
-            <a:lvl6pPr marL="2286000" indent="0">
+            <a:lvl6pPr marL="2286029" indent="0">
               <a:buNone/>
               <a:defRPr sz="1600" b="1"/>
             </a:lvl6pPr>
-            <a:lvl7pPr marL="2743200" indent="0">
+            <a:lvl7pPr marL="2743234" indent="0">
               <a:buNone/>
               <a:defRPr sz="1600" b="1"/>
             </a:lvl7pPr>
-            <a:lvl8pPr marL="3200400" indent="0">
+            <a:lvl8pPr marL="3200440" indent="0">
               <a:buNone/>
               <a:defRPr sz="1600" b="1"/>
             </a:lvl8pPr>
-            <a:lvl9pPr marL="3657600" indent="0">
+            <a:lvl9pPr marL="3657646" indent="0">
               <a:buNone/>
               <a:defRPr sz="1600" b="1"/>
             </a:lvl9pPr>
@@ -1610,7 +1610,7 @@
         </p:nvSpPr>
         <p:spPr>
           <a:xfrm>
-            <a:off x="839788" y="2505075"/>
+            <a:off x="839789" y="2505076"/>
             <a:ext cx="5157787" cy="3684588"/>
           </a:xfrm>
         </p:spPr>
@@ -1699,7 +1699,7 @@
         </p:nvSpPr>
         <p:spPr>
           <a:xfrm>
-            <a:off x="6172200" y="1681163"/>
+            <a:off x="6172202" y="1681163"/>
             <a:ext cx="5183188" cy="823912"/>
           </a:xfrm>
         </p:spPr>
@@ -1710,35 +1710,35 @@
               <a:buNone/>
               <a:defRPr sz="2400" b="1"/>
             </a:lvl1pPr>
-            <a:lvl2pPr marL="457200" indent="0">
+            <a:lvl2pPr marL="457206" indent="0">
               <a:buNone/>
               <a:defRPr sz="2000" b="1"/>
             </a:lvl2pPr>
-            <a:lvl3pPr marL="914400" indent="0">
-              <a:buNone/>
-              <a:defRPr sz="1800" b="1"/>
+            <a:lvl3pPr marL="914411" indent="0">
+              <a:buNone/>
+              <a:defRPr sz="1801" b="1"/>
             </a:lvl3pPr>
-            <a:lvl4pPr marL="1371600" indent="0">
+            <a:lvl4pPr marL="1371617" indent="0">
               <a:buNone/>
               <a:defRPr sz="1600" b="1"/>
             </a:lvl4pPr>
-            <a:lvl5pPr marL="1828800" indent="0">
+            <a:lvl5pPr marL="1828823" indent="0">
               <a:buNone/>
               <a:defRPr sz="1600" b="1"/>
             </a:lvl5pPr>
-            <a:lvl6pPr marL="2286000" indent="0">
+            <a:lvl6pPr marL="2286029" indent="0">
               <a:buNone/>
               <a:defRPr sz="1600" b="1"/>
             </a:lvl6pPr>
-            <a:lvl7pPr marL="2743200" indent="0">
+            <a:lvl7pPr marL="2743234" indent="0">
               <a:buNone/>
               <a:defRPr sz="1600" b="1"/>
             </a:lvl7pPr>
-            <a:lvl8pPr marL="3200400" indent="0">
+            <a:lvl8pPr marL="3200440" indent="0">
               <a:buNone/>
               <a:defRPr sz="1600" b="1"/>
             </a:lvl8pPr>
-            <a:lvl9pPr marL="3657600" indent="0">
+            <a:lvl9pPr marL="3657646" indent="0">
               <a:buNone/>
               <a:defRPr sz="1600" b="1"/>
             </a:lvl9pPr>
@@ -1764,7 +1764,7 @@
         </p:nvSpPr>
         <p:spPr>
           <a:xfrm>
-            <a:off x="6172200" y="2505075"/>
+            <a:off x="6172202" y="2505076"/>
             <a:ext cx="5183188" cy="3684588"/>
           </a:xfrm>
         </p:spPr>
@@ -1858,7 +1858,7 @@
           <a:p>
             <a:fld id="{F6187879-3E71-47E9-AF2E-6DC9BF0289AB}" type="datetimeFigureOut">
               <a:rPr kumimoji="1" lang="ja-JP" altLang="en-US" smtClean="0"/>
-              <a:t>2020/10/19</a:t>
+              <a:t>2020/10/20</a:t>
             </a:fld>
             <a:endParaRPr kumimoji="1" lang="ja-JP" altLang="en-US"/>
           </a:p>
@@ -1976,7 +1976,7 @@
           <a:p>
             <a:fld id="{F6187879-3E71-47E9-AF2E-6DC9BF0289AB}" type="datetimeFigureOut">
               <a:rPr kumimoji="1" lang="ja-JP" altLang="en-US" smtClean="0"/>
-              <a:t>2020/10/19</a:t>
+              <a:t>2020/10/20</a:t>
             </a:fld>
             <a:endParaRPr kumimoji="1" lang="ja-JP" altLang="en-US"/>
           </a:p>
@@ -2071,7 +2071,7 @@
           <a:p>
             <a:fld id="{F6187879-3E71-47E9-AF2E-6DC9BF0289AB}" type="datetimeFigureOut">
               <a:rPr kumimoji="1" lang="ja-JP" altLang="en-US" smtClean="0"/>
-              <a:t>2020/10/19</a:t>
+              <a:t>2020/10/20</a:t>
             </a:fld>
             <a:endParaRPr kumimoji="1" lang="ja-JP" altLang="en-US"/>
           </a:p>
@@ -2161,8 +2161,8 @@
         </p:nvSpPr>
         <p:spPr>
           <a:xfrm>
-            <a:off x="839788" y="457200"/>
-            <a:ext cx="3932237" cy="1600200"/>
+            <a:off x="839790" y="457200"/>
+            <a:ext cx="3932236" cy="1600200"/>
           </a:xfrm>
         </p:spPr>
         <p:txBody>
@@ -2194,7 +2194,7 @@
         <p:spPr>
           <a:xfrm>
             <a:off x="5183188" y="987425"/>
-            <a:ext cx="6172200" cy="4873625"/>
+            <a:ext cx="6172201" cy="4873625"/>
           </a:xfrm>
         </p:spPr>
         <p:txBody>
@@ -2310,8 +2310,8 @@
         </p:nvSpPr>
         <p:spPr>
           <a:xfrm>
-            <a:off x="839788" y="2057400"/>
-            <a:ext cx="3932237" cy="3811588"/>
+            <a:off x="839790" y="2057400"/>
+            <a:ext cx="3932236" cy="3811588"/>
           </a:xfrm>
         </p:spPr>
         <p:txBody>
@@ -2321,37 +2321,37 @@
               <a:buNone/>
               <a:defRPr sz="1600"/>
             </a:lvl1pPr>
-            <a:lvl2pPr marL="457200" indent="0">
-              <a:buNone/>
-              <a:defRPr sz="1400"/>
+            <a:lvl2pPr marL="457206" indent="0">
+              <a:buNone/>
+              <a:defRPr sz="1401"/>
             </a:lvl2pPr>
-            <a:lvl3pPr marL="914400" indent="0">
+            <a:lvl3pPr marL="914411" indent="0">
               <a:buNone/>
               <a:defRPr sz="1200"/>
             </a:lvl3pPr>
-            <a:lvl4pPr marL="1371600" indent="0">
-              <a:buNone/>
-              <a:defRPr sz="1000"/>
+            <a:lvl4pPr marL="1371617" indent="0">
+              <a:buNone/>
+              <a:defRPr sz="1001"/>
             </a:lvl4pPr>
-            <a:lvl5pPr marL="1828800" indent="0">
-              <a:buNone/>
-              <a:defRPr sz="1000"/>
+            <a:lvl5pPr marL="1828823" indent="0">
+              <a:buNone/>
+              <a:defRPr sz="1001"/>
             </a:lvl5pPr>
-            <a:lvl6pPr marL="2286000" indent="0">
-              <a:buNone/>
-              <a:defRPr sz="1000"/>
+            <a:lvl6pPr marL="2286029" indent="0">
+              <a:buNone/>
+              <a:defRPr sz="1001"/>
             </a:lvl6pPr>
-            <a:lvl7pPr marL="2743200" indent="0">
-              <a:buNone/>
-              <a:defRPr sz="1000"/>
+            <a:lvl7pPr marL="2743234" indent="0">
+              <a:buNone/>
+              <a:defRPr sz="1001"/>
             </a:lvl7pPr>
-            <a:lvl8pPr marL="3200400" indent="0">
-              <a:buNone/>
-              <a:defRPr sz="1000"/>
+            <a:lvl8pPr marL="3200440" indent="0">
+              <a:buNone/>
+              <a:defRPr sz="1001"/>
             </a:lvl8pPr>
-            <a:lvl9pPr marL="3657600" indent="0">
-              <a:buNone/>
-              <a:defRPr sz="1000"/>
+            <a:lvl9pPr marL="3657646" indent="0">
+              <a:buNone/>
+              <a:defRPr sz="1001"/>
             </a:lvl9pPr>
           </a:lstStyle>
           <a:p>
@@ -2380,7 +2380,7 @@
           <a:p>
             <a:fld id="{F6187879-3E71-47E9-AF2E-6DC9BF0289AB}" type="datetimeFigureOut">
               <a:rPr kumimoji="1" lang="ja-JP" altLang="en-US" smtClean="0"/>
-              <a:t>2020/10/19</a:t>
+              <a:t>2020/10/20</a:t>
             </a:fld>
             <a:endParaRPr kumimoji="1" lang="ja-JP" altLang="en-US"/>
           </a:p>
@@ -2470,8 +2470,8 @@
         </p:nvSpPr>
         <p:spPr>
           <a:xfrm>
-            <a:off x="839788" y="457200"/>
-            <a:ext cx="3932237" cy="1600200"/>
+            <a:off x="839790" y="457200"/>
+            <a:ext cx="3932236" cy="1600200"/>
           </a:xfrm>
         </p:spPr>
         <p:txBody>
@@ -2503,7 +2503,7 @@
         <p:spPr>
           <a:xfrm>
             <a:off x="5183188" y="987425"/>
-            <a:ext cx="6172200" cy="4873625"/>
+            <a:ext cx="6172201" cy="4873625"/>
           </a:xfrm>
         </p:spPr>
         <p:txBody>
@@ -2513,35 +2513,35 @@
               <a:buNone/>
               <a:defRPr sz="3200"/>
             </a:lvl1pPr>
-            <a:lvl2pPr marL="457200" indent="0">
+            <a:lvl2pPr marL="457206" indent="0">
               <a:buNone/>
               <a:defRPr sz="2800"/>
             </a:lvl2pPr>
-            <a:lvl3pPr marL="914400" indent="0">
+            <a:lvl3pPr marL="914411" indent="0">
               <a:buNone/>
               <a:defRPr sz="2400"/>
             </a:lvl3pPr>
-            <a:lvl4pPr marL="1371600" indent="0">
+            <a:lvl4pPr marL="1371617" indent="0">
               <a:buNone/>
               <a:defRPr sz="2000"/>
             </a:lvl4pPr>
-            <a:lvl5pPr marL="1828800" indent="0">
+            <a:lvl5pPr marL="1828823" indent="0">
               <a:buNone/>
               <a:defRPr sz="2000"/>
             </a:lvl5pPr>
-            <a:lvl6pPr marL="2286000" indent="0">
+            <a:lvl6pPr marL="2286029" indent="0">
               <a:buNone/>
               <a:defRPr sz="2000"/>
             </a:lvl6pPr>
-            <a:lvl7pPr marL="2743200" indent="0">
+            <a:lvl7pPr marL="2743234" indent="0">
               <a:buNone/>
               <a:defRPr sz="2000"/>
             </a:lvl7pPr>
-            <a:lvl8pPr marL="3200400" indent="0">
+            <a:lvl8pPr marL="3200440" indent="0">
               <a:buNone/>
               <a:defRPr sz="2000"/>
             </a:lvl8pPr>
-            <a:lvl9pPr marL="3657600" indent="0">
+            <a:lvl9pPr marL="3657646" indent="0">
               <a:buNone/>
               <a:defRPr sz="2000"/>
             </a:lvl9pPr>
@@ -2563,8 +2563,8 @@
         </p:nvSpPr>
         <p:spPr>
           <a:xfrm>
-            <a:off x="839788" y="2057400"/>
-            <a:ext cx="3932237" cy="3811588"/>
+            <a:off x="839790" y="2057400"/>
+            <a:ext cx="3932236" cy="3811588"/>
           </a:xfrm>
         </p:spPr>
         <p:txBody>
@@ -2574,37 +2574,37 @@
               <a:buNone/>
               <a:defRPr sz="1600"/>
             </a:lvl1pPr>
-            <a:lvl2pPr marL="457200" indent="0">
-              <a:buNone/>
-              <a:defRPr sz="1400"/>
+            <a:lvl2pPr marL="457206" indent="0">
+              <a:buNone/>
+              <a:defRPr sz="1401"/>
             </a:lvl2pPr>
-            <a:lvl3pPr marL="914400" indent="0">
+            <a:lvl3pPr marL="914411" indent="0">
               <a:buNone/>
               <a:defRPr sz="1200"/>
             </a:lvl3pPr>
-            <a:lvl4pPr marL="1371600" indent="0">
-              <a:buNone/>
-              <a:defRPr sz="1000"/>
+            <a:lvl4pPr marL="1371617" indent="0">
+              <a:buNone/>
+              <a:defRPr sz="1001"/>
             </a:lvl4pPr>
-            <a:lvl5pPr marL="1828800" indent="0">
-              <a:buNone/>
-              <a:defRPr sz="1000"/>
+            <a:lvl5pPr marL="1828823" indent="0">
+              <a:buNone/>
+              <a:defRPr sz="1001"/>
             </a:lvl5pPr>
-            <a:lvl6pPr marL="2286000" indent="0">
-              <a:buNone/>
-              <a:defRPr sz="1000"/>
+            <a:lvl6pPr marL="2286029" indent="0">
+              <a:buNone/>
+              <a:defRPr sz="1001"/>
             </a:lvl6pPr>
-            <a:lvl7pPr marL="2743200" indent="0">
-              <a:buNone/>
-              <a:defRPr sz="1000"/>
+            <a:lvl7pPr marL="2743234" indent="0">
+              <a:buNone/>
+              <a:defRPr sz="1001"/>
             </a:lvl7pPr>
-            <a:lvl8pPr marL="3200400" indent="0">
-              <a:buNone/>
-              <a:defRPr sz="1000"/>
+            <a:lvl8pPr marL="3200440" indent="0">
+              <a:buNone/>
+              <a:defRPr sz="1001"/>
             </a:lvl8pPr>
-            <a:lvl9pPr marL="3657600" indent="0">
-              <a:buNone/>
-              <a:defRPr sz="1000"/>
+            <a:lvl9pPr marL="3657646" indent="0">
+              <a:buNone/>
+              <a:defRPr sz="1001"/>
             </a:lvl9pPr>
           </a:lstStyle>
           <a:p>
@@ -2633,7 +2633,7 @@
           <a:p>
             <a:fld id="{F6187879-3E71-47E9-AF2E-6DC9BF0289AB}" type="datetimeFigureOut">
               <a:rPr kumimoji="1" lang="ja-JP" altLang="en-US" smtClean="0"/>
-              <a:t>2020/10/19</a:t>
+              <a:t>2020/10/20</a:t>
             </a:fld>
             <a:endParaRPr kumimoji="1" lang="ja-JP" altLang="en-US"/>
           </a:p>
@@ -2728,7 +2728,7 @@
         </p:nvSpPr>
         <p:spPr>
           <a:xfrm>
-            <a:off x="838200" y="365125"/>
+            <a:off x="838202" y="365125"/>
             <a:ext cx="10515600" cy="1325563"/>
           </a:xfrm>
           <a:prstGeom prst="rect">
@@ -2761,7 +2761,7 @@
         </p:nvSpPr>
         <p:spPr>
           <a:xfrm>
-            <a:off x="838200" y="1825625"/>
+            <a:off x="838202" y="1825625"/>
             <a:ext cx="10515600" cy="4351338"/>
           </a:xfrm>
           <a:prstGeom prst="rect">
@@ -2855,7 +2855,7 @@
         </p:nvSpPr>
         <p:spPr>
           <a:xfrm>
-            <a:off x="838200" y="6356350"/>
+            <a:off x="838201" y="6356351"/>
             <a:ext cx="2743200" cy="365125"/>
           </a:xfrm>
           <a:prstGeom prst="rect">
@@ -2878,7 +2878,7 @@
           <a:p>
             <a:fld id="{F6187879-3E71-47E9-AF2E-6DC9BF0289AB}" type="datetimeFigureOut">
               <a:rPr kumimoji="1" lang="ja-JP" altLang="en-US" smtClean="0"/>
-              <a:t>2020/10/19</a:t>
+              <a:t>2020/10/20</a:t>
             </a:fld>
             <a:endParaRPr kumimoji="1" lang="ja-JP" altLang="en-US"/>
           </a:p>
@@ -2896,7 +2896,7 @@
         </p:nvSpPr>
         <p:spPr>
           <a:xfrm>
-            <a:off x="4038600" y="6356350"/>
+            <a:off x="4038602" y="6356351"/>
             <a:ext cx="4114800" cy="365125"/>
           </a:xfrm>
           <a:prstGeom prst="rect">
@@ -2933,7 +2933,7 @@
         </p:nvSpPr>
         <p:spPr>
           <a:xfrm>
-            <a:off x="8610600" y="6356350"/>
+            <a:off x="8610601" y="6356351"/>
             <a:ext cx="2743200" cy="365125"/>
           </a:xfrm>
           <a:prstGeom prst="rect">
@@ -2985,7 +2985,7 @@
   </p:sldLayoutIdLst>
   <p:txStyles>
     <p:titleStyle>
-      <a:lvl1pPr algn="l" defTabSz="914400" rtl="0" eaLnBrk="1" latinLnBrk="0" hangingPunct="1">
+      <a:lvl1pPr algn="l" defTabSz="914411" rtl="0" eaLnBrk="1" latinLnBrk="0" hangingPunct="1">
         <a:lnSpc>
           <a:spcPct val="90000"/>
         </a:lnSpc>
@@ -3004,12 +3004,12 @@
       </a:lvl1pPr>
     </p:titleStyle>
     <p:bodyStyle>
-      <a:lvl1pPr marL="228600" indent="-228600" algn="l" defTabSz="914400" rtl="0" eaLnBrk="1" latinLnBrk="0" hangingPunct="1">
+      <a:lvl1pPr marL="228604" indent="-228604" algn="l" defTabSz="914411" rtl="0" eaLnBrk="1" latinLnBrk="0" hangingPunct="1">
         <a:lnSpc>
           <a:spcPct val="90000"/>
         </a:lnSpc>
         <a:spcBef>
-          <a:spcPts val="1000"/>
+          <a:spcPts val="1001"/>
         </a:spcBef>
         <a:buFont typeface="Arial" panose="020B0604020202020204" pitchFamily="34" charset="0"/>
         <a:buChar char="•"/>
@@ -3022,7 +3022,7 @@
           <a:cs typeface="+mn-cs"/>
         </a:defRPr>
       </a:lvl1pPr>
-      <a:lvl2pPr marL="685800" indent="-228600" algn="l" defTabSz="914400" rtl="0" eaLnBrk="1" latinLnBrk="0" hangingPunct="1">
+      <a:lvl2pPr marL="685809" indent="-228604" algn="l" defTabSz="914411" rtl="0" eaLnBrk="1" latinLnBrk="0" hangingPunct="1">
         <a:lnSpc>
           <a:spcPct val="90000"/>
         </a:lnSpc>
@@ -3040,7 +3040,7 @@
           <a:cs typeface="+mn-cs"/>
         </a:defRPr>
       </a:lvl2pPr>
-      <a:lvl3pPr marL="1143000" indent="-228600" algn="l" defTabSz="914400" rtl="0" eaLnBrk="1" latinLnBrk="0" hangingPunct="1">
+      <a:lvl3pPr marL="1143015" indent="-228604" algn="l" defTabSz="914411" rtl="0" eaLnBrk="1" latinLnBrk="0" hangingPunct="1">
         <a:lnSpc>
           <a:spcPct val="90000"/>
         </a:lnSpc>
@@ -3058,7 +3058,7 @@
           <a:cs typeface="+mn-cs"/>
         </a:defRPr>
       </a:lvl3pPr>
-      <a:lvl4pPr marL="1600200" indent="-228600" algn="l" defTabSz="914400" rtl="0" eaLnBrk="1" latinLnBrk="0" hangingPunct="1">
+      <a:lvl4pPr marL="1600221" indent="-228604" algn="l" defTabSz="914411" rtl="0" eaLnBrk="1" latinLnBrk="0" hangingPunct="1">
         <a:lnSpc>
           <a:spcPct val="90000"/>
         </a:lnSpc>
@@ -3067,7 +3067,7 @@
         </a:spcBef>
         <a:buFont typeface="Arial" panose="020B0604020202020204" pitchFamily="34" charset="0"/>
         <a:buChar char="•"/>
-        <a:defRPr kumimoji="1" sz="1800" kern="1200">
+        <a:defRPr kumimoji="1" sz="1801" kern="1200">
           <a:solidFill>
             <a:schemeClr val="tx1"/>
           </a:solidFill>
@@ -3076,7 +3076,7 @@
           <a:cs typeface="+mn-cs"/>
         </a:defRPr>
       </a:lvl4pPr>
-      <a:lvl5pPr marL="2057400" indent="-228600" algn="l" defTabSz="914400" rtl="0" eaLnBrk="1" latinLnBrk="0" hangingPunct="1">
+      <a:lvl5pPr marL="2057427" indent="-228604" algn="l" defTabSz="914411" rtl="0" eaLnBrk="1" latinLnBrk="0" hangingPunct="1">
         <a:lnSpc>
           <a:spcPct val="90000"/>
         </a:lnSpc>
@@ -3085,7 +3085,7 @@
         </a:spcBef>
         <a:buFont typeface="Arial" panose="020B0604020202020204" pitchFamily="34" charset="0"/>
         <a:buChar char="•"/>
-        <a:defRPr kumimoji="1" sz="1800" kern="1200">
+        <a:defRPr kumimoji="1" sz="1801" kern="1200">
           <a:solidFill>
             <a:schemeClr val="tx1"/>
           </a:solidFill>
@@ -3094,7 +3094,7 @@
           <a:cs typeface="+mn-cs"/>
         </a:defRPr>
       </a:lvl5pPr>
-      <a:lvl6pPr marL="2514600" indent="-228600" algn="l" defTabSz="914400" rtl="0" eaLnBrk="1" latinLnBrk="0" hangingPunct="1">
+      <a:lvl6pPr marL="2514632" indent="-228604" algn="l" defTabSz="914411" rtl="0" eaLnBrk="1" latinLnBrk="0" hangingPunct="1">
         <a:lnSpc>
           <a:spcPct val="90000"/>
         </a:lnSpc>
@@ -3103,7 +3103,7 @@
         </a:spcBef>
         <a:buFont typeface="Arial" panose="020B0604020202020204" pitchFamily="34" charset="0"/>
         <a:buChar char="•"/>
-        <a:defRPr kumimoji="1" sz="1800" kern="1200">
+        <a:defRPr kumimoji="1" sz="1801" kern="1200">
           <a:solidFill>
             <a:schemeClr val="tx1"/>
           </a:solidFill>
@@ -3112,7 +3112,7 @@
           <a:cs typeface="+mn-cs"/>
         </a:defRPr>
       </a:lvl6pPr>
-      <a:lvl7pPr marL="2971800" indent="-228600" algn="l" defTabSz="914400" rtl="0" eaLnBrk="1" latinLnBrk="0" hangingPunct="1">
+      <a:lvl7pPr marL="2971838" indent="-228604" algn="l" defTabSz="914411" rtl="0" eaLnBrk="1" latinLnBrk="0" hangingPunct="1">
         <a:lnSpc>
           <a:spcPct val="90000"/>
         </a:lnSpc>
@@ -3121,7 +3121,7 @@
         </a:spcBef>
         <a:buFont typeface="Arial" panose="020B0604020202020204" pitchFamily="34" charset="0"/>
         <a:buChar char="•"/>
-        <a:defRPr kumimoji="1" sz="1800" kern="1200">
+        <a:defRPr kumimoji="1" sz="1801" kern="1200">
           <a:solidFill>
             <a:schemeClr val="tx1"/>
           </a:solidFill>
@@ -3130,7 +3130,7 @@
           <a:cs typeface="+mn-cs"/>
         </a:defRPr>
       </a:lvl7pPr>
-      <a:lvl8pPr marL="3429000" indent="-228600" algn="l" defTabSz="914400" rtl="0" eaLnBrk="1" latinLnBrk="0" hangingPunct="1">
+      <a:lvl8pPr marL="3429044" indent="-228604" algn="l" defTabSz="914411" rtl="0" eaLnBrk="1" latinLnBrk="0" hangingPunct="1">
         <a:lnSpc>
           <a:spcPct val="90000"/>
         </a:lnSpc>
@@ -3139,7 +3139,7 @@
         </a:spcBef>
         <a:buFont typeface="Arial" panose="020B0604020202020204" pitchFamily="34" charset="0"/>
         <a:buChar char="•"/>
-        <a:defRPr kumimoji="1" sz="1800" kern="1200">
+        <a:defRPr kumimoji="1" sz="1801" kern="1200">
           <a:solidFill>
             <a:schemeClr val="tx1"/>
           </a:solidFill>
@@ -3148,7 +3148,7 @@
           <a:cs typeface="+mn-cs"/>
         </a:defRPr>
       </a:lvl8pPr>
-      <a:lvl9pPr marL="3886200" indent="-228600" algn="l" defTabSz="914400" rtl="0" eaLnBrk="1" latinLnBrk="0" hangingPunct="1">
+      <a:lvl9pPr marL="3886249" indent="-228604" algn="l" defTabSz="914411" rtl="0" eaLnBrk="1" latinLnBrk="0" hangingPunct="1">
         <a:lnSpc>
           <a:spcPct val="90000"/>
         </a:lnSpc>
@@ -3157,7 +3157,7 @@
         </a:spcBef>
         <a:buFont typeface="Arial" panose="020B0604020202020204" pitchFamily="34" charset="0"/>
         <a:buChar char="•"/>
-        <a:defRPr kumimoji="1" sz="1800" kern="1200">
+        <a:defRPr kumimoji="1" sz="1801" kern="1200">
           <a:solidFill>
             <a:schemeClr val="tx1"/>
           </a:solidFill>
@@ -3171,8 +3171,8 @@
       <a:defPPr>
         <a:defRPr lang="ja-JP"/>
       </a:defPPr>
-      <a:lvl1pPr marL="0" algn="l" defTabSz="914400" rtl="0" eaLnBrk="1" latinLnBrk="0" hangingPunct="1">
-        <a:defRPr kumimoji="1" sz="1800" kern="1200">
+      <a:lvl1pPr marL="0" algn="l" defTabSz="914411" rtl="0" eaLnBrk="1" latinLnBrk="0" hangingPunct="1">
+        <a:defRPr kumimoji="1" sz="1801" kern="1200">
           <a:solidFill>
             <a:schemeClr val="tx1"/>
           </a:solidFill>
@@ -3181,8 +3181,8 @@
           <a:cs typeface="+mn-cs"/>
         </a:defRPr>
       </a:lvl1pPr>
-      <a:lvl2pPr marL="457200" algn="l" defTabSz="914400" rtl="0" eaLnBrk="1" latinLnBrk="0" hangingPunct="1">
-        <a:defRPr kumimoji="1" sz="1800" kern="1200">
+      <a:lvl2pPr marL="457206" algn="l" defTabSz="914411" rtl="0" eaLnBrk="1" latinLnBrk="0" hangingPunct="1">
+        <a:defRPr kumimoji="1" sz="1801" kern="1200">
           <a:solidFill>
             <a:schemeClr val="tx1"/>
           </a:solidFill>
@@ -3191,8 +3191,8 @@
           <a:cs typeface="+mn-cs"/>
         </a:defRPr>
       </a:lvl2pPr>
-      <a:lvl3pPr marL="914400" algn="l" defTabSz="914400" rtl="0" eaLnBrk="1" latinLnBrk="0" hangingPunct="1">
-        <a:defRPr kumimoji="1" sz="1800" kern="1200">
+      <a:lvl3pPr marL="914411" algn="l" defTabSz="914411" rtl="0" eaLnBrk="1" latinLnBrk="0" hangingPunct="1">
+        <a:defRPr kumimoji="1" sz="1801" kern="1200">
           <a:solidFill>
             <a:schemeClr val="tx1"/>
           </a:solidFill>
@@ -3201,8 +3201,8 @@
           <a:cs typeface="+mn-cs"/>
         </a:defRPr>
       </a:lvl3pPr>
-      <a:lvl4pPr marL="1371600" algn="l" defTabSz="914400" rtl="0" eaLnBrk="1" latinLnBrk="0" hangingPunct="1">
-        <a:defRPr kumimoji="1" sz="1800" kern="1200">
+      <a:lvl4pPr marL="1371617" algn="l" defTabSz="914411" rtl="0" eaLnBrk="1" latinLnBrk="0" hangingPunct="1">
+        <a:defRPr kumimoji="1" sz="1801" kern="1200">
           <a:solidFill>
             <a:schemeClr val="tx1"/>
           </a:solidFill>
@@ -3211,8 +3211,8 @@
           <a:cs typeface="+mn-cs"/>
         </a:defRPr>
       </a:lvl4pPr>
-      <a:lvl5pPr marL="1828800" algn="l" defTabSz="914400" rtl="0" eaLnBrk="1" latinLnBrk="0" hangingPunct="1">
-        <a:defRPr kumimoji="1" sz="1800" kern="1200">
+      <a:lvl5pPr marL="1828823" algn="l" defTabSz="914411" rtl="0" eaLnBrk="1" latinLnBrk="0" hangingPunct="1">
+        <a:defRPr kumimoji="1" sz="1801" kern="1200">
           <a:solidFill>
             <a:schemeClr val="tx1"/>
           </a:solidFill>
@@ -3221,8 +3221,8 @@
           <a:cs typeface="+mn-cs"/>
         </a:defRPr>
       </a:lvl5pPr>
-      <a:lvl6pPr marL="2286000" algn="l" defTabSz="914400" rtl="0" eaLnBrk="1" latinLnBrk="0" hangingPunct="1">
-        <a:defRPr kumimoji="1" sz="1800" kern="1200">
+      <a:lvl6pPr marL="2286029" algn="l" defTabSz="914411" rtl="0" eaLnBrk="1" latinLnBrk="0" hangingPunct="1">
+        <a:defRPr kumimoji="1" sz="1801" kern="1200">
           <a:solidFill>
             <a:schemeClr val="tx1"/>
           </a:solidFill>
@@ -3231,8 +3231,8 @@
           <a:cs typeface="+mn-cs"/>
         </a:defRPr>
       </a:lvl6pPr>
-      <a:lvl7pPr marL="2743200" algn="l" defTabSz="914400" rtl="0" eaLnBrk="1" latinLnBrk="0" hangingPunct="1">
-        <a:defRPr kumimoji="1" sz="1800" kern="1200">
+      <a:lvl7pPr marL="2743234" algn="l" defTabSz="914411" rtl="0" eaLnBrk="1" latinLnBrk="0" hangingPunct="1">
+        <a:defRPr kumimoji="1" sz="1801" kern="1200">
           <a:solidFill>
             <a:schemeClr val="tx1"/>
           </a:solidFill>
@@ -3241,8 +3241,8 @@
           <a:cs typeface="+mn-cs"/>
         </a:defRPr>
       </a:lvl7pPr>
-      <a:lvl8pPr marL="3200400" algn="l" defTabSz="914400" rtl="0" eaLnBrk="1" latinLnBrk="0" hangingPunct="1">
-        <a:defRPr kumimoji="1" sz="1800" kern="1200">
+      <a:lvl8pPr marL="3200440" algn="l" defTabSz="914411" rtl="0" eaLnBrk="1" latinLnBrk="0" hangingPunct="1">
+        <a:defRPr kumimoji="1" sz="1801" kern="1200">
           <a:solidFill>
             <a:schemeClr val="tx1"/>
           </a:solidFill>
@@ -3251,8 +3251,8 @@
           <a:cs typeface="+mn-cs"/>
         </a:defRPr>
       </a:lvl8pPr>
-      <a:lvl9pPr marL="3657600" algn="l" defTabSz="914400" rtl="0" eaLnBrk="1" latinLnBrk="0" hangingPunct="1">
-        <a:defRPr kumimoji="1" sz="1800" kern="1200">
+      <a:lvl9pPr marL="3657646" algn="l" defTabSz="914411" rtl="0" eaLnBrk="1" latinLnBrk="0" hangingPunct="1">
+        <a:defRPr kumimoji="1" sz="1801" kern="1200">
           <a:solidFill>
             <a:schemeClr val="tx1"/>
           </a:solidFill>
@@ -3310,8 +3310,8 @@
         </p:nvSpPr>
         <p:spPr>
           <a:xfrm>
-            <a:off x="618880" y="443442"/>
-            <a:ext cx="11480801" cy="956233"/>
+            <a:off x="618881" y="443444"/>
+            <a:ext cx="11480802" cy="956233"/>
           </a:xfrm>
         </p:spPr>
         <p:txBody>
@@ -3360,7 +3360,7 @@
         </p:nvSpPr>
         <p:spPr>
           <a:xfrm>
-            <a:off x="-133176" y="408263"/>
+            <a:off x="9267497" y="70401"/>
             <a:ext cx="2735361" cy="671795"/>
           </a:xfrm>
         </p:spPr>
@@ -3371,7 +3371,7 @@
           <a:lstStyle/>
           <a:p>
             <a:r>
-              <a:rPr lang="en-US" altLang="ja-JP" sz="1600" b="1" i="1" dirty="0" smtClean="0">
+              <a:rPr lang="en-US" altLang="ja-JP" sz="1600" b="1" i="1" dirty="0">
                 <a:solidFill>
                   <a:schemeClr val="tx1">
                     <a:lumMod val="95000"/>
@@ -3382,7 +3382,7 @@
               <a:t>3D</a:t>
             </a:r>
             <a:r>
-              <a:rPr lang="ja-JP" altLang="en-US" sz="1600" b="1" i="1" dirty="0" smtClean="0">
+              <a:rPr lang="ja-JP" altLang="en-US" sz="1600" b="1" i="1" dirty="0">
                 <a:solidFill>
                   <a:schemeClr val="tx1">
                     <a:lumMod val="95000"/>
@@ -3392,7 +3392,7 @@
               </a:rPr>
               <a:t>シューティングゲーム</a:t>
             </a:r>
-            <a:endParaRPr lang="en-US" altLang="ja-JP" sz="1600" b="1" i="1" dirty="0" smtClean="0">
+            <a:endParaRPr lang="en-US" altLang="ja-JP" sz="1600" b="1" i="1" dirty="0">
               <a:solidFill>
                 <a:schemeClr val="tx1">
                   <a:lumMod val="95000"/>
@@ -3403,7 +3403,7 @@
           </a:p>
           <a:p>
             <a:r>
-              <a:rPr kumimoji="1" lang="ja-JP" altLang="en-US" sz="1600" b="1" i="1" dirty="0">
+              <a:rPr lang="ja-JP" altLang="en-US" sz="1600" b="1" i="1" dirty="0">
                 <a:solidFill>
                   <a:schemeClr val="tx1">
                     <a:lumMod val="95000"/>
@@ -3438,8 +3438,8 @@
         </p:blipFill>
         <p:spPr>
           <a:xfrm>
-            <a:off x="6915407" y="1525975"/>
-            <a:ext cx="2014730" cy="3187781"/>
+            <a:off x="6915406" y="1525977"/>
+            <a:ext cx="2014731" cy="3187781"/>
           </a:xfrm>
           <a:prstGeom prst="rect">
             <a:avLst/>
@@ -3471,7 +3471,7 @@
         </p:blipFill>
         <p:spPr>
           <a:xfrm>
-            <a:off x="3103011" y="1617530"/>
+            <a:off x="3078949" y="1614685"/>
             <a:ext cx="2139131" cy="2984834"/>
           </a:xfrm>
           <a:prstGeom prst="rect">
@@ -3490,8 +3490,8 @@
         </p:nvSpPr>
         <p:spPr>
           <a:xfrm>
-            <a:off x="5428735" y="2125362"/>
-            <a:ext cx="1227438" cy="1318054"/>
+            <a:off x="5428734" y="2125364"/>
+            <a:ext cx="1227438" cy="1318053"/>
           </a:xfrm>
           <a:prstGeom prst="irregularSeal2">
             <a:avLst/>
@@ -3525,14 +3525,14 @@
           <a:p>
             <a:pPr algn="ctr"/>
             <a:r>
-              <a:rPr kumimoji="1" lang="en-US" altLang="ja-JP" dirty="0" smtClean="0">
+              <a:rPr lang="en-US" altLang="ja-JP" sz="1801" dirty="0">
                 <a:solidFill>
                   <a:srgbClr val="FF0000"/>
                 </a:solidFill>
               </a:rPr>
               <a:t>VS</a:t>
             </a:r>
-            <a:endParaRPr kumimoji="1" lang="ja-JP" altLang="en-US" dirty="0">
+            <a:endParaRPr lang="ja-JP" altLang="en-US" sz="1801" dirty="0">
               <a:solidFill>
                 <a:srgbClr val="FF0000"/>
               </a:solidFill>
@@ -3542,246 +3542,14 @@
       </p:sp>
       <p:sp>
         <p:nvSpPr>
-          <p:cNvPr id="10" name="テキスト ボックス 9"/>
-          <p:cNvSpPr txBox="1"/>
-          <p:nvPr/>
-        </p:nvSpPr>
-        <p:spPr>
-          <a:xfrm>
-            <a:off x="9290578" y="1491220"/>
-            <a:ext cx="2809103" cy="1015663"/>
-          </a:xfrm>
-          <a:prstGeom prst="rect">
-            <a:avLst/>
-          </a:prstGeom>
-          <a:solidFill>
-            <a:srgbClr val="002060"/>
-          </a:solidFill>
-          <a:ln>
-            <a:noFill/>
-          </a:ln>
-        </p:spPr>
-        <p:style>
-          <a:lnRef idx="0">
-            <a:scrgbClr r="0" g="0" b="0"/>
-          </a:lnRef>
-          <a:fillRef idx="0">
-            <a:scrgbClr r="0" g="0" b="0"/>
-          </a:fillRef>
-          <a:effectRef idx="0">
-            <a:scrgbClr r="0" g="0" b="0"/>
-          </a:effectRef>
-          <a:fontRef idx="minor">
-            <a:schemeClr val="lt1"/>
-          </a:fontRef>
-        </p:style>
-        <p:txBody>
-          <a:bodyPr wrap="square" rtlCol="0">
-            <a:spAutoFit/>
-          </a:bodyPr>
-          <a:lstStyle/>
-          <a:p>
-            <a:pPr algn="ctr"/>
-            <a:r>
-              <a:rPr lang="en-US" altLang="ja-JP" sz="2000" dirty="0" err="1" smtClean="0">
-                <a:solidFill>
-                  <a:srgbClr val="FF0000"/>
-                </a:solidFill>
-                <a:latin typeface="HGPｺﾞｼｯｸE" panose="020B0900000000000000" pitchFamily="50" charset="-128"/>
-                <a:ea typeface="HGPｺﾞｼｯｸE" panose="020B0900000000000000" pitchFamily="50" charset="-128"/>
-              </a:rPr>
-              <a:t>ncy</a:t>
-            </a:r>
-            <a:r>
-              <a:rPr lang="ja-JP" altLang="en-US" sz="2000" dirty="0" smtClean="0">
-                <a:solidFill>
-                  <a:srgbClr val="FF0000"/>
-                </a:solidFill>
-                <a:latin typeface="HGPｺﾞｼｯｸE" panose="020B0900000000000000" pitchFamily="50" charset="-128"/>
-                <a:ea typeface="HGPｺﾞｼｯｸE" panose="020B0900000000000000" pitchFamily="50" charset="-128"/>
-              </a:rPr>
-              <a:t>～</a:t>
-            </a:r>
-            <a:r>
-              <a:rPr lang="en-US" altLang="ja-JP" sz="2000" dirty="0" smtClean="0">
-                <a:solidFill>
-                  <a:srgbClr val="FF0000"/>
-                </a:solidFill>
-                <a:latin typeface="HGPｺﾞｼｯｸE" panose="020B0900000000000000" pitchFamily="50" charset="-128"/>
-                <a:ea typeface="HGPｺﾞｼｯｸE" panose="020B0900000000000000" pitchFamily="50" charset="-128"/>
-              </a:rPr>
-              <a:t>Emergency</a:t>
-            </a:r>
-            <a:r>
-              <a:rPr lang="ja-JP" altLang="en-US" sz="2000" dirty="0" smtClean="0">
-                <a:solidFill>
-                  <a:srgbClr val="FF0000"/>
-                </a:solidFill>
-                <a:latin typeface="HGPｺﾞｼｯｸE" panose="020B0900000000000000" pitchFamily="50" charset="-128"/>
-                <a:ea typeface="HGPｺﾞｼｯｸE" panose="020B0900000000000000" pitchFamily="50" charset="-128"/>
-              </a:rPr>
-              <a:t>～</a:t>
-            </a:r>
-            <a:r>
-              <a:rPr lang="en-US" altLang="ja-JP" sz="2000" dirty="0" err="1" smtClean="0">
-                <a:solidFill>
-                  <a:srgbClr val="FF0000"/>
-                </a:solidFill>
-                <a:latin typeface="HGPｺﾞｼｯｸE" panose="020B0900000000000000" pitchFamily="50" charset="-128"/>
-                <a:ea typeface="HGPｺﾞｼｯｸE" panose="020B0900000000000000" pitchFamily="50" charset="-128"/>
-              </a:rPr>
-              <a:t>Eme</a:t>
-            </a:r>
-            <a:endParaRPr lang="en-US" altLang="ja-JP" sz="2000" dirty="0" smtClean="0">
-              <a:solidFill>
-                <a:srgbClr val="FF0000"/>
-              </a:solidFill>
-              <a:latin typeface="HGPｺﾞｼｯｸE" panose="020B0900000000000000" pitchFamily="50" charset="-128"/>
-              <a:ea typeface="HGPｺﾞｼｯｸE" panose="020B0900000000000000" pitchFamily="50" charset="-128"/>
-            </a:endParaRPr>
-          </a:p>
-          <a:p>
-            <a:r>
-              <a:rPr kumimoji="1" lang="ja-JP" altLang="en-US" sz="2000" b="1" dirty="0" smtClean="0"/>
-              <a:t>至急機体ニ乗リ込ミ</a:t>
-            </a:r>
-            <a:endParaRPr kumimoji="1" lang="en-US" altLang="ja-JP" sz="2000" b="1" dirty="0" smtClean="0"/>
-          </a:p>
-          <a:p>
-            <a:r>
-              <a:rPr kumimoji="1" lang="ja-JP" altLang="en-US" sz="2000" b="1" dirty="0" smtClean="0"/>
-              <a:t>敵機ヲ撃破セヨ</a:t>
-            </a:r>
-            <a:endParaRPr kumimoji="1" lang="ja-JP" altLang="en-US" sz="2000" b="1" dirty="0"/>
-          </a:p>
-        </p:txBody>
-      </p:sp>
-      <p:sp>
-        <p:nvSpPr>
-          <p:cNvPr id="12" name="テキスト ボックス 11"/>
-          <p:cNvSpPr txBox="1"/>
-          <p:nvPr/>
-        </p:nvSpPr>
-        <p:spPr>
-          <a:xfrm>
-            <a:off x="73301" y="1338299"/>
-            <a:ext cx="2809103" cy="1015663"/>
-          </a:xfrm>
-          <a:prstGeom prst="rect">
-            <a:avLst/>
-          </a:prstGeom>
-          <a:solidFill>
-            <a:srgbClr val="002060"/>
-          </a:solidFill>
-          <a:ln>
-            <a:noFill/>
-          </a:ln>
-        </p:spPr>
-        <p:style>
-          <a:lnRef idx="0">
-            <a:scrgbClr r="0" g="0" b="0"/>
-          </a:lnRef>
-          <a:fillRef idx="0">
-            <a:scrgbClr r="0" g="0" b="0"/>
-          </a:fillRef>
-          <a:effectRef idx="0">
-            <a:scrgbClr r="0" g="0" b="0"/>
-          </a:effectRef>
-          <a:fontRef idx="minor">
-            <a:schemeClr val="lt1"/>
-          </a:fontRef>
-        </p:style>
-        <p:txBody>
-          <a:bodyPr wrap="square" rtlCol="0">
-            <a:spAutoFit/>
-          </a:bodyPr>
-          <a:lstStyle/>
-          <a:p>
-            <a:pPr algn="ctr"/>
-            <a:r>
-              <a:rPr lang="en-US" altLang="ja-JP" sz="2000" dirty="0" err="1" smtClean="0">
-                <a:solidFill>
-                  <a:srgbClr val="FF0000"/>
-                </a:solidFill>
-                <a:latin typeface="HGPｺﾞｼｯｸE" panose="020B0900000000000000" pitchFamily="50" charset="-128"/>
-                <a:ea typeface="HGPｺﾞｼｯｸE" panose="020B0900000000000000" pitchFamily="50" charset="-128"/>
-              </a:rPr>
-              <a:t>ncy</a:t>
-            </a:r>
-            <a:r>
-              <a:rPr lang="ja-JP" altLang="en-US" sz="2000" dirty="0" smtClean="0">
-                <a:solidFill>
-                  <a:srgbClr val="FF0000"/>
-                </a:solidFill>
-                <a:latin typeface="HGPｺﾞｼｯｸE" panose="020B0900000000000000" pitchFamily="50" charset="-128"/>
-                <a:ea typeface="HGPｺﾞｼｯｸE" panose="020B0900000000000000" pitchFamily="50" charset="-128"/>
-              </a:rPr>
-              <a:t>～</a:t>
-            </a:r>
-            <a:r>
-              <a:rPr lang="en-US" altLang="ja-JP" sz="2000" dirty="0" smtClean="0">
-                <a:solidFill>
-                  <a:srgbClr val="FF0000"/>
-                </a:solidFill>
-                <a:latin typeface="HGPｺﾞｼｯｸE" panose="020B0900000000000000" pitchFamily="50" charset="-128"/>
-                <a:ea typeface="HGPｺﾞｼｯｸE" panose="020B0900000000000000" pitchFamily="50" charset="-128"/>
-              </a:rPr>
-              <a:t>Emergency</a:t>
-            </a:r>
-            <a:r>
-              <a:rPr lang="ja-JP" altLang="en-US" sz="2000" dirty="0" smtClean="0">
-                <a:solidFill>
-                  <a:srgbClr val="FF0000"/>
-                </a:solidFill>
-                <a:latin typeface="HGPｺﾞｼｯｸE" panose="020B0900000000000000" pitchFamily="50" charset="-128"/>
-                <a:ea typeface="HGPｺﾞｼｯｸE" panose="020B0900000000000000" pitchFamily="50" charset="-128"/>
-              </a:rPr>
-              <a:t>～</a:t>
-            </a:r>
-            <a:r>
-              <a:rPr lang="en-US" altLang="ja-JP" sz="2000" dirty="0" err="1" smtClean="0">
-                <a:solidFill>
-                  <a:srgbClr val="FF0000"/>
-                </a:solidFill>
-                <a:latin typeface="HGPｺﾞｼｯｸE" panose="020B0900000000000000" pitchFamily="50" charset="-128"/>
-                <a:ea typeface="HGPｺﾞｼｯｸE" panose="020B0900000000000000" pitchFamily="50" charset="-128"/>
-              </a:rPr>
-              <a:t>Eme</a:t>
-            </a:r>
-            <a:endParaRPr lang="en-US" altLang="ja-JP" sz="2000" dirty="0" smtClean="0">
-              <a:solidFill>
-                <a:srgbClr val="FF0000"/>
-              </a:solidFill>
-              <a:latin typeface="HGPｺﾞｼｯｸE" panose="020B0900000000000000" pitchFamily="50" charset="-128"/>
-              <a:ea typeface="HGPｺﾞｼｯｸE" panose="020B0900000000000000" pitchFamily="50" charset="-128"/>
-            </a:endParaRPr>
-          </a:p>
-          <a:p>
-            <a:r>
-              <a:rPr kumimoji="1" lang="ja-JP" altLang="en-US" sz="2000" b="1" dirty="0" smtClean="0"/>
-              <a:t>至急機体ニ乗リ込ミ</a:t>
-            </a:r>
-            <a:endParaRPr kumimoji="1" lang="en-US" altLang="ja-JP" sz="2000" b="1" dirty="0" smtClean="0"/>
-          </a:p>
-          <a:p>
-            <a:r>
-              <a:rPr kumimoji="1" lang="ja-JP" altLang="en-US" sz="2000" b="1" dirty="0" smtClean="0"/>
-              <a:t>敵機ヲ撃破セヨ</a:t>
-            </a:r>
-            <a:endParaRPr kumimoji="1" lang="ja-JP" altLang="en-US" sz="2000" b="1" dirty="0"/>
-          </a:p>
-        </p:txBody>
-      </p:sp>
-      <p:sp>
-        <p:nvSpPr>
           <p:cNvPr id="11" name="テキスト ボックス 10"/>
           <p:cNvSpPr txBox="1"/>
           <p:nvPr/>
         </p:nvSpPr>
         <p:spPr>
           <a:xfrm>
-            <a:off x="996778" y="5073195"/>
-            <a:ext cx="10387914" cy="800219"/>
+            <a:off x="-815336" y="5209128"/>
+            <a:ext cx="10387915" cy="800347"/>
           </a:xfrm>
           <a:prstGeom prst="rect">
             <a:avLst/>
@@ -3796,47 +3564,47 @@
           <a:p>
             <a:pPr algn="ctr"/>
             <a:r>
-              <a:rPr lang="ja-JP" altLang="en-US" b="1" dirty="0">
+              <a:rPr lang="ja-JP" altLang="en-US" sz="1801" b="1" dirty="0">
                 <a:solidFill>
-                  <a:srgbClr val="FFFF00"/>
+                  <a:srgbClr val="C00000"/>
                 </a:solidFill>
               </a:rPr>
               <a:t>ロボットに乗り込み敵を</a:t>
             </a:r>
             <a:r>
-              <a:rPr lang="ja-JP" altLang="en-US" b="1" dirty="0" smtClean="0">
+              <a:rPr lang="ja-JP" altLang="en-US" sz="1801" b="1" dirty="0">
                 <a:solidFill>
-                  <a:srgbClr val="FFFF00"/>
+                  <a:srgbClr val="C00000"/>
                 </a:solidFill>
               </a:rPr>
               <a:t>倒す</a:t>
             </a:r>
             <a:r>
-              <a:rPr lang="ja-JP" altLang="en-US" sz="3200" b="1" dirty="0" smtClean="0">
+              <a:rPr lang="ja-JP" altLang="en-US" sz="3200" b="1" dirty="0">
                 <a:solidFill>
                   <a:srgbClr val="FF0000"/>
                 </a:solidFill>
               </a:rPr>
-              <a:t>王道爽快</a:t>
-            </a:r>
-            <a:r>
-              <a:rPr lang="ja-JP" altLang="en-US" b="1" dirty="0" smtClean="0">
+              <a:t>王道</a:t>
+            </a:r>
+            <a:r>
+              <a:rPr lang="ja-JP" altLang="en-US" sz="1801" b="1" dirty="0">
                 <a:solidFill>
-                  <a:srgbClr val="FFFF00"/>
+                  <a:srgbClr val="C00000"/>
                 </a:solidFill>
               </a:rPr>
-              <a:t>シューティング！！！！</a:t>
-            </a:r>
-            <a:endParaRPr lang="en-US" altLang="ja-JP" b="1" dirty="0" smtClean="0">
+              <a:t>アクションシューティング！！！！</a:t>
+            </a:r>
+            <a:endParaRPr lang="en-US" altLang="ja-JP" sz="1801" b="1" dirty="0">
               <a:solidFill>
-                <a:srgbClr val="FFFF00"/>
+                <a:srgbClr val="C00000"/>
               </a:solidFill>
             </a:endParaRPr>
           </a:p>
           <a:p>
             <a:pPr algn="ctr"/>
             <a:r>
-              <a:rPr kumimoji="1" lang="ja-JP" altLang="en-US" sz="1400" b="1" dirty="0" smtClean="0">
+              <a:rPr lang="ja-JP" altLang="en-US" sz="1401" b="1" dirty="0">
                 <a:solidFill>
                   <a:srgbClr val="002060"/>
                 </a:solidFill>
@@ -3844,7 +3612,7 @@
               <a:t>ゲージを使い</a:t>
             </a:r>
             <a:r>
-              <a:rPr lang="ja-JP" altLang="en-US" sz="1400" b="1" dirty="0">
+              <a:rPr lang="ja-JP" altLang="en-US" sz="1401" b="1" dirty="0">
                 <a:solidFill>
                   <a:srgbClr val="002060"/>
                 </a:solidFill>
@@ -3852,14 +3620,14 @@
               <a:t>ウエポン</a:t>
             </a:r>
             <a:r>
-              <a:rPr kumimoji="1" lang="ja-JP" altLang="en-US" sz="1400" b="1" dirty="0" smtClean="0">
+              <a:rPr lang="ja-JP" altLang="en-US" sz="1401" b="1" dirty="0">
                 <a:solidFill>
                   <a:srgbClr val="002060"/>
                 </a:solidFill>
               </a:rPr>
               <a:t>を使いこなせ！どう使うかは自分次第！</a:t>
             </a:r>
-            <a:endParaRPr kumimoji="1" lang="ja-JP" altLang="en-US" sz="1400" b="1" dirty="0">
+            <a:endParaRPr lang="ja-JP" altLang="en-US" sz="1401" b="1" dirty="0">
               <a:solidFill>
                 <a:srgbClr val="002060"/>
               </a:solidFill>
@@ -3875,8 +3643,8 @@
         </p:nvSpPr>
         <p:spPr>
           <a:xfrm>
-            <a:off x="2377852" y="5990057"/>
-            <a:ext cx="9006840" cy="738664"/>
+            <a:off x="431905" y="5976202"/>
+            <a:ext cx="9006841" cy="738792"/>
           </a:xfrm>
           <a:prstGeom prst="rect">
             <a:avLst/>
@@ -3890,31 +3658,31 @@
           <a:lstStyle/>
           <a:p>
             <a:r>
-              <a:rPr kumimoji="1" lang="en-US" altLang="ja-JP" b="1" dirty="0" smtClean="0">
+              <a:rPr lang="en-US" altLang="ja-JP" sz="1801" b="1" dirty="0">
                 <a:solidFill>
-                  <a:srgbClr val="FFFF00"/>
+                  <a:srgbClr val="C00000"/>
                 </a:solidFill>
               </a:rPr>
               <a:t>1VS1</a:t>
             </a:r>
             <a:r>
-              <a:rPr kumimoji="1" lang="ja-JP" altLang="en-US" b="1" dirty="0" smtClean="0">
+              <a:rPr lang="ja-JP" altLang="en-US" sz="1801" b="1" dirty="0">
                 <a:solidFill>
-                  <a:srgbClr val="FFFF00"/>
+                  <a:srgbClr val="C00000"/>
                 </a:solidFill>
               </a:rPr>
               <a:t>による弾や技の駆け引き</a:t>
             </a:r>
             <a:r>
-              <a:rPr kumimoji="1" lang="en-US" altLang="ja-JP" b="1" dirty="0" smtClean="0">
+              <a:rPr lang="en-US" altLang="ja-JP" sz="1801" b="1" dirty="0">
                 <a:solidFill>
-                  <a:srgbClr val="FFFF00"/>
+                  <a:srgbClr val="C00000"/>
                 </a:solidFill>
               </a:rPr>
               <a:t>…</a:t>
             </a:r>
             <a:r>
-              <a:rPr kumimoji="1" lang="ja-JP" altLang="en-US" sz="2800" b="1" dirty="0" smtClean="0">
+              <a:rPr lang="ja-JP" altLang="en-US" sz="2800" b="1" dirty="0">
                 <a:solidFill>
                   <a:srgbClr val="FF0000"/>
                 </a:solidFill>
@@ -3922,22 +3690,22 @@
               <a:t>自分だけの戦法</a:t>
             </a:r>
             <a:r>
-              <a:rPr kumimoji="1" lang="ja-JP" altLang="en-US" b="1" dirty="0" smtClean="0">
+              <a:rPr lang="ja-JP" altLang="en-US" sz="1801" b="1" dirty="0">
                 <a:solidFill>
-                  <a:srgbClr val="FFFF00"/>
+                  <a:srgbClr val="C00000"/>
                 </a:solidFill>
               </a:rPr>
               <a:t>を編み出し勝利をつかめ！</a:t>
             </a:r>
-            <a:endParaRPr kumimoji="1" lang="en-US" altLang="ja-JP" b="1" dirty="0" smtClean="0">
+            <a:endParaRPr lang="en-US" altLang="ja-JP" sz="1801" b="1" dirty="0">
               <a:solidFill>
-                <a:srgbClr val="FFFF00"/>
+                <a:srgbClr val="C00000"/>
               </a:solidFill>
             </a:endParaRPr>
           </a:p>
           <a:p>
             <a:r>
-              <a:rPr lang="ja-JP" altLang="en-US" sz="1400" b="1" dirty="0" smtClean="0">
+              <a:rPr lang="ja-JP" altLang="en-US" sz="1401" b="1" dirty="0">
                 <a:solidFill>
                   <a:srgbClr val="002060"/>
                 </a:solidFill>
@@ -3945,7 +3713,7 @@
               <a:t>相手はすべて人間</a:t>
             </a:r>
             <a:r>
-              <a:rPr lang="en-US" altLang="ja-JP" sz="1400" b="1" dirty="0" smtClean="0">
+              <a:rPr lang="en-US" altLang="ja-JP" sz="1401" b="1" dirty="0">
                 <a:solidFill>
                   <a:srgbClr val="002060"/>
                 </a:solidFill>
@@ -3953,14 +3721,14 @@
               <a:t>…</a:t>
             </a:r>
             <a:r>
-              <a:rPr lang="ja-JP" altLang="en-US" sz="1400" b="1" dirty="0" smtClean="0">
+              <a:rPr lang="ja-JP" altLang="en-US" sz="1401" b="1" dirty="0">
                 <a:solidFill>
                   <a:srgbClr val="002060"/>
                 </a:solidFill>
               </a:rPr>
               <a:t>戦法や立ち回り運に至るまで己の全てを持って相手に挑め！</a:t>
             </a:r>
-            <a:endParaRPr lang="en-US" altLang="ja-JP" sz="1400" b="1" dirty="0">
+            <a:endParaRPr lang="en-US" altLang="ja-JP" sz="1401" b="1" dirty="0">
               <a:solidFill>
                 <a:srgbClr val="002060"/>
               </a:solidFill>
@@ -3990,8 +3758,8 @@
         </p:blipFill>
         <p:spPr>
           <a:xfrm>
-            <a:off x="8843530" y="2684381"/>
-            <a:ext cx="1688504" cy="949783"/>
+            <a:off x="8594493" y="1494512"/>
+            <a:ext cx="1688505" cy="949783"/>
           </a:xfrm>
           <a:prstGeom prst="rect">
             <a:avLst/>
@@ -4020,8 +3788,8 @@
         </p:blipFill>
         <p:spPr>
           <a:xfrm>
-            <a:off x="765401" y="2140149"/>
-            <a:ext cx="2945335" cy="1656751"/>
+            <a:off x="657365" y="2906190"/>
+            <a:ext cx="2945335" cy="1656750"/>
           </a:xfrm>
           <a:prstGeom prst="rect">
             <a:avLst/>
@@ -4050,7 +3818,7 @@
         </p:blipFill>
         <p:spPr>
           <a:xfrm>
-            <a:off x="1892551" y="3625539"/>
+            <a:off x="1719647" y="4236853"/>
             <a:ext cx="947339" cy="807212"/>
           </a:xfrm>
           <a:prstGeom prst="rect">
@@ -4080,8 +3848,8 @@
         </p:blipFill>
         <p:spPr>
           <a:xfrm>
-            <a:off x="9193258" y="3610471"/>
-            <a:ext cx="989048" cy="989048"/>
+            <a:off x="8944220" y="2267628"/>
+            <a:ext cx="989049" cy="989049"/>
           </a:xfrm>
           <a:prstGeom prst="rect">
             <a:avLst/>
@@ -4096,8 +3864,8 @@
         </p:nvSpPr>
         <p:spPr>
           <a:xfrm>
-            <a:off x="10858260" y="2713953"/>
-            <a:ext cx="1347337" cy="307777"/>
+            <a:off x="10655521" y="1565805"/>
+            <a:ext cx="1347337" cy="307905"/>
           </a:xfrm>
           <a:prstGeom prst="rect">
             <a:avLst/>
@@ -4111,22 +3879,14 @@
           <a:lstStyle/>
           <a:p>
             <a:r>
-              <a:rPr kumimoji="1" lang="ja-JP" altLang="en-US" sz="1400" b="1" dirty="0" smtClean="0">
+              <a:rPr lang="en-US" altLang="ja-JP" sz="1401" b="1" dirty="0">
                 <a:solidFill>
                   <a:srgbClr val="002060"/>
                 </a:solidFill>
               </a:rPr>
-              <a:t>ゲージ</a:t>
-            </a:r>
-            <a:r>
-              <a:rPr kumimoji="1" lang="en-US" altLang="ja-JP" sz="1400" b="1" dirty="0" smtClean="0">
-                <a:solidFill>
-                  <a:srgbClr val="002060"/>
-                </a:solidFill>
-              </a:rPr>
-              <a:t>1</a:t>
-            </a:r>
-            <a:endParaRPr kumimoji="1" lang="ja-JP" altLang="en-US" sz="1400" b="1" dirty="0">
+              <a:t>GAUGE1</a:t>
+            </a:r>
+            <a:endParaRPr lang="ja-JP" altLang="en-US" sz="1401" b="1" dirty="0">
               <a:solidFill>
                 <a:srgbClr val="002060"/>
               </a:solidFill>
@@ -4142,7 +3902,7 @@
         </p:nvSpPr>
         <p:spPr>
           <a:xfrm>
-            <a:off x="497072" y="2942504"/>
+            <a:off x="449625" y="3959298"/>
             <a:ext cx="943897" cy="177362"/>
           </a:xfrm>
           <a:prstGeom prst="roundRect">
@@ -4170,7 +3930,7 @@
           <a:lstStyle/>
           <a:p>
             <a:pPr algn="ctr"/>
-            <a:endParaRPr kumimoji="1" lang="ja-JP" altLang="en-US"/>
+            <a:endParaRPr lang="ja-JP" altLang="en-US" sz="1801"/>
           </a:p>
         </p:txBody>
       </p:sp>
@@ -4182,8 +3942,8 @@
         </p:nvSpPr>
         <p:spPr>
           <a:xfrm>
-            <a:off x="10844663" y="3758364"/>
-            <a:ext cx="1347337" cy="307777"/>
+            <a:off x="10752346" y="2319075"/>
+            <a:ext cx="1347337" cy="307905"/>
           </a:xfrm>
           <a:prstGeom prst="rect">
             <a:avLst/>
@@ -4197,22 +3957,14 @@
           <a:lstStyle/>
           <a:p>
             <a:r>
-              <a:rPr kumimoji="1" lang="ja-JP" altLang="en-US" sz="1400" b="1" dirty="0" smtClean="0">
+              <a:rPr lang="en-US" altLang="ja-JP" sz="1401" b="1" dirty="0">
                 <a:solidFill>
                   <a:srgbClr val="002060"/>
                 </a:solidFill>
               </a:rPr>
-              <a:t>ゲージ</a:t>
-            </a:r>
-            <a:r>
-              <a:rPr lang="en-US" altLang="ja-JP" sz="1400" b="1" dirty="0">
-                <a:solidFill>
-                  <a:srgbClr val="002060"/>
-                </a:solidFill>
-              </a:rPr>
-              <a:t>2</a:t>
-            </a:r>
-            <a:endParaRPr kumimoji="1" lang="ja-JP" altLang="en-US" sz="1400" b="1" dirty="0">
+              <a:t>GAUGE2</a:t>
+            </a:r>
+            <a:endParaRPr lang="ja-JP" altLang="en-US" sz="1401" b="1" dirty="0">
               <a:solidFill>
                 <a:srgbClr val="002060"/>
               </a:solidFill>
@@ -4228,8 +3980,8 @@
         </p:nvSpPr>
         <p:spPr>
           <a:xfrm>
-            <a:off x="494889" y="3983741"/>
-            <a:ext cx="1219569" cy="169135"/>
+            <a:off x="412242" y="4734600"/>
+            <a:ext cx="1219570" cy="169134"/>
           </a:xfrm>
           <a:prstGeom prst="roundRect">
             <a:avLst/>
@@ -4256,7 +4008,7 @@
           <a:lstStyle/>
           <a:p>
             <a:pPr algn="ctr"/>
-            <a:endParaRPr kumimoji="1" lang="ja-JP" altLang="en-US"/>
+            <a:endParaRPr lang="ja-JP" altLang="en-US" sz="1801"/>
           </a:p>
         </p:txBody>
       </p:sp>
@@ -4268,7 +4020,7 @@
         </p:nvSpPr>
         <p:spPr>
           <a:xfrm>
-            <a:off x="10689176" y="3070591"/>
+            <a:off x="10574434" y="1948002"/>
             <a:ext cx="943897" cy="177362"/>
           </a:xfrm>
           <a:prstGeom prst="roundRect">
@@ -4296,7 +4048,7 @@
           <a:lstStyle/>
           <a:p>
             <a:pPr algn="ctr"/>
-            <a:endParaRPr kumimoji="1" lang="ja-JP" altLang="en-US"/>
+            <a:endParaRPr lang="ja-JP" altLang="en-US" sz="1801"/>
           </a:p>
         </p:txBody>
       </p:sp>
@@ -4308,8 +4060,8 @@
         </p:nvSpPr>
         <p:spPr>
           <a:xfrm>
-            <a:off x="401135" y="2567115"/>
-            <a:ext cx="1347337" cy="307777"/>
+            <a:off x="395672" y="3537538"/>
+            <a:ext cx="1347337" cy="307905"/>
           </a:xfrm>
           <a:prstGeom prst="rect">
             <a:avLst/>
@@ -4323,22 +4075,52 @@
           <a:lstStyle/>
           <a:p>
             <a:r>
-              <a:rPr kumimoji="1" lang="ja-JP" altLang="en-US" sz="1400" b="1" dirty="0" smtClean="0">
+              <a:rPr lang="en-US" altLang="ja-JP" sz="1401" b="1" dirty="0">
                 <a:solidFill>
                   <a:srgbClr val="FF0000"/>
                 </a:solidFill>
               </a:rPr>
-              <a:t>ゲージ</a:t>
-            </a:r>
-            <a:r>
-              <a:rPr kumimoji="1" lang="en-US" altLang="ja-JP" sz="1400" b="1" dirty="0" smtClean="0">
+              <a:t>GAUGE1</a:t>
+            </a:r>
+            <a:endParaRPr lang="ja-JP" altLang="en-US" sz="1401" b="1" dirty="0">
+              <a:solidFill>
+                <a:srgbClr val="FF0000"/>
+              </a:solidFill>
+            </a:endParaRPr>
+          </a:p>
+        </p:txBody>
+      </p:sp>
+      <p:sp>
+        <p:nvSpPr>
+          <p:cNvPr id="22" name="テキスト ボックス 21"/>
+          <p:cNvSpPr txBox="1"/>
+          <p:nvPr/>
+        </p:nvSpPr>
+        <p:spPr>
+          <a:xfrm>
+            <a:off x="381556" y="4256356"/>
+            <a:ext cx="1347337" cy="307905"/>
+          </a:xfrm>
+          <a:prstGeom prst="rect">
+            <a:avLst/>
+          </a:prstGeom>
+          <a:noFill/>
+        </p:spPr>
+        <p:txBody>
+          <a:bodyPr wrap="square" rtlCol="0">
+            <a:spAutoFit/>
+          </a:bodyPr>
+          <a:lstStyle/>
+          <a:p>
+            <a:r>
+              <a:rPr lang="en-US" altLang="ja-JP" sz="1401" b="1" dirty="0">
                 <a:solidFill>
                   <a:srgbClr val="FF0000"/>
                 </a:solidFill>
               </a:rPr>
-              <a:t>1</a:t>
-            </a:r>
-            <a:endParaRPr kumimoji="1" lang="ja-JP" altLang="en-US" sz="1400" b="1" dirty="0">
+              <a:t>GAUGE2</a:t>
+            </a:r>
+            <a:endParaRPr lang="ja-JP" altLang="en-US" sz="1401" b="1" dirty="0">
               <a:solidFill>
                 <a:srgbClr val="FF0000"/>
               </a:solidFill>
@@ -4348,60 +4130,14 @@
       </p:sp>
       <p:sp>
         <p:nvSpPr>
-          <p:cNvPr id="22" name="テキスト ボックス 21"/>
-          <p:cNvSpPr txBox="1"/>
-          <p:nvPr/>
-        </p:nvSpPr>
-        <p:spPr>
-          <a:xfrm>
-            <a:off x="398625" y="3561225"/>
-            <a:ext cx="1347337" cy="307777"/>
-          </a:xfrm>
-          <a:prstGeom prst="rect">
-            <a:avLst/>
-          </a:prstGeom>
-          <a:noFill/>
-        </p:spPr>
-        <p:txBody>
-          <a:bodyPr wrap="square" rtlCol="0">
-            <a:spAutoFit/>
-          </a:bodyPr>
-          <a:lstStyle/>
-          <a:p>
-            <a:r>
-              <a:rPr kumimoji="1" lang="ja-JP" altLang="en-US" sz="1400" b="1" dirty="0" smtClean="0">
-                <a:solidFill>
-                  <a:srgbClr val="FF0000"/>
-                </a:solidFill>
-              </a:rPr>
-              <a:t>ゲージ</a:t>
-            </a:r>
-            <a:r>
-              <a:rPr kumimoji="1" lang="en-US" altLang="ja-JP" sz="1400" b="1" dirty="0" smtClean="0">
-                <a:solidFill>
-                  <a:srgbClr val="FF0000"/>
-                </a:solidFill>
-              </a:rPr>
-              <a:t>2</a:t>
-            </a:r>
-            <a:endParaRPr kumimoji="1" lang="ja-JP" altLang="en-US" sz="1400" b="1" dirty="0">
-              <a:solidFill>
-                <a:srgbClr val="FF0000"/>
-              </a:solidFill>
-            </a:endParaRPr>
-          </a:p>
-        </p:txBody>
-      </p:sp>
-      <p:sp>
-        <p:nvSpPr>
           <p:cNvPr id="23" name="角丸四角形 22"/>
           <p:cNvSpPr/>
           <p:nvPr/>
         </p:nvSpPr>
         <p:spPr>
           <a:xfrm>
-            <a:off x="10413504" y="4184544"/>
-            <a:ext cx="1219569" cy="169135"/>
+            <a:off x="10359412" y="2776027"/>
+            <a:ext cx="1219570" cy="169134"/>
           </a:xfrm>
           <a:prstGeom prst="roundRect">
             <a:avLst/>
@@ -4428,7 +4164,143 @@
           <a:lstStyle/>
           <a:p>
             <a:pPr algn="ctr"/>
-            <a:endParaRPr kumimoji="1" lang="ja-JP" altLang="en-US"/>
+            <a:endParaRPr lang="ja-JP" altLang="en-US" sz="1801"/>
+          </a:p>
+        </p:txBody>
+      </p:sp>
+      <p:pic>
+        <p:nvPicPr>
+          <p:cNvPr id="6" name="図 5"/>
+          <p:cNvPicPr>
+            <a:picLocks noChangeAspect="1"/>
+          </p:cNvPicPr>
+          <p:nvPr/>
+        </p:nvPicPr>
+        <p:blipFill>
+          <a:blip r:embed="rId9">
+            <a:extLst>
+              <a:ext uri="{28A0092B-C50C-407E-A947-70E740481C1C}">
+                <a14:useLocalDpi xmlns:a14="http://schemas.microsoft.com/office/drawing/2010/main" val="0"/>
+              </a:ext>
+            </a:extLst>
+          </a:blip>
+          <a:stretch>
+            <a:fillRect/>
+          </a:stretch>
+        </p:blipFill>
+        <p:spPr>
+          <a:xfrm>
+            <a:off x="24331" y="-1777"/>
+            <a:ext cx="2286000" cy="3333750"/>
+          </a:xfrm>
+          <a:prstGeom prst="rect">
+            <a:avLst/>
+          </a:prstGeom>
+        </p:spPr>
+      </p:pic>
+      <p:pic>
+        <p:nvPicPr>
+          <p:cNvPr id="26" name="図 25"/>
+          <p:cNvPicPr>
+            <a:picLocks noChangeAspect="1"/>
+          </p:cNvPicPr>
+          <p:nvPr/>
+        </p:nvPicPr>
+        <p:blipFill>
+          <a:blip r:embed="rId9">
+            <a:extLst>
+              <a:ext uri="{28A0092B-C50C-407E-A947-70E740481C1C}">
+                <a14:useLocalDpi xmlns:a14="http://schemas.microsoft.com/office/drawing/2010/main" val="0"/>
+              </a:ext>
+            </a:extLst>
+          </a:blip>
+          <a:stretch>
+            <a:fillRect/>
+          </a:stretch>
+        </p:blipFill>
+        <p:spPr>
+          <a:xfrm>
+            <a:off x="9893521" y="3450388"/>
+            <a:ext cx="2286000" cy="3333750"/>
+          </a:xfrm>
+          <a:prstGeom prst="rect">
+            <a:avLst/>
+          </a:prstGeom>
+        </p:spPr>
+      </p:pic>
+      <p:sp>
+        <p:nvSpPr>
+          <p:cNvPr id="27" name="テキスト ボックス 26"/>
+          <p:cNvSpPr txBox="1"/>
+          <p:nvPr/>
+        </p:nvSpPr>
+        <p:spPr>
+          <a:xfrm>
+            <a:off x="487660" y="1918203"/>
+            <a:ext cx="1525006" cy="400110"/>
+          </a:xfrm>
+          <a:prstGeom prst="rect">
+            <a:avLst/>
+          </a:prstGeom>
+          <a:noFill/>
+        </p:spPr>
+        <p:txBody>
+          <a:bodyPr wrap="square" rtlCol="0">
+            <a:spAutoFit/>
+          </a:bodyPr>
+          <a:lstStyle/>
+          <a:p>
+            <a:r>
+              <a:rPr kumimoji="1" lang="en-US" altLang="ja-JP" sz="2000" b="1" dirty="0" smtClean="0">
+                <a:solidFill>
+                  <a:srgbClr val="FF0000"/>
+                </a:solidFill>
+              </a:rPr>
+              <a:t>WARNING</a:t>
+            </a:r>
+            <a:endParaRPr kumimoji="1" lang="ja-JP" altLang="en-US" sz="2000" b="1" dirty="0">
+              <a:solidFill>
+                <a:srgbClr val="FF0000"/>
+              </a:solidFill>
+            </a:endParaRPr>
+          </a:p>
+        </p:txBody>
+      </p:sp>
+      <p:sp>
+        <p:nvSpPr>
+          <p:cNvPr id="28" name="テキスト ボックス 27"/>
+          <p:cNvSpPr txBox="1"/>
+          <p:nvPr/>
+        </p:nvSpPr>
+        <p:spPr>
+          <a:xfrm>
+            <a:off x="10402980" y="5369364"/>
+            <a:ext cx="1455599" cy="400110"/>
+          </a:xfrm>
+          <a:prstGeom prst="rect">
+            <a:avLst/>
+          </a:prstGeom>
+          <a:noFill/>
+        </p:spPr>
+        <p:txBody>
+          <a:bodyPr wrap="square" rtlCol="0">
+            <a:spAutoFit/>
+          </a:bodyPr>
+          <a:lstStyle/>
+          <a:p>
+            <a:r>
+              <a:rPr kumimoji="1" lang="en-US" altLang="ja-JP" sz="2000" b="1" dirty="0" smtClean="0">
+                <a:solidFill>
+                  <a:srgbClr val="FF0000"/>
+                </a:solidFill>
+              </a:rPr>
+              <a:t>WARNING</a:t>
+            </a:r>
+            <a:endParaRPr kumimoji="1" lang="ja-JP" altLang="en-US" sz="2000" b="1" dirty="0">
+              <a:solidFill>
+                <a:srgbClr val="FF0000"/>
+              </a:solidFill>
+            </a:endParaRPr>
           </a:p>
         </p:txBody>
       </p:sp>

--- a/Schedule/電脳戦機VARTUALON.pptx
+++ b/Schedule/電脳戦機VARTUALON.pptx
@@ -269,7 +269,7 @@
           <a:p>
             <a:fld id="{F6187879-3E71-47E9-AF2E-6DC9BF0289AB}" type="datetimeFigureOut">
               <a:rPr kumimoji="1" lang="ja-JP" altLang="en-US" smtClean="0"/>
-              <a:t>2020/10/20</a:t>
+              <a:t>2020/10/21</a:t>
             </a:fld>
             <a:endParaRPr kumimoji="1" lang="ja-JP" altLang="en-US"/>
           </a:p>
@@ -471,7 +471,7 @@
           <a:p>
             <a:fld id="{F6187879-3E71-47E9-AF2E-6DC9BF0289AB}" type="datetimeFigureOut">
               <a:rPr kumimoji="1" lang="ja-JP" altLang="en-US" smtClean="0"/>
-              <a:t>2020/10/20</a:t>
+              <a:t>2020/10/21</a:t>
             </a:fld>
             <a:endParaRPr kumimoji="1" lang="ja-JP" altLang="en-US"/>
           </a:p>
@@ -683,7 +683,7 @@
           <a:p>
             <a:fld id="{F6187879-3E71-47E9-AF2E-6DC9BF0289AB}" type="datetimeFigureOut">
               <a:rPr kumimoji="1" lang="ja-JP" altLang="en-US" smtClean="0"/>
-              <a:t>2020/10/20</a:t>
+              <a:t>2020/10/21</a:t>
             </a:fld>
             <a:endParaRPr kumimoji="1" lang="ja-JP" altLang="en-US"/>
           </a:p>
@@ -885,7 +885,7 @@
           <a:p>
             <a:fld id="{F6187879-3E71-47E9-AF2E-6DC9BF0289AB}" type="datetimeFigureOut">
               <a:rPr kumimoji="1" lang="ja-JP" altLang="en-US" smtClean="0"/>
-              <a:t>2020/10/20</a:t>
+              <a:t>2020/10/21</a:t>
             </a:fld>
             <a:endParaRPr kumimoji="1" lang="ja-JP" altLang="en-US"/>
           </a:p>
@@ -1131,7 +1131,7 @@
           <a:p>
             <a:fld id="{F6187879-3E71-47E9-AF2E-6DC9BF0289AB}" type="datetimeFigureOut">
               <a:rPr kumimoji="1" lang="ja-JP" altLang="en-US" smtClean="0"/>
-              <a:t>2020/10/20</a:t>
+              <a:t>2020/10/21</a:t>
             </a:fld>
             <a:endParaRPr kumimoji="1" lang="ja-JP" altLang="en-US"/>
           </a:p>
@@ -1427,7 +1427,7 @@
           <a:p>
             <a:fld id="{F6187879-3E71-47E9-AF2E-6DC9BF0289AB}" type="datetimeFigureOut">
               <a:rPr kumimoji="1" lang="ja-JP" altLang="en-US" smtClean="0"/>
-              <a:t>2020/10/20</a:t>
+              <a:t>2020/10/21</a:t>
             </a:fld>
             <a:endParaRPr kumimoji="1" lang="ja-JP" altLang="en-US"/>
           </a:p>
@@ -1858,7 +1858,7 @@
           <a:p>
             <a:fld id="{F6187879-3E71-47E9-AF2E-6DC9BF0289AB}" type="datetimeFigureOut">
               <a:rPr kumimoji="1" lang="ja-JP" altLang="en-US" smtClean="0"/>
-              <a:t>2020/10/20</a:t>
+              <a:t>2020/10/21</a:t>
             </a:fld>
             <a:endParaRPr kumimoji="1" lang="ja-JP" altLang="en-US"/>
           </a:p>
@@ -1976,7 +1976,7 @@
           <a:p>
             <a:fld id="{F6187879-3E71-47E9-AF2E-6DC9BF0289AB}" type="datetimeFigureOut">
               <a:rPr kumimoji="1" lang="ja-JP" altLang="en-US" smtClean="0"/>
-              <a:t>2020/10/20</a:t>
+              <a:t>2020/10/21</a:t>
             </a:fld>
             <a:endParaRPr kumimoji="1" lang="ja-JP" altLang="en-US"/>
           </a:p>
@@ -2071,7 +2071,7 @@
           <a:p>
             <a:fld id="{F6187879-3E71-47E9-AF2E-6DC9BF0289AB}" type="datetimeFigureOut">
               <a:rPr kumimoji="1" lang="ja-JP" altLang="en-US" smtClean="0"/>
-              <a:t>2020/10/20</a:t>
+              <a:t>2020/10/21</a:t>
             </a:fld>
             <a:endParaRPr kumimoji="1" lang="ja-JP" altLang="en-US"/>
           </a:p>
@@ -2380,7 +2380,7 @@
           <a:p>
             <a:fld id="{F6187879-3E71-47E9-AF2E-6DC9BF0289AB}" type="datetimeFigureOut">
               <a:rPr kumimoji="1" lang="ja-JP" altLang="en-US" smtClean="0"/>
-              <a:t>2020/10/20</a:t>
+              <a:t>2020/10/21</a:t>
             </a:fld>
             <a:endParaRPr kumimoji="1" lang="ja-JP" altLang="en-US"/>
           </a:p>
@@ -2633,7 +2633,7 @@
           <a:p>
             <a:fld id="{F6187879-3E71-47E9-AF2E-6DC9BF0289AB}" type="datetimeFigureOut">
               <a:rPr kumimoji="1" lang="ja-JP" altLang="en-US" smtClean="0"/>
-              <a:t>2020/10/20</a:t>
+              <a:t>2020/10/21</a:t>
             </a:fld>
             <a:endParaRPr kumimoji="1" lang="ja-JP" altLang="en-US"/>
           </a:p>
@@ -2878,7 +2878,7 @@
           <a:p>
             <a:fld id="{F6187879-3E71-47E9-AF2E-6DC9BF0289AB}" type="datetimeFigureOut">
               <a:rPr kumimoji="1" lang="ja-JP" altLang="en-US" smtClean="0"/>
-              <a:t>2020/10/20</a:t>
+              <a:t>2020/10/21</a:t>
             </a:fld>
             <a:endParaRPr kumimoji="1" lang="ja-JP" altLang="en-US"/>
           </a:p>
@@ -3310,8 +3310,8 @@
         </p:nvSpPr>
         <p:spPr>
           <a:xfrm>
-            <a:off x="618881" y="443444"/>
-            <a:ext cx="11480802" cy="956233"/>
+            <a:off x="623657" y="579395"/>
+            <a:ext cx="11212744" cy="904511"/>
           </a:xfrm>
         </p:spPr>
         <p:txBody>
@@ -3321,29 +3321,41 @@
           <a:lstStyle/>
           <a:p>
             <a:r>
-              <a:rPr kumimoji="1" lang="ja-JP" altLang="en-US" dirty="0" smtClean="0">
+              <a:rPr kumimoji="1" lang="ja-JP" altLang="en-US" sz="5400" dirty="0" smtClean="0">
                 <a:solidFill>
                   <a:srgbClr val="002060"/>
                 </a:solidFill>
-                <a:latin typeface="HGPｺﾞｼｯｸE" panose="020B0900000000000000" pitchFamily="50" charset="-128"/>
-                <a:ea typeface="HGPｺﾞｼｯｸE" panose="020B0900000000000000" pitchFamily="50" charset="-128"/>
+                <a:latin typeface="装甲明朝" panose="02000600000000000000" pitchFamily="2" charset="-128"/>
+                <a:ea typeface="装甲明朝" panose="02000600000000000000" pitchFamily="2" charset="-128"/>
               </a:rPr>
               <a:t>電脳戦機</a:t>
             </a:r>
             <a:r>
-              <a:rPr kumimoji="1" lang="en-US" altLang="ja-JP" dirty="0" smtClean="0">
+              <a:rPr kumimoji="1" lang="en-US" altLang="ja-JP" sz="5400" dirty="0" smtClean="0">
                 <a:solidFill>
                   <a:srgbClr val="002060"/>
                 </a:solidFill>
-                <a:latin typeface="Algerian" panose="04020705040A02060702" pitchFamily="82" charset="0"/>
+                <a:latin typeface="装甲明朝" panose="02000600000000000000" pitchFamily="2" charset="-128"/>
+                <a:ea typeface="装甲明朝" panose="02000600000000000000" pitchFamily="2" charset="-128"/>
               </a:rPr>
               <a:t>VARTUALON</a:t>
             </a:r>
-            <a:endParaRPr kumimoji="1" lang="ja-JP" altLang="en-US" dirty="0">
+            <a:r>
+              <a:rPr kumimoji="1" lang="ja-JP" altLang="en-US" sz="1600" dirty="0" smtClean="0">
+                <a:solidFill>
+                  <a:srgbClr val="002060"/>
+                </a:solidFill>
+                <a:latin typeface="装甲明朝" panose="02000600000000000000" pitchFamily="2" charset="-128"/>
+                <a:ea typeface="装甲明朝" panose="02000600000000000000" pitchFamily="2" charset="-128"/>
+              </a:rPr>
+              <a:t>（仮）</a:t>
+            </a:r>
+            <a:endParaRPr kumimoji="1" lang="ja-JP" altLang="en-US" sz="5400" dirty="0">
               <a:solidFill>
                 <a:srgbClr val="002060"/>
               </a:solidFill>
-              <a:latin typeface="Algerian" panose="04020705040A02060702" pitchFamily="82" charset="0"/>
+              <a:latin typeface="装甲明朝" panose="02000600000000000000" pitchFamily="2" charset="-128"/>
+              <a:ea typeface="装甲明朝" panose="02000600000000000000" pitchFamily="2" charset="-128"/>
             </a:endParaRPr>
           </a:p>
         </p:txBody>
@@ -3378,6 +3390,8 @@
                     <a:lumOff val="5000"/>
                   </a:schemeClr>
                 </a:solidFill>
+                <a:latin typeface="装甲明朝" panose="02000600000000000000" pitchFamily="2" charset="-128"/>
+                <a:ea typeface="装甲明朝" panose="02000600000000000000" pitchFamily="2" charset="-128"/>
               </a:rPr>
               <a:t>3D</a:t>
             </a:r>
@@ -3389,6 +3403,8 @@
                     <a:lumOff val="5000"/>
                   </a:schemeClr>
                 </a:solidFill>
+                <a:latin typeface="装甲明朝" panose="02000600000000000000" pitchFamily="2" charset="-128"/>
+                <a:ea typeface="装甲明朝" panose="02000600000000000000" pitchFamily="2" charset="-128"/>
               </a:rPr>
               <a:t>シューティングゲーム</a:t>
             </a:r>
@@ -3399,6 +3415,8 @@
                   <a:lumOff val="5000"/>
                 </a:schemeClr>
               </a:solidFill>
+              <a:latin typeface="装甲明朝" panose="02000600000000000000" pitchFamily="2" charset="-128"/>
+              <a:ea typeface="装甲明朝" panose="02000600000000000000" pitchFamily="2" charset="-128"/>
             </a:endParaRPr>
           </a:p>
           <a:p>
@@ -3410,78 +3428,14 @@
                     <a:lumOff val="5000"/>
                   </a:schemeClr>
                 </a:solidFill>
+                <a:latin typeface="装甲明朝" panose="02000600000000000000" pitchFamily="2" charset="-128"/>
+                <a:ea typeface="装甲明朝" panose="02000600000000000000" pitchFamily="2" charset="-128"/>
               </a:rPr>
               <a:t>ロボアクション</a:t>
             </a:r>
           </a:p>
         </p:txBody>
       </p:sp>
-      <p:pic>
-        <p:nvPicPr>
-          <p:cNvPr id="4" name="図 3"/>
-          <p:cNvPicPr>
-            <a:picLocks noChangeAspect="1"/>
-          </p:cNvPicPr>
-          <p:nvPr/>
-        </p:nvPicPr>
-        <p:blipFill>
-          <a:blip r:embed="rId3">
-            <a:extLst>
-              <a:ext uri="{28A0092B-C50C-407E-A947-70E740481C1C}">
-                <a14:useLocalDpi xmlns:a14="http://schemas.microsoft.com/office/drawing/2010/main" val="0"/>
-              </a:ext>
-            </a:extLst>
-          </a:blip>
-          <a:stretch>
-            <a:fillRect/>
-          </a:stretch>
-        </p:blipFill>
-        <p:spPr>
-          <a:xfrm>
-            <a:off x="6915406" y="1525977"/>
-            <a:ext cx="2014731" cy="3187781"/>
-          </a:xfrm>
-          <a:prstGeom prst="rect">
-            <a:avLst/>
-          </a:prstGeom>
-          <a:solidFill>
-            <a:srgbClr val="FF0000"/>
-          </a:solidFill>
-        </p:spPr>
-      </p:pic>
-      <p:pic>
-        <p:nvPicPr>
-          <p:cNvPr id="5" name="図 4"/>
-          <p:cNvPicPr>
-            <a:picLocks noChangeAspect="1"/>
-          </p:cNvPicPr>
-          <p:nvPr/>
-        </p:nvPicPr>
-        <p:blipFill>
-          <a:blip r:embed="rId4">
-            <a:extLst>
-              <a:ext uri="{28A0092B-C50C-407E-A947-70E740481C1C}">
-                <a14:useLocalDpi xmlns:a14="http://schemas.microsoft.com/office/drawing/2010/main" val="0"/>
-              </a:ext>
-            </a:extLst>
-          </a:blip>
-          <a:stretch>
-            <a:fillRect/>
-          </a:stretch>
-        </p:blipFill>
-        <p:spPr>
-          <a:xfrm>
-            <a:off x="3078949" y="1614685"/>
-            <a:ext cx="2139131" cy="2984834"/>
-          </a:xfrm>
-          <a:prstGeom prst="rect">
-            <a:avLst/>
-          </a:prstGeom>
-          <a:solidFill>
-            <a:srgbClr val="0070C0"/>
-          </a:solidFill>
-        </p:spPr>
-      </p:pic>
       <p:sp>
         <p:nvSpPr>
           <p:cNvPr id="7" name="爆発 2 6"/>
@@ -3548,7 +3502,7 @@
         </p:nvSpPr>
         <p:spPr>
           <a:xfrm>
-            <a:off x="-815336" y="5209128"/>
+            <a:off x="-1230982" y="4463516"/>
             <a:ext cx="10387915" cy="800347"/>
           </a:xfrm>
           <a:prstGeom prst="rect">
@@ -3568,170 +3522,231 @@
                 <a:solidFill>
                   <a:srgbClr val="C00000"/>
                 </a:solidFill>
+                <a:latin typeface="装甲明朝" panose="02000600000000000000" pitchFamily="2" charset="-128"/>
+                <a:ea typeface="装甲明朝" panose="02000600000000000000" pitchFamily="2" charset="-128"/>
               </a:rPr>
-              <a:t>ロボットに乗り込み敵を</a:t>
+              <a:t>ロボットに乗り込み敵を倒す</a:t>
+            </a:r>
+            <a:r>
+              <a:rPr lang="ja-JP" altLang="en-US" sz="3200" b="1" dirty="0">
+                <a:solidFill>
+                  <a:srgbClr val="FF0000"/>
+                </a:solidFill>
+                <a:latin typeface="装甲明朝" panose="02000600000000000000" pitchFamily="2" charset="-128"/>
+                <a:ea typeface="装甲明朝" panose="02000600000000000000" pitchFamily="2" charset="-128"/>
+              </a:rPr>
+              <a:t>王道</a:t>
             </a:r>
             <a:r>
               <a:rPr lang="ja-JP" altLang="en-US" sz="1801" b="1" dirty="0">
                 <a:solidFill>
                   <a:srgbClr val="C00000"/>
                 </a:solidFill>
+                <a:latin typeface="装甲明朝" panose="02000600000000000000" pitchFamily="2" charset="-128"/>
+                <a:ea typeface="装甲明朝" panose="02000600000000000000" pitchFamily="2" charset="-128"/>
               </a:rPr>
-              <a:t>倒す</a:t>
-            </a:r>
-            <a:r>
-              <a:rPr lang="ja-JP" altLang="en-US" sz="3200" b="1" dirty="0">
+              <a:t>アクションシューティング！！！！</a:t>
+            </a:r>
+            <a:endParaRPr lang="en-US" altLang="ja-JP" sz="1801" b="1" dirty="0">
+              <a:solidFill>
+                <a:srgbClr val="C00000"/>
+              </a:solidFill>
+              <a:latin typeface="装甲明朝" panose="02000600000000000000" pitchFamily="2" charset="-128"/>
+              <a:ea typeface="装甲明朝" panose="02000600000000000000" pitchFamily="2" charset="-128"/>
+            </a:endParaRPr>
+          </a:p>
+          <a:p>
+            <a:pPr algn="ctr"/>
+            <a:r>
+              <a:rPr lang="ja-JP" altLang="en-US" sz="1401" b="1" dirty="0">
                 <a:solidFill>
-                  <a:srgbClr val="FF0000"/>
+                  <a:srgbClr val="002060"/>
                 </a:solidFill>
+                <a:latin typeface="装甲明朝" panose="02000600000000000000" pitchFamily="2" charset="-128"/>
+                <a:ea typeface="装甲明朝" panose="02000600000000000000" pitchFamily="2" charset="-128"/>
               </a:rPr>
-              <a:t>王道</a:t>
+              <a:t>ゲージを使いウエポンを使いこなせ</a:t>
+            </a:r>
+            <a:r>
+              <a:rPr lang="ja-JP" altLang="en-US" sz="1401" b="1" dirty="0" smtClean="0">
+                <a:solidFill>
+                  <a:srgbClr val="002060"/>
+                </a:solidFill>
+                <a:latin typeface="装甲明朝" panose="02000600000000000000" pitchFamily="2" charset="-128"/>
+                <a:ea typeface="装甲明朝" panose="02000600000000000000" pitchFamily="2" charset="-128"/>
+              </a:rPr>
+              <a:t>！</a:t>
+            </a:r>
+            <a:r>
+              <a:rPr lang="ja-JP" altLang="en-US" sz="1401" b="1" dirty="0">
+                <a:solidFill>
+                  <a:srgbClr val="002060"/>
+                </a:solidFill>
+                <a:latin typeface="装甲明朝" panose="02000600000000000000" pitchFamily="2" charset="-128"/>
+                <a:ea typeface="装甲明朝" panose="02000600000000000000" pitchFamily="2" charset="-128"/>
+              </a:rPr>
+              <a:t>いつ</a:t>
+            </a:r>
+            <a:r>
+              <a:rPr lang="ja-JP" altLang="en-US" sz="1401" b="1" dirty="0" smtClean="0">
+                <a:solidFill>
+                  <a:srgbClr val="002060"/>
+                </a:solidFill>
+                <a:latin typeface="装甲明朝" panose="02000600000000000000" pitchFamily="2" charset="-128"/>
+                <a:ea typeface="装甲明朝" panose="02000600000000000000" pitchFamily="2" charset="-128"/>
+              </a:rPr>
+              <a:t>使う</a:t>
+            </a:r>
+            <a:r>
+              <a:rPr lang="ja-JP" altLang="en-US" sz="1401" b="1" dirty="0">
+                <a:solidFill>
+                  <a:srgbClr val="002060"/>
+                </a:solidFill>
+                <a:latin typeface="装甲明朝" panose="02000600000000000000" pitchFamily="2" charset="-128"/>
+                <a:ea typeface="装甲明朝" panose="02000600000000000000" pitchFamily="2" charset="-128"/>
+              </a:rPr>
+              <a:t>かは自分次第！</a:t>
+            </a:r>
+          </a:p>
+        </p:txBody>
+      </p:sp>
+      <p:sp>
+        <p:nvSpPr>
+          <p:cNvPr id="16" name="テキスト ボックス 15"/>
+          <p:cNvSpPr txBox="1"/>
+          <p:nvPr/>
+        </p:nvSpPr>
+        <p:spPr>
+          <a:xfrm>
+            <a:off x="0" y="5274492"/>
+            <a:ext cx="9006841" cy="738792"/>
+          </a:xfrm>
+          <a:prstGeom prst="rect">
+            <a:avLst/>
+          </a:prstGeom>
+          <a:noFill/>
+        </p:spPr>
+        <p:txBody>
+          <a:bodyPr wrap="square" rtlCol="0">
+            <a:spAutoFit/>
+          </a:bodyPr>
+          <a:lstStyle/>
+          <a:p>
+            <a:r>
+              <a:rPr lang="en-US" altLang="ja-JP" sz="1801" b="1" dirty="0">
+                <a:solidFill>
+                  <a:srgbClr val="C00000"/>
+                </a:solidFill>
+                <a:latin typeface="装甲明朝" panose="02000600000000000000" pitchFamily="2" charset="-128"/>
+                <a:ea typeface="装甲明朝" panose="02000600000000000000" pitchFamily="2" charset="-128"/>
+              </a:rPr>
+              <a:t>1VS1</a:t>
             </a:r>
             <a:r>
               <a:rPr lang="ja-JP" altLang="en-US" sz="1801" b="1" dirty="0">
                 <a:solidFill>
                   <a:srgbClr val="C00000"/>
                 </a:solidFill>
+                <a:latin typeface="装甲明朝" panose="02000600000000000000" pitchFamily="2" charset="-128"/>
+                <a:ea typeface="装甲明朝" panose="02000600000000000000" pitchFamily="2" charset="-128"/>
               </a:rPr>
-              <a:t>アクションシューティング！！！！</a:t>
+              <a:t>による弾や技の駆け引き</a:t>
+            </a:r>
+            <a:r>
+              <a:rPr lang="en-US" altLang="ja-JP" sz="1801" b="1" dirty="0">
+                <a:solidFill>
+                  <a:srgbClr val="C00000"/>
+                </a:solidFill>
+                <a:latin typeface="装甲明朝" panose="02000600000000000000" pitchFamily="2" charset="-128"/>
+                <a:ea typeface="装甲明朝" panose="02000600000000000000" pitchFamily="2" charset="-128"/>
+              </a:rPr>
+              <a:t>…</a:t>
+            </a:r>
+            <a:r>
+              <a:rPr lang="ja-JP" altLang="en-US" sz="2800" b="1" dirty="0">
+                <a:solidFill>
+                  <a:srgbClr val="FF0000"/>
+                </a:solidFill>
+                <a:latin typeface="装甲明朝" panose="02000600000000000000" pitchFamily="2" charset="-128"/>
+                <a:ea typeface="装甲明朝" panose="02000600000000000000" pitchFamily="2" charset="-128"/>
+              </a:rPr>
+              <a:t>自分だけの戦法</a:t>
+            </a:r>
+            <a:r>
+              <a:rPr lang="ja-JP" altLang="en-US" sz="1801" b="1" dirty="0">
+                <a:solidFill>
+                  <a:srgbClr val="C00000"/>
+                </a:solidFill>
+                <a:latin typeface="装甲明朝" panose="02000600000000000000" pitchFamily="2" charset="-128"/>
+                <a:ea typeface="装甲明朝" panose="02000600000000000000" pitchFamily="2" charset="-128"/>
+              </a:rPr>
+              <a:t>を編み出し勝利をつかめ！</a:t>
             </a:r>
             <a:endParaRPr lang="en-US" altLang="ja-JP" sz="1801" b="1" dirty="0">
               <a:solidFill>
                 <a:srgbClr val="C00000"/>
               </a:solidFill>
+              <a:latin typeface="装甲明朝" panose="02000600000000000000" pitchFamily="2" charset="-128"/>
+              <a:ea typeface="装甲明朝" panose="02000600000000000000" pitchFamily="2" charset="-128"/>
             </a:endParaRPr>
           </a:p>
           <a:p>
-            <a:pPr algn="ctr"/>
             <a:r>
               <a:rPr lang="ja-JP" altLang="en-US" sz="1401" b="1" dirty="0">
                 <a:solidFill>
                   <a:srgbClr val="002060"/>
                 </a:solidFill>
+                <a:latin typeface="装甲明朝" panose="02000600000000000000" pitchFamily="2" charset="-128"/>
+                <a:ea typeface="装甲明朝" panose="02000600000000000000" pitchFamily="2" charset="-128"/>
               </a:rPr>
-              <a:t>ゲージを使い</a:t>
+              <a:t>相手はすべて人間</a:t>
+            </a:r>
+            <a:r>
+              <a:rPr lang="en-US" altLang="ja-JP" sz="1401" b="1" dirty="0">
+                <a:solidFill>
+                  <a:srgbClr val="002060"/>
+                </a:solidFill>
+                <a:latin typeface="装甲明朝" panose="02000600000000000000" pitchFamily="2" charset="-128"/>
+                <a:ea typeface="装甲明朝" panose="02000600000000000000" pitchFamily="2" charset="-128"/>
+              </a:rPr>
+              <a:t>…</a:t>
             </a:r>
             <a:r>
               <a:rPr lang="ja-JP" altLang="en-US" sz="1401" b="1" dirty="0">
                 <a:solidFill>
                   <a:srgbClr val="002060"/>
                 </a:solidFill>
+                <a:latin typeface="装甲明朝" panose="02000600000000000000" pitchFamily="2" charset="-128"/>
+                <a:ea typeface="装甲明朝" panose="02000600000000000000" pitchFamily="2" charset="-128"/>
               </a:rPr>
-              <a:t>ウエポン</a:t>
+              <a:t>戦法や</a:t>
+            </a:r>
+            <a:r>
+              <a:rPr lang="ja-JP" altLang="en-US" sz="1401" b="1" dirty="0" smtClean="0">
+                <a:solidFill>
+                  <a:srgbClr val="002060"/>
+                </a:solidFill>
+                <a:latin typeface="装甲明朝" panose="02000600000000000000" pitchFamily="2" charset="-128"/>
+                <a:ea typeface="装甲明朝" panose="02000600000000000000" pitchFamily="2" charset="-128"/>
+              </a:rPr>
+              <a:t>立ち回り、運</a:t>
             </a:r>
             <a:r>
               <a:rPr lang="ja-JP" altLang="en-US" sz="1401" b="1" dirty="0">
                 <a:solidFill>
                   <a:srgbClr val="002060"/>
                 </a:solidFill>
+                <a:latin typeface="装甲明朝" panose="02000600000000000000" pitchFamily="2" charset="-128"/>
+                <a:ea typeface="装甲明朝" panose="02000600000000000000" pitchFamily="2" charset="-128"/>
               </a:rPr>
-              <a:t>を使いこなせ！どう使うかは自分次第！</a:t>
-            </a:r>
-            <a:endParaRPr lang="ja-JP" altLang="en-US" sz="1401" b="1" dirty="0">
-              <a:solidFill>
-                <a:srgbClr val="002060"/>
-              </a:solidFill>
-            </a:endParaRPr>
-          </a:p>
-        </p:txBody>
-      </p:sp>
-      <p:sp>
-        <p:nvSpPr>
-          <p:cNvPr id="16" name="テキスト ボックス 15"/>
-          <p:cNvSpPr txBox="1"/>
-          <p:nvPr/>
-        </p:nvSpPr>
-        <p:spPr>
-          <a:xfrm>
-            <a:off x="431905" y="5976202"/>
-            <a:ext cx="9006841" cy="738792"/>
-          </a:xfrm>
-          <a:prstGeom prst="rect">
-            <a:avLst/>
-          </a:prstGeom>
-          <a:noFill/>
-        </p:spPr>
-        <p:txBody>
-          <a:bodyPr wrap="square" rtlCol="0">
-            <a:spAutoFit/>
-          </a:bodyPr>
-          <a:lstStyle/>
-          <a:p>
-            <a:r>
-              <a:rPr lang="en-US" altLang="ja-JP" sz="1801" b="1" dirty="0">
-                <a:solidFill>
-                  <a:srgbClr val="C00000"/>
-                </a:solidFill>
-              </a:rPr>
-              <a:t>1VS1</a:t>
-            </a:r>
-            <a:r>
-              <a:rPr lang="ja-JP" altLang="en-US" sz="1801" b="1" dirty="0">
-                <a:solidFill>
-                  <a:srgbClr val="C00000"/>
-                </a:solidFill>
-              </a:rPr>
-              <a:t>による弾や技の駆け引き</a:t>
-            </a:r>
-            <a:r>
-              <a:rPr lang="en-US" altLang="ja-JP" sz="1801" b="1" dirty="0">
-                <a:solidFill>
-                  <a:srgbClr val="C00000"/>
-                </a:solidFill>
-              </a:rPr>
-              <a:t>…</a:t>
-            </a:r>
-            <a:r>
-              <a:rPr lang="ja-JP" altLang="en-US" sz="2800" b="1" dirty="0">
-                <a:solidFill>
-                  <a:srgbClr val="FF0000"/>
-                </a:solidFill>
-              </a:rPr>
-              <a:t>自分だけの戦法</a:t>
-            </a:r>
-            <a:r>
-              <a:rPr lang="ja-JP" altLang="en-US" sz="1801" b="1" dirty="0">
-                <a:solidFill>
-                  <a:srgbClr val="C00000"/>
-                </a:solidFill>
-              </a:rPr>
-              <a:t>を編み出し勝利をつかめ！</a:t>
-            </a:r>
-            <a:endParaRPr lang="en-US" altLang="ja-JP" sz="1801" b="1" dirty="0">
-              <a:solidFill>
-                <a:srgbClr val="C00000"/>
-              </a:solidFill>
-            </a:endParaRPr>
-          </a:p>
-          <a:p>
-            <a:r>
-              <a:rPr lang="ja-JP" altLang="en-US" sz="1401" b="1" dirty="0">
-                <a:solidFill>
-                  <a:srgbClr val="002060"/>
-                </a:solidFill>
-              </a:rPr>
-              <a:t>相手はすべて人間</a:t>
-            </a:r>
-            <a:r>
-              <a:rPr lang="en-US" altLang="ja-JP" sz="1401" b="1" dirty="0">
-                <a:solidFill>
-                  <a:srgbClr val="002060"/>
-                </a:solidFill>
-              </a:rPr>
-              <a:t>…</a:t>
-            </a:r>
-            <a:r>
-              <a:rPr lang="ja-JP" altLang="en-US" sz="1401" b="1" dirty="0">
-                <a:solidFill>
-                  <a:srgbClr val="002060"/>
-                </a:solidFill>
-              </a:rPr>
-              <a:t>戦法や立ち回り運に至るまで己の全てを持って相手に挑め！</a:t>
+              <a:t>に至るまで己の全てを持って相手に挑め！</a:t>
             </a:r>
             <a:endParaRPr lang="en-US" altLang="ja-JP" sz="1401" b="1" dirty="0">
               <a:solidFill>
                 <a:srgbClr val="002060"/>
               </a:solidFill>
+              <a:latin typeface="装甲明朝" panose="02000600000000000000" pitchFamily="2" charset="-128"/>
+              <a:ea typeface="装甲明朝" panose="02000600000000000000" pitchFamily="2" charset="-128"/>
             </a:endParaRPr>
           </a:p>
         </p:txBody>
@@ -3739,6 +3754,66 @@
       <p:pic>
         <p:nvPicPr>
           <p:cNvPr id="8" name="図 7"/>
+          <p:cNvPicPr>
+            <a:picLocks noChangeAspect="1"/>
+          </p:cNvPicPr>
+          <p:nvPr/>
+        </p:nvPicPr>
+        <p:blipFill>
+          <a:blip r:embed="rId3" cstate="print">
+            <a:extLst>
+              <a:ext uri="{28A0092B-C50C-407E-A947-70E740481C1C}">
+                <a14:useLocalDpi xmlns:a14="http://schemas.microsoft.com/office/drawing/2010/main" val="0"/>
+              </a:ext>
+            </a:extLst>
+          </a:blip>
+          <a:stretch>
+            <a:fillRect/>
+          </a:stretch>
+        </p:blipFill>
+        <p:spPr>
+          <a:xfrm>
+            <a:off x="8594493" y="1494512"/>
+            <a:ext cx="1688505" cy="949783"/>
+          </a:xfrm>
+          <a:prstGeom prst="rect">
+            <a:avLst/>
+          </a:prstGeom>
+        </p:spPr>
+      </p:pic>
+      <p:pic>
+        <p:nvPicPr>
+          <p:cNvPr id="9" name="図 8"/>
+          <p:cNvPicPr>
+            <a:picLocks noChangeAspect="1"/>
+          </p:cNvPicPr>
+          <p:nvPr/>
+        </p:nvPicPr>
+        <p:blipFill>
+          <a:blip r:embed="rId4" cstate="print">
+            <a:extLst>
+              <a:ext uri="{28A0092B-C50C-407E-A947-70E740481C1C}">
+                <a14:useLocalDpi xmlns:a14="http://schemas.microsoft.com/office/drawing/2010/main" val="0"/>
+              </a:ext>
+            </a:extLst>
+          </a:blip>
+          <a:stretch>
+            <a:fillRect/>
+          </a:stretch>
+        </p:blipFill>
+        <p:spPr>
+          <a:xfrm>
+            <a:off x="1118243" y="1329204"/>
+            <a:ext cx="2945335" cy="1656750"/>
+          </a:xfrm>
+          <a:prstGeom prst="rect">
+            <a:avLst/>
+          </a:prstGeom>
+        </p:spPr>
+      </p:pic>
+      <p:pic>
+        <p:nvPicPr>
+          <p:cNvPr id="13" name="図 12"/>
           <p:cNvPicPr>
             <a:picLocks noChangeAspect="1"/>
           </p:cNvPicPr>
@@ -3758,8 +3833,8 @@
         </p:blipFill>
         <p:spPr>
           <a:xfrm>
-            <a:off x="8594493" y="1494512"/>
-            <a:ext cx="1688505" cy="949783"/>
+            <a:off x="2164732" y="2794539"/>
+            <a:ext cx="947339" cy="807212"/>
           </a:xfrm>
           <a:prstGeom prst="rect">
             <a:avLst/>
@@ -3768,7 +3843,7 @@
       </p:pic>
       <p:pic>
         <p:nvPicPr>
-          <p:cNvPr id="9" name="図 8"/>
+          <p:cNvPr id="14" name="図 13"/>
           <p:cNvPicPr>
             <a:picLocks noChangeAspect="1"/>
           </p:cNvPicPr>
@@ -3788,66 +3863,6 @@
         </p:blipFill>
         <p:spPr>
           <a:xfrm>
-            <a:off x="657365" y="2906190"/>
-            <a:ext cx="2945335" cy="1656750"/>
-          </a:xfrm>
-          <a:prstGeom prst="rect">
-            <a:avLst/>
-          </a:prstGeom>
-        </p:spPr>
-      </p:pic>
-      <p:pic>
-        <p:nvPicPr>
-          <p:cNvPr id="13" name="図 12"/>
-          <p:cNvPicPr>
-            <a:picLocks noChangeAspect="1"/>
-          </p:cNvPicPr>
-          <p:nvPr/>
-        </p:nvPicPr>
-        <p:blipFill>
-          <a:blip r:embed="rId7" cstate="print">
-            <a:extLst>
-              <a:ext uri="{28A0092B-C50C-407E-A947-70E740481C1C}">
-                <a14:useLocalDpi xmlns:a14="http://schemas.microsoft.com/office/drawing/2010/main" val="0"/>
-              </a:ext>
-            </a:extLst>
-          </a:blip>
-          <a:stretch>
-            <a:fillRect/>
-          </a:stretch>
-        </p:blipFill>
-        <p:spPr>
-          <a:xfrm>
-            <a:off x="1719647" y="4236853"/>
-            <a:ext cx="947339" cy="807212"/>
-          </a:xfrm>
-          <a:prstGeom prst="rect">
-            <a:avLst/>
-          </a:prstGeom>
-        </p:spPr>
-      </p:pic>
-      <p:pic>
-        <p:nvPicPr>
-          <p:cNvPr id="14" name="図 13"/>
-          <p:cNvPicPr>
-            <a:picLocks noChangeAspect="1"/>
-          </p:cNvPicPr>
-          <p:nvPr/>
-        </p:nvPicPr>
-        <p:blipFill>
-          <a:blip r:embed="rId8" cstate="print">
-            <a:extLst>
-              <a:ext uri="{28A0092B-C50C-407E-A947-70E740481C1C}">
-                <a14:useLocalDpi xmlns:a14="http://schemas.microsoft.com/office/drawing/2010/main" val="0"/>
-              </a:ext>
-            </a:extLst>
-          </a:blip>
-          <a:stretch>
-            <a:fillRect/>
-          </a:stretch>
-        </p:blipFill>
-        <p:spPr>
-          <a:xfrm>
             <a:off x="8944220" y="2267628"/>
             <a:ext cx="989049" cy="989049"/>
           </a:xfrm>
@@ -3883,6 +3898,8 @@
                 <a:solidFill>
                   <a:srgbClr val="002060"/>
                 </a:solidFill>
+                <a:latin typeface="装甲明朝" panose="02000600000000000000" pitchFamily="2" charset="-128"/>
+                <a:ea typeface="装甲明朝" panose="02000600000000000000" pitchFamily="2" charset="-128"/>
               </a:rPr>
               <a:t>GAUGE1</a:t>
             </a:r>
@@ -3890,6 +3907,8 @@
               <a:solidFill>
                 <a:srgbClr val="002060"/>
               </a:solidFill>
+              <a:latin typeface="装甲明朝" panose="02000600000000000000" pitchFamily="2" charset="-128"/>
+              <a:ea typeface="装甲明朝" panose="02000600000000000000" pitchFamily="2" charset="-128"/>
             </a:endParaRPr>
           </a:p>
         </p:txBody>
@@ -3902,7 +3921,7 @@
         </p:nvSpPr>
         <p:spPr>
           <a:xfrm>
-            <a:off x="449625" y="3959298"/>
+            <a:off x="1080723" y="2132842"/>
             <a:ext cx="943897" cy="177362"/>
           </a:xfrm>
           <a:prstGeom prst="roundRect">
@@ -3961,6 +3980,8 @@
                 <a:solidFill>
                   <a:srgbClr val="002060"/>
                 </a:solidFill>
+                <a:latin typeface="装甲明朝" panose="02000600000000000000" pitchFamily="2" charset="-128"/>
+                <a:ea typeface="装甲明朝" panose="02000600000000000000" pitchFamily="2" charset="-128"/>
               </a:rPr>
               <a:t>GAUGE2</a:t>
             </a:r>
@@ -3968,6 +3989,8 @@
               <a:solidFill>
                 <a:srgbClr val="002060"/>
               </a:solidFill>
+              <a:latin typeface="装甲明朝" panose="02000600000000000000" pitchFamily="2" charset="-128"/>
+              <a:ea typeface="装甲明朝" panose="02000600000000000000" pitchFamily="2" charset="-128"/>
             </a:endParaRPr>
           </a:p>
         </p:txBody>
@@ -3980,7 +4003,7 @@
         </p:nvSpPr>
         <p:spPr>
           <a:xfrm>
-            <a:off x="412242" y="4734600"/>
+            <a:off x="968985" y="3025909"/>
             <a:ext cx="1219570" cy="169134"/>
           </a:xfrm>
           <a:prstGeom prst="roundRect">
@@ -4060,7 +4083,7 @@
         </p:nvSpPr>
         <p:spPr>
           <a:xfrm>
-            <a:off x="395672" y="3537538"/>
+            <a:off x="1066526" y="1724274"/>
             <a:ext cx="1347337" cy="307905"/>
           </a:xfrm>
           <a:prstGeom prst="rect">
@@ -4079,6 +4102,8 @@
                 <a:solidFill>
                   <a:srgbClr val="FF0000"/>
                 </a:solidFill>
+                <a:latin typeface="装甲明朝" panose="02000600000000000000" pitchFamily="2" charset="-128"/>
+                <a:ea typeface="装甲明朝" panose="02000600000000000000" pitchFamily="2" charset="-128"/>
               </a:rPr>
               <a:t>GAUGE1</a:t>
             </a:r>
@@ -4086,6 +4111,8 @@
               <a:solidFill>
                 <a:srgbClr val="FF0000"/>
               </a:solidFill>
+              <a:latin typeface="装甲明朝" panose="02000600000000000000" pitchFamily="2" charset="-128"/>
+              <a:ea typeface="装甲明朝" panose="02000600000000000000" pitchFamily="2" charset="-128"/>
             </a:endParaRPr>
           </a:p>
         </p:txBody>
@@ -4098,7 +4125,7 @@
         </p:nvSpPr>
         <p:spPr>
           <a:xfrm>
-            <a:off x="381556" y="4256356"/>
+            <a:off x="1013290" y="2551298"/>
             <a:ext cx="1347337" cy="307905"/>
           </a:xfrm>
           <a:prstGeom prst="rect">
@@ -4117,6 +4144,8 @@
                 <a:solidFill>
                   <a:srgbClr val="FF0000"/>
                 </a:solidFill>
+                <a:latin typeface="装甲明朝" panose="02000600000000000000" pitchFamily="2" charset="-128"/>
+                <a:ea typeface="装甲明朝" panose="02000600000000000000" pitchFamily="2" charset="-128"/>
               </a:rPr>
               <a:t>GAUGE2</a:t>
             </a:r>
@@ -4124,6 +4153,8 @@
               <a:solidFill>
                 <a:srgbClr val="FF0000"/>
               </a:solidFill>
+              <a:latin typeface="装甲明朝" panose="02000600000000000000" pitchFamily="2" charset="-128"/>
+              <a:ea typeface="装甲明朝" panose="02000600000000000000" pitchFamily="2" charset="-128"/>
             </a:endParaRPr>
           </a:p>
         </p:txBody>
@@ -4170,14 +4201,14 @@
       </p:sp>
       <p:pic>
         <p:nvPicPr>
-          <p:cNvPr id="6" name="図 5"/>
+          <p:cNvPr id="26" name="図 25"/>
           <p:cNvPicPr>
             <a:picLocks noChangeAspect="1"/>
           </p:cNvPicPr>
           <p:nvPr/>
         </p:nvPicPr>
         <p:blipFill>
-          <a:blip r:embed="rId9">
+          <a:blip r:embed="rId7">
             <a:extLst>
               <a:ext uri="{28A0092B-C50C-407E-A947-70E740481C1C}">
                 <a14:useLocalDpi xmlns:a14="http://schemas.microsoft.com/office/drawing/2010/main" val="0"/>
@@ -4190,24 +4221,62 @@
         </p:blipFill>
         <p:spPr>
           <a:xfrm>
-            <a:off x="24331" y="-1777"/>
-            <a:ext cx="2286000" cy="3333750"/>
+            <a:off x="6866483" y="1288760"/>
+            <a:ext cx="2055594" cy="2997741"/>
           </a:xfrm>
           <a:prstGeom prst="rect">
             <a:avLst/>
           </a:prstGeom>
         </p:spPr>
       </p:pic>
+      <p:sp>
+        <p:nvSpPr>
+          <p:cNvPr id="28" name="テキスト ボックス 27"/>
+          <p:cNvSpPr txBox="1"/>
+          <p:nvPr/>
+        </p:nvSpPr>
+        <p:spPr>
+          <a:xfrm>
+            <a:off x="7166480" y="3008122"/>
+            <a:ext cx="1455599" cy="400110"/>
+          </a:xfrm>
+          <a:prstGeom prst="rect">
+            <a:avLst/>
+          </a:prstGeom>
+          <a:noFill/>
+        </p:spPr>
+        <p:txBody>
+          <a:bodyPr wrap="square" rtlCol="0">
+            <a:spAutoFit/>
+          </a:bodyPr>
+          <a:lstStyle/>
+          <a:p>
+            <a:r>
+              <a:rPr kumimoji="1" lang="en-US" altLang="ja-JP" sz="2000" b="1" dirty="0" smtClean="0">
+                <a:solidFill>
+                  <a:srgbClr val="FF0000"/>
+                </a:solidFill>
+              </a:rPr>
+              <a:t>WARNING</a:t>
+            </a:r>
+            <a:endParaRPr kumimoji="1" lang="ja-JP" altLang="en-US" sz="2000" b="1" dirty="0">
+              <a:solidFill>
+                <a:srgbClr val="FF0000"/>
+              </a:solidFill>
+            </a:endParaRPr>
+          </a:p>
+        </p:txBody>
+      </p:sp>
       <p:pic>
         <p:nvPicPr>
-          <p:cNvPr id="26" name="図 25"/>
+          <p:cNvPr id="10" name="図 9"/>
           <p:cNvPicPr>
             <a:picLocks noChangeAspect="1"/>
           </p:cNvPicPr>
           <p:nvPr/>
         </p:nvPicPr>
         <p:blipFill>
-          <a:blip r:embed="rId9">
+          <a:blip r:embed="rId8">
             <a:extLst>
               <a:ext uri="{28A0092B-C50C-407E-A947-70E740481C1C}">
                 <a14:useLocalDpi xmlns:a14="http://schemas.microsoft.com/office/drawing/2010/main" val="0"/>
@@ -4220,62 +4289,95 @@
         </p:blipFill>
         <p:spPr>
           <a:xfrm>
-            <a:off x="9893521" y="3450388"/>
-            <a:ext cx="2286000" cy="3333750"/>
+            <a:off x="6881308" y="1268523"/>
+            <a:ext cx="1771476" cy="2978651"/>
           </a:xfrm>
           <a:prstGeom prst="rect">
             <a:avLst/>
           </a:prstGeom>
         </p:spPr>
       </p:pic>
-      <p:sp>
-        <p:nvSpPr>
-          <p:cNvPr id="27" name="テキスト ボックス 26"/>
-          <p:cNvSpPr txBox="1"/>
+      <p:pic>
+        <p:nvPicPr>
+          <p:cNvPr id="1026" name="Picture 2" descr="緊急&#10;着陸"/>
+          <p:cNvPicPr>
+            <a:picLocks noChangeAspect="1" noChangeArrowheads="1"/>
+          </p:cNvPicPr>
           <p:nvPr/>
-        </p:nvSpPr>
-        <p:spPr>
+        </p:nvPicPr>
+        <p:blipFill>
+          <a:blip r:embed="rId9">
+            <a:extLst>
+              <a:ext uri="{28A0092B-C50C-407E-A947-70E740481C1C}">
+                <a14:useLocalDpi xmlns:a14="http://schemas.microsoft.com/office/drawing/2010/main" val="0"/>
+              </a:ext>
+            </a:extLst>
+          </a:blip>
+          <a:srcRect/>
+          <a:stretch>
+            <a:fillRect/>
+          </a:stretch>
+        </p:blipFill>
+        <p:spPr bwMode="auto">
           <a:xfrm>
-            <a:off x="487660" y="1918203"/>
-            <a:ext cx="1525006" cy="400110"/>
+            <a:off x="3168583" y="1340423"/>
+            <a:ext cx="2081989" cy="2985849"/>
           </a:xfrm>
           <a:prstGeom prst="rect">
             <a:avLst/>
           </a:prstGeom>
           <a:noFill/>
-        </p:spPr>
-        <p:txBody>
-          <a:bodyPr wrap="square" rtlCol="0">
-            <a:spAutoFit/>
-          </a:bodyPr>
-          <a:lstStyle/>
-          <a:p>
-            <a:r>
-              <a:rPr kumimoji="1" lang="en-US" altLang="ja-JP" sz="2000" b="1" dirty="0" smtClean="0">
+          <a:extLst>
+            <a:ext uri="{909E8E84-426E-40DD-AFC4-6F175D3DCCD1}">
+              <a14:hiddenFill xmlns:a14="http://schemas.microsoft.com/office/drawing/2010/main">
                 <a:solidFill>
-                  <a:srgbClr val="FF0000"/>
+                  <a:srgbClr val="FFFFFF"/>
                 </a:solidFill>
-              </a:rPr>
-              <a:t>WARNING</a:t>
-            </a:r>
-            <a:endParaRPr kumimoji="1" lang="ja-JP" altLang="en-US" sz="2000" b="1" dirty="0">
-              <a:solidFill>
-                <a:srgbClr val="FF0000"/>
-              </a:solidFill>
-            </a:endParaRPr>
-          </a:p>
-        </p:txBody>
-      </p:sp>
-      <p:sp>
-        <p:nvSpPr>
-          <p:cNvPr id="28" name="テキスト ボックス 27"/>
+              </a14:hiddenFill>
+            </a:ext>
+          </a:extLst>
+        </p:spPr>
+      </p:pic>
+      <p:pic>
+        <p:nvPicPr>
+          <p:cNvPr id="12" name="図 11"/>
+          <p:cNvPicPr>
+            <a:picLocks noChangeAspect="1"/>
+          </p:cNvPicPr>
+          <p:nvPr/>
+        </p:nvPicPr>
+        <p:blipFill>
+          <a:blip r:embed="rId10">
+            <a:extLst>
+              <a:ext uri="{28A0092B-C50C-407E-A947-70E740481C1C}">
+                <a14:useLocalDpi xmlns:a14="http://schemas.microsoft.com/office/drawing/2010/main" val="0"/>
+              </a:ext>
+            </a:extLst>
+          </a:blip>
+          <a:stretch>
+            <a:fillRect/>
+          </a:stretch>
+        </p:blipFill>
+        <p:spPr>
+          <a:xfrm>
+            <a:off x="3330687" y="1494512"/>
+            <a:ext cx="1863373" cy="2600055"/>
+          </a:xfrm>
+          <a:prstGeom prst="rect">
+            <a:avLst/>
+          </a:prstGeom>
+        </p:spPr>
+      </p:pic>
+      <p:sp>
+        <p:nvSpPr>
+          <p:cNvPr id="4" name="テキスト ボックス 3"/>
           <p:cNvSpPr txBox="1"/>
           <p:nvPr/>
         </p:nvSpPr>
         <p:spPr>
-          <a:xfrm>
-            <a:off x="10402980" y="5369364"/>
-            <a:ext cx="1455599" cy="400110"/>
+          <a:xfrm rot="20156571">
+            <a:off x="-241156" y="554605"/>
+            <a:ext cx="4216978" cy="461665"/>
           </a:xfrm>
           <a:prstGeom prst="rect">
             <a:avLst/>
@@ -4289,17 +4391,103 @@
           <a:lstStyle/>
           <a:p>
             <a:r>
-              <a:rPr kumimoji="1" lang="en-US" altLang="ja-JP" sz="2000" b="1" dirty="0" smtClean="0">
+              <a:rPr kumimoji="1" lang="ja-JP" altLang="en-US" sz="2400" b="1" dirty="0" smtClean="0">
+                <a:solidFill>
+                  <a:srgbClr val="002060"/>
+                </a:solidFill>
+                <a:latin typeface="装甲明朝" panose="02000600000000000000" pitchFamily="2" charset="-128"/>
+                <a:ea typeface="装甲明朝" panose="02000600000000000000" pitchFamily="2" charset="-128"/>
+              </a:rPr>
+              <a:t>君は戦士だ、兵士ではない</a:t>
+            </a:r>
+            <a:endParaRPr kumimoji="1" lang="ja-JP" altLang="en-US" sz="2400" b="1" dirty="0">
+              <a:solidFill>
+                <a:srgbClr val="002060"/>
+              </a:solidFill>
+              <a:latin typeface="装甲明朝" panose="02000600000000000000" pitchFamily="2" charset="-128"/>
+              <a:ea typeface="装甲明朝" panose="02000600000000000000" pitchFamily="2" charset="-128"/>
+            </a:endParaRPr>
+          </a:p>
+        </p:txBody>
+      </p:sp>
+      <p:pic>
+        <p:nvPicPr>
+          <p:cNvPr id="5" name="図 4"/>
+          <p:cNvPicPr>
+            <a:picLocks noChangeAspect="1"/>
+          </p:cNvPicPr>
+          <p:nvPr/>
+        </p:nvPicPr>
+        <p:blipFill>
+          <a:blip r:embed="rId11">
+            <a:extLst>
+              <a:ext uri="{28A0092B-C50C-407E-A947-70E740481C1C}">
+                <a14:useLocalDpi xmlns:a14="http://schemas.microsoft.com/office/drawing/2010/main" val="0"/>
+              </a:ext>
+            </a:extLst>
+          </a:blip>
+          <a:stretch>
+            <a:fillRect/>
+          </a:stretch>
+        </p:blipFill>
+        <p:spPr>
+          <a:xfrm>
+            <a:off x="8959564" y="4070196"/>
+            <a:ext cx="3088426" cy="1760403"/>
+          </a:xfrm>
+          <a:prstGeom prst="rect">
+            <a:avLst/>
+          </a:prstGeom>
+        </p:spPr>
+      </p:pic>
+      <p:sp>
+        <p:nvSpPr>
+          <p:cNvPr id="6" name="テキスト ボックス 5"/>
+          <p:cNvSpPr txBox="1"/>
+          <p:nvPr/>
+        </p:nvSpPr>
+        <p:spPr>
+          <a:xfrm rot="20475391">
+            <a:off x="8927212" y="5363711"/>
+            <a:ext cx="4238338" cy="646331"/>
+          </a:xfrm>
+          <a:prstGeom prst="rect">
+            <a:avLst/>
+          </a:prstGeom>
+          <a:noFill/>
+        </p:spPr>
+        <p:txBody>
+          <a:bodyPr wrap="square" rtlCol="0">
+            <a:spAutoFit/>
+          </a:bodyPr>
+          <a:lstStyle/>
+          <a:p>
+            <a:r>
+              <a:rPr lang="ja-JP" altLang="en-US" sz="3600" b="1" dirty="0" smtClean="0">
                 <a:solidFill>
                   <a:srgbClr val="FF0000"/>
                 </a:solidFill>
+                <a:latin typeface="装甲明朝" panose="02000600000000000000" pitchFamily="2" charset="-128"/>
+                <a:ea typeface="装甲明朝" panose="02000600000000000000" pitchFamily="2" charset="-128"/>
               </a:rPr>
-              <a:t>WARNING</a:t>
-            </a:r>
-            <a:endParaRPr kumimoji="1" lang="ja-JP" altLang="en-US" sz="2000" b="1" dirty="0">
+              <a:t>敵ヲ撃破</a:t>
+            </a:r>
+            <a:r>
+              <a:rPr lang="ja-JP" altLang="en-US" sz="3600" b="1" dirty="0">
+                <a:solidFill>
+                  <a:srgbClr val="FF0000"/>
+                </a:solidFill>
+                <a:latin typeface="装甲明朝" panose="02000600000000000000" pitchFamily="2" charset="-128"/>
+                <a:ea typeface="装甲明朝" panose="02000600000000000000" pitchFamily="2" charset="-128"/>
+              </a:rPr>
+              <a:t>セヨ</a:t>
+            </a:r>
+            <a:endParaRPr kumimoji="1" lang="ja-JP" altLang="en-US" sz="3600" b="1" dirty="0">
               <a:solidFill>
                 <a:srgbClr val="FF0000"/>
               </a:solidFill>
+              <a:latin typeface="装甲明朝" panose="02000600000000000000" pitchFamily="2" charset="-128"/>
+              <a:ea typeface="装甲明朝" panose="02000600000000000000" pitchFamily="2" charset="-128"/>
             </a:endParaRPr>
           </a:p>
         </p:txBody>

--- a/Schedule/電脳戦機VARTUALON.pptx
+++ b/Schedule/電脳戦機VARTUALON.pptx
@@ -269,7 +269,7 @@
           <a:p>
             <a:fld id="{F6187879-3E71-47E9-AF2E-6DC9BF0289AB}" type="datetimeFigureOut">
               <a:rPr kumimoji="1" lang="ja-JP" altLang="en-US" smtClean="0"/>
-              <a:t>2020/10/21</a:t>
+              <a:t>2020/10/22</a:t>
             </a:fld>
             <a:endParaRPr kumimoji="1" lang="ja-JP" altLang="en-US"/>
           </a:p>
@@ -471,7 +471,7 @@
           <a:p>
             <a:fld id="{F6187879-3E71-47E9-AF2E-6DC9BF0289AB}" type="datetimeFigureOut">
               <a:rPr kumimoji="1" lang="ja-JP" altLang="en-US" smtClean="0"/>
-              <a:t>2020/10/21</a:t>
+              <a:t>2020/10/22</a:t>
             </a:fld>
             <a:endParaRPr kumimoji="1" lang="ja-JP" altLang="en-US"/>
           </a:p>
@@ -683,7 +683,7 @@
           <a:p>
             <a:fld id="{F6187879-3E71-47E9-AF2E-6DC9BF0289AB}" type="datetimeFigureOut">
               <a:rPr kumimoji="1" lang="ja-JP" altLang="en-US" smtClean="0"/>
-              <a:t>2020/10/21</a:t>
+              <a:t>2020/10/22</a:t>
             </a:fld>
             <a:endParaRPr kumimoji="1" lang="ja-JP" altLang="en-US"/>
           </a:p>
@@ -885,7 +885,7 @@
           <a:p>
             <a:fld id="{F6187879-3E71-47E9-AF2E-6DC9BF0289AB}" type="datetimeFigureOut">
               <a:rPr kumimoji="1" lang="ja-JP" altLang="en-US" smtClean="0"/>
-              <a:t>2020/10/21</a:t>
+              <a:t>2020/10/22</a:t>
             </a:fld>
             <a:endParaRPr kumimoji="1" lang="ja-JP" altLang="en-US"/>
           </a:p>
@@ -1131,7 +1131,7 @@
           <a:p>
             <a:fld id="{F6187879-3E71-47E9-AF2E-6DC9BF0289AB}" type="datetimeFigureOut">
               <a:rPr kumimoji="1" lang="ja-JP" altLang="en-US" smtClean="0"/>
-              <a:t>2020/10/21</a:t>
+              <a:t>2020/10/22</a:t>
             </a:fld>
             <a:endParaRPr kumimoji="1" lang="ja-JP" altLang="en-US"/>
           </a:p>
@@ -1427,7 +1427,7 @@
           <a:p>
             <a:fld id="{F6187879-3E71-47E9-AF2E-6DC9BF0289AB}" type="datetimeFigureOut">
               <a:rPr kumimoji="1" lang="ja-JP" altLang="en-US" smtClean="0"/>
-              <a:t>2020/10/21</a:t>
+              <a:t>2020/10/22</a:t>
             </a:fld>
             <a:endParaRPr kumimoji="1" lang="ja-JP" altLang="en-US"/>
           </a:p>
@@ -1858,7 +1858,7 @@
           <a:p>
             <a:fld id="{F6187879-3E71-47E9-AF2E-6DC9BF0289AB}" type="datetimeFigureOut">
               <a:rPr kumimoji="1" lang="ja-JP" altLang="en-US" smtClean="0"/>
-              <a:t>2020/10/21</a:t>
+              <a:t>2020/10/22</a:t>
             </a:fld>
             <a:endParaRPr kumimoji="1" lang="ja-JP" altLang="en-US"/>
           </a:p>
@@ -1976,7 +1976,7 @@
           <a:p>
             <a:fld id="{F6187879-3E71-47E9-AF2E-6DC9BF0289AB}" type="datetimeFigureOut">
               <a:rPr kumimoji="1" lang="ja-JP" altLang="en-US" smtClean="0"/>
-              <a:t>2020/10/21</a:t>
+              <a:t>2020/10/22</a:t>
             </a:fld>
             <a:endParaRPr kumimoji="1" lang="ja-JP" altLang="en-US"/>
           </a:p>
@@ -2071,7 +2071,7 @@
           <a:p>
             <a:fld id="{F6187879-3E71-47E9-AF2E-6DC9BF0289AB}" type="datetimeFigureOut">
               <a:rPr kumimoji="1" lang="ja-JP" altLang="en-US" smtClean="0"/>
-              <a:t>2020/10/21</a:t>
+              <a:t>2020/10/22</a:t>
             </a:fld>
             <a:endParaRPr kumimoji="1" lang="ja-JP" altLang="en-US"/>
           </a:p>
@@ -2380,7 +2380,7 @@
           <a:p>
             <a:fld id="{F6187879-3E71-47E9-AF2E-6DC9BF0289AB}" type="datetimeFigureOut">
               <a:rPr kumimoji="1" lang="ja-JP" altLang="en-US" smtClean="0"/>
-              <a:t>2020/10/21</a:t>
+              <a:t>2020/10/22</a:t>
             </a:fld>
             <a:endParaRPr kumimoji="1" lang="ja-JP" altLang="en-US"/>
           </a:p>
@@ -2633,7 +2633,7 @@
           <a:p>
             <a:fld id="{F6187879-3E71-47E9-AF2E-6DC9BF0289AB}" type="datetimeFigureOut">
               <a:rPr kumimoji="1" lang="ja-JP" altLang="en-US" smtClean="0"/>
-              <a:t>2020/10/21</a:t>
+              <a:t>2020/10/22</a:t>
             </a:fld>
             <a:endParaRPr kumimoji="1" lang="ja-JP" altLang="en-US"/>
           </a:p>
@@ -2878,7 +2878,7 @@
           <a:p>
             <a:fld id="{F6187879-3E71-47E9-AF2E-6DC9BF0289AB}" type="datetimeFigureOut">
               <a:rPr kumimoji="1" lang="ja-JP" altLang="en-US" smtClean="0"/>
-              <a:t>2020/10/21</a:t>
+              <a:t>2020/10/22</a:t>
             </a:fld>
             <a:endParaRPr kumimoji="1" lang="ja-JP" altLang="en-US"/>
           </a:p>
@@ -3372,7 +3372,7 @@
         </p:nvSpPr>
         <p:spPr>
           <a:xfrm>
-            <a:off x="9267497" y="70401"/>
+            <a:off x="9347183" y="244812"/>
             <a:ext cx="2735361" cy="671795"/>
           </a:xfrm>
         </p:spPr>
@@ -3502,7 +3502,7 @@
         </p:nvSpPr>
         <p:spPr>
           <a:xfrm>
-            <a:off x="-1230982" y="4463516"/>
+            <a:off x="-1120418" y="5056746"/>
             <a:ext cx="10387915" cy="800347"/>
           </a:xfrm>
           <a:prstGeom prst="rect">
@@ -3565,7 +3565,47 @@
                 <a:latin typeface="装甲明朝" panose="02000600000000000000" pitchFamily="2" charset="-128"/>
                 <a:ea typeface="装甲明朝" panose="02000600000000000000" pitchFamily="2" charset="-128"/>
               </a:rPr>
-              <a:t>ゲージを使いウエポンを使いこなせ</a:t>
+              <a:t>ゲージ</a:t>
+            </a:r>
+            <a:r>
+              <a:rPr lang="ja-JP" altLang="en-US" sz="1401" b="1" dirty="0" smtClean="0">
+                <a:solidFill>
+                  <a:srgbClr val="002060"/>
+                </a:solidFill>
+                <a:latin typeface="装甲明朝" panose="02000600000000000000" pitchFamily="2" charset="-128"/>
+                <a:ea typeface="装甲明朝" panose="02000600000000000000" pitchFamily="2" charset="-128"/>
+              </a:rPr>
+              <a:t>を</a:t>
+            </a:r>
+            <a:r>
+              <a:rPr lang="ja-JP" altLang="en-US" sz="1401" b="1" dirty="0">
+                <a:solidFill>
+                  <a:srgbClr val="002060"/>
+                </a:solidFill>
+                <a:latin typeface="装甲明朝" panose="02000600000000000000" pitchFamily="2" charset="-128"/>
+                <a:ea typeface="装甲明朝" panose="02000600000000000000" pitchFamily="2" charset="-128"/>
+              </a:rPr>
+              <a:t>消費し</a:t>
+            </a:r>
+            <a:r>
+              <a:rPr lang="ja-JP" altLang="en-US" sz="1401" b="1" dirty="0" smtClean="0">
+                <a:solidFill>
+                  <a:srgbClr val="002060"/>
+                </a:solidFill>
+                <a:latin typeface="装甲明朝" panose="02000600000000000000" pitchFamily="2" charset="-128"/>
+                <a:ea typeface="装甲明朝" panose="02000600000000000000" pitchFamily="2" charset="-128"/>
+              </a:rPr>
+              <a:t>ウエポン</a:t>
+            </a:r>
+            <a:r>
+              <a:rPr lang="ja-JP" altLang="en-US" sz="1401" b="1" dirty="0">
+                <a:solidFill>
+                  <a:srgbClr val="002060"/>
+                </a:solidFill>
+                <a:latin typeface="装甲明朝" panose="02000600000000000000" pitchFamily="2" charset="-128"/>
+                <a:ea typeface="装甲明朝" panose="02000600000000000000" pitchFamily="2" charset="-128"/>
+              </a:rPr>
+              <a:t>を使いこなせ</a:t>
             </a:r>
             <a:r>
               <a:rPr lang="ja-JP" altLang="en-US" sz="1401" b="1" dirty="0" smtClean="0">
@@ -3618,7 +3658,7 @@
         </p:nvSpPr>
         <p:spPr>
           <a:xfrm>
-            <a:off x="0" y="5274492"/>
+            <a:off x="142200" y="5876284"/>
             <a:ext cx="9006841" cy="738792"/>
           </a:xfrm>
           <a:prstGeom prst="rect">
@@ -3773,7 +3813,7 @@
         </p:blipFill>
         <p:spPr>
           <a:xfrm>
-            <a:off x="8594493" y="1494512"/>
+            <a:off x="8489232" y="1732625"/>
             <a:ext cx="1688505" cy="949783"/>
           </a:xfrm>
           <a:prstGeom prst="rect">
@@ -3803,7 +3843,7 @@
         </p:blipFill>
         <p:spPr>
           <a:xfrm>
-            <a:off x="1118243" y="1329204"/>
+            <a:off x="981991" y="1346078"/>
             <a:ext cx="2945335" cy="1656750"/>
           </a:xfrm>
           <a:prstGeom prst="rect">
@@ -3833,7 +3873,7 @@
         </p:blipFill>
         <p:spPr>
           <a:xfrm>
-            <a:off x="2164732" y="2794539"/>
+            <a:off x="2155463" y="2828254"/>
             <a:ext cx="947339" cy="807212"/>
           </a:xfrm>
           <a:prstGeom prst="rect">
@@ -3863,7 +3903,7 @@
         </p:blipFill>
         <p:spPr>
           <a:xfrm>
-            <a:off x="8944220" y="2267628"/>
+            <a:off x="8892540" y="2677209"/>
             <a:ext cx="989049" cy="989049"/>
           </a:xfrm>
           <a:prstGeom prst="rect">
@@ -3879,8 +3919,8 @@
         </p:nvSpPr>
         <p:spPr>
           <a:xfrm>
-            <a:off x="10655521" y="1565805"/>
-            <a:ext cx="1347337" cy="307905"/>
+            <a:off x="9778792" y="1670405"/>
+            <a:ext cx="1874893" cy="369332"/>
           </a:xfrm>
           <a:prstGeom prst="rect">
             <a:avLst/>
@@ -3894,14 +3934,24 @@
           <a:lstStyle/>
           <a:p>
             <a:r>
-              <a:rPr lang="en-US" altLang="ja-JP" sz="1401" b="1" dirty="0">
+              <a:rPr lang="en-US" altLang="ja-JP" b="1" dirty="0">
                 <a:solidFill>
                   <a:srgbClr val="002060"/>
                 </a:solidFill>
                 <a:latin typeface="装甲明朝" panose="02000600000000000000" pitchFamily="2" charset="-128"/>
                 <a:ea typeface="装甲明朝" panose="02000600000000000000" pitchFamily="2" charset="-128"/>
               </a:rPr>
-              <a:t>GAUGE1</a:t>
+              <a:t>Light </a:t>
+            </a:r>
+            <a:r>
+              <a:rPr lang="en-US" altLang="ja-JP" b="1" dirty="0" smtClean="0">
+                <a:solidFill>
+                  <a:srgbClr val="002060"/>
+                </a:solidFill>
+                <a:latin typeface="装甲明朝" panose="02000600000000000000" pitchFamily="2" charset="-128"/>
+                <a:ea typeface="装甲明朝" panose="02000600000000000000" pitchFamily="2" charset="-128"/>
+              </a:rPr>
+              <a:t>weapon</a:t>
             </a:r>
             <a:endParaRPr lang="ja-JP" altLang="en-US" sz="1401" b="1" dirty="0">
               <a:solidFill>
@@ -3921,8 +3971,8 @@
         </p:nvSpPr>
         <p:spPr>
           <a:xfrm>
-            <a:off x="1080723" y="2132842"/>
-            <a:ext cx="943897" cy="177362"/>
+            <a:off x="623657" y="2104400"/>
+            <a:ext cx="1400963" cy="214095"/>
           </a:xfrm>
           <a:prstGeom prst="roundRect">
             <a:avLst/>
@@ -3961,8 +4011,8 @@
         </p:nvSpPr>
         <p:spPr>
           <a:xfrm>
-            <a:off x="10752346" y="2319075"/>
-            <a:ext cx="1347337" cy="307905"/>
+            <a:off x="9852052" y="2633918"/>
+            <a:ext cx="2230492" cy="369332"/>
           </a:xfrm>
           <a:prstGeom prst="rect">
             <a:avLst/>
@@ -3976,16 +4026,26 @@
           <a:lstStyle/>
           <a:p>
             <a:r>
-              <a:rPr lang="en-US" altLang="ja-JP" sz="1401" b="1" dirty="0">
+              <a:rPr lang="en-US" altLang="ja-JP" b="1" dirty="0">
                 <a:solidFill>
                   <a:srgbClr val="002060"/>
                 </a:solidFill>
                 <a:latin typeface="装甲明朝" panose="02000600000000000000" pitchFamily="2" charset="-128"/>
                 <a:ea typeface="装甲明朝" panose="02000600000000000000" pitchFamily="2" charset="-128"/>
               </a:rPr>
-              <a:t>GAUGE2</a:t>
-            </a:r>
-            <a:endParaRPr lang="ja-JP" altLang="en-US" sz="1401" b="1" dirty="0">
+              <a:t>Heavy </a:t>
+            </a:r>
+            <a:r>
+              <a:rPr lang="en-US" altLang="ja-JP" b="1" dirty="0" smtClean="0">
+                <a:solidFill>
+                  <a:srgbClr val="002060"/>
+                </a:solidFill>
+                <a:latin typeface="装甲明朝" panose="02000600000000000000" pitchFamily="2" charset="-128"/>
+                <a:ea typeface="装甲明朝" panose="02000600000000000000" pitchFamily="2" charset="-128"/>
+              </a:rPr>
+              <a:t>weapon</a:t>
+            </a:r>
+            <a:endParaRPr lang="ja-JP" altLang="en-US" sz="1600" b="1" dirty="0">
               <a:solidFill>
                 <a:srgbClr val="002060"/>
               </a:solidFill>
@@ -3997,94 +4057,14 @@
       </p:sp>
       <p:sp>
         <p:nvSpPr>
-          <p:cNvPr id="19" name="角丸四角形 18"/>
-          <p:cNvSpPr/>
-          <p:nvPr/>
-        </p:nvSpPr>
-        <p:spPr>
-          <a:xfrm>
-            <a:off x="968985" y="3025909"/>
-            <a:ext cx="1219570" cy="169134"/>
-          </a:xfrm>
-          <a:prstGeom prst="roundRect">
-            <a:avLst/>
-          </a:prstGeom>
-        </p:spPr>
-        <p:style>
-          <a:lnRef idx="2">
-            <a:schemeClr val="accent1">
-              <a:shade val="50000"/>
-            </a:schemeClr>
-          </a:lnRef>
-          <a:fillRef idx="1">
-            <a:schemeClr val="accent1"/>
-          </a:fillRef>
-          <a:effectRef idx="0">
-            <a:schemeClr val="accent1"/>
-          </a:effectRef>
-          <a:fontRef idx="minor">
-            <a:schemeClr val="lt1"/>
-          </a:fontRef>
-        </p:style>
-        <p:txBody>
-          <a:bodyPr rtlCol="0" anchor="ctr"/>
-          <a:lstStyle/>
-          <a:p>
-            <a:pPr algn="ctr"/>
-            <a:endParaRPr lang="ja-JP" altLang="en-US" sz="1801"/>
-          </a:p>
-        </p:txBody>
-      </p:sp>
-      <p:sp>
-        <p:nvSpPr>
-          <p:cNvPr id="20" name="角丸四角形 19"/>
-          <p:cNvSpPr/>
-          <p:nvPr/>
-        </p:nvSpPr>
-        <p:spPr>
-          <a:xfrm>
-            <a:off x="10574434" y="1948002"/>
-            <a:ext cx="943897" cy="177362"/>
-          </a:xfrm>
-          <a:prstGeom prst="roundRect">
-            <a:avLst/>
-          </a:prstGeom>
-        </p:spPr>
-        <p:style>
-          <a:lnRef idx="2">
-            <a:schemeClr val="accent1">
-              <a:shade val="50000"/>
-            </a:schemeClr>
-          </a:lnRef>
-          <a:fillRef idx="1">
-            <a:schemeClr val="accent1"/>
-          </a:fillRef>
-          <a:effectRef idx="0">
-            <a:schemeClr val="accent1"/>
-          </a:effectRef>
-          <a:fontRef idx="minor">
-            <a:schemeClr val="lt1"/>
-          </a:fontRef>
-        </p:style>
-        <p:txBody>
-          <a:bodyPr rtlCol="0" anchor="ctr"/>
-          <a:lstStyle/>
-          <a:p>
-            <a:pPr algn="ctr"/>
-            <a:endParaRPr lang="ja-JP" altLang="en-US" sz="1801"/>
-          </a:p>
-        </p:txBody>
-      </p:sp>
-      <p:sp>
-        <p:nvSpPr>
           <p:cNvPr id="21" name="テキスト ボックス 20"/>
           <p:cNvSpPr txBox="1"/>
           <p:nvPr/>
         </p:nvSpPr>
         <p:spPr>
           <a:xfrm>
-            <a:off x="1066526" y="1724274"/>
-            <a:ext cx="1347337" cy="307905"/>
+            <a:off x="435408" y="1673282"/>
+            <a:ext cx="1925219" cy="369332"/>
           </a:xfrm>
           <a:prstGeom prst="rect">
             <a:avLst/>
@@ -4098,14 +4078,14 @@
           <a:lstStyle/>
           <a:p>
             <a:r>
-              <a:rPr lang="en-US" altLang="ja-JP" sz="1401" b="1" dirty="0">
+              <a:rPr lang="en-US" altLang="ja-JP" b="1" dirty="0" smtClean="0">
                 <a:solidFill>
                   <a:srgbClr val="FF0000"/>
                 </a:solidFill>
                 <a:latin typeface="装甲明朝" panose="02000600000000000000" pitchFamily="2" charset="-128"/>
                 <a:ea typeface="装甲明朝" panose="02000600000000000000" pitchFamily="2" charset="-128"/>
               </a:rPr>
-              <a:t>GAUGE1</a:t>
+              <a:t>Light weapon</a:t>
             </a:r>
             <a:endParaRPr lang="ja-JP" altLang="en-US" sz="1401" b="1" dirty="0">
               <a:solidFill>
@@ -4125,8 +4105,8 @@
         </p:nvSpPr>
         <p:spPr>
           <a:xfrm>
-            <a:off x="1013290" y="2551298"/>
-            <a:ext cx="1347337" cy="307905"/>
+            <a:off x="335522" y="2459674"/>
+            <a:ext cx="1994949" cy="584775"/>
           </a:xfrm>
           <a:prstGeom prst="rect">
             <a:avLst/>
@@ -4140,14 +4120,31 @@
           <a:lstStyle/>
           <a:p>
             <a:r>
-              <a:rPr lang="en-US" altLang="ja-JP" sz="1401" b="1" dirty="0">
+              <a:rPr lang="en-US" altLang="ja-JP" sz="1400" dirty="0"/>
+              <a:t/>
+            </a:r>
+            <a:br>
+              <a:rPr lang="en-US" altLang="ja-JP" sz="1400" dirty="0"/>
+            </a:br>
+            <a:r>
+              <a:rPr lang="en-US" altLang="ja-JP" b="1" dirty="0">
                 <a:solidFill>
                   <a:srgbClr val="FF0000"/>
                 </a:solidFill>
                 <a:latin typeface="装甲明朝" panose="02000600000000000000" pitchFamily="2" charset="-128"/>
                 <a:ea typeface="装甲明朝" panose="02000600000000000000" pitchFamily="2" charset="-128"/>
               </a:rPr>
-              <a:t>GAUGE2</a:t>
+              <a:t>Heavy </a:t>
+            </a:r>
+            <a:r>
+              <a:rPr lang="en-US" altLang="ja-JP" b="1" dirty="0" smtClean="0">
+                <a:solidFill>
+                  <a:srgbClr val="FF0000"/>
+                </a:solidFill>
+                <a:latin typeface="装甲明朝" panose="02000600000000000000" pitchFamily="2" charset="-128"/>
+                <a:ea typeface="装甲明朝" panose="02000600000000000000" pitchFamily="2" charset="-128"/>
+              </a:rPr>
+              <a:t>weapon</a:t>
             </a:r>
             <a:endParaRPr lang="ja-JP" altLang="en-US" sz="1401" b="1" dirty="0">
               <a:solidFill>
@@ -4156,46 +4153,6 @@
               <a:latin typeface="装甲明朝" panose="02000600000000000000" pitchFamily="2" charset="-128"/>
               <a:ea typeface="装甲明朝" panose="02000600000000000000" pitchFamily="2" charset="-128"/>
             </a:endParaRPr>
-          </a:p>
-        </p:txBody>
-      </p:sp>
-      <p:sp>
-        <p:nvSpPr>
-          <p:cNvPr id="23" name="角丸四角形 22"/>
-          <p:cNvSpPr/>
-          <p:nvPr/>
-        </p:nvSpPr>
-        <p:spPr>
-          <a:xfrm>
-            <a:off x="10359412" y="2776027"/>
-            <a:ext cx="1219570" cy="169134"/>
-          </a:xfrm>
-          <a:prstGeom prst="roundRect">
-            <a:avLst/>
-          </a:prstGeom>
-        </p:spPr>
-        <p:style>
-          <a:lnRef idx="2">
-            <a:schemeClr val="accent1">
-              <a:shade val="50000"/>
-            </a:schemeClr>
-          </a:lnRef>
-          <a:fillRef idx="1">
-            <a:schemeClr val="accent1"/>
-          </a:fillRef>
-          <a:effectRef idx="0">
-            <a:schemeClr val="accent1"/>
-          </a:effectRef>
-          <a:fontRef idx="minor">
-            <a:schemeClr val="lt1"/>
-          </a:fontRef>
-        </p:style>
-        <p:txBody>
-          <a:bodyPr rtlCol="0" anchor="ctr"/>
-          <a:lstStyle/>
-          <a:p>
-            <a:pPr algn="ctr"/>
-            <a:endParaRPr lang="ja-JP" altLang="en-US" sz="1801"/>
           </a:p>
         </p:txBody>
       </p:sp>
@@ -4489,6 +4446,554 @@
               <a:latin typeface="装甲明朝" panose="02000600000000000000" pitchFamily="2" charset="-128"/>
               <a:ea typeface="装甲明朝" panose="02000600000000000000" pitchFamily="2" charset="-128"/>
             </a:endParaRPr>
+          </a:p>
+        </p:txBody>
+      </p:sp>
+      <p:sp>
+        <p:nvSpPr>
+          <p:cNvPr id="29" name="角丸四角形 28"/>
+          <p:cNvSpPr/>
+          <p:nvPr/>
+        </p:nvSpPr>
+        <p:spPr>
+          <a:xfrm>
+            <a:off x="1516276" y="2096857"/>
+            <a:ext cx="508344" cy="222218"/>
+          </a:xfrm>
+          <a:prstGeom prst="roundRect">
+            <a:avLst/>
+          </a:prstGeom>
+          <a:solidFill>
+            <a:srgbClr val="FF0000"/>
+          </a:solidFill>
+        </p:spPr>
+        <p:style>
+          <a:lnRef idx="2">
+            <a:schemeClr val="accent1">
+              <a:shade val="50000"/>
+            </a:schemeClr>
+          </a:lnRef>
+          <a:fillRef idx="1">
+            <a:schemeClr val="accent1"/>
+          </a:fillRef>
+          <a:effectRef idx="0">
+            <a:schemeClr val="accent1"/>
+          </a:effectRef>
+          <a:fontRef idx="minor">
+            <a:schemeClr val="lt1"/>
+          </a:fontRef>
+        </p:style>
+        <p:txBody>
+          <a:bodyPr rtlCol="0" anchor="ctr"/>
+          <a:lstStyle/>
+          <a:p>
+            <a:pPr algn="ctr"/>
+            <a:endParaRPr lang="ja-JP" altLang="en-US" sz="1801"/>
+          </a:p>
+        </p:txBody>
+      </p:sp>
+      <p:sp>
+        <p:nvSpPr>
+          <p:cNvPr id="30" name="角丸四角形 29"/>
+          <p:cNvSpPr/>
+          <p:nvPr/>
+        </p:nvSpPr>
+        <p:spPr>
+          <a:xfrm>
+            <a:off x="623657" y="3076850"/>
+            <a:ext cx="1400963" cy="214095"/>
+          </a:xfrm>
+          <a:prstGeom prst="roundRect">
+            <a:avLst/>
+          </a:prstGeom>
+        </p:spPr>
+        <p:style>
+          <a:lnRef idx="2">
+            <a:schemeClr val="accent1">
+              <a:shade val="50000"/>
+            </a:schemeClr>
+          </a:lnRef>
+          <a:fillRef idx="1">
+            <a:schemeClr val="accent1"/>
+          </a:fillRef>
+          <a:effectRef idx="0">
+            <a:schemeClr val="accent1"/>
+          </a:effectRef>
+          <a:fontRef idx="minor">
+            <a:schemeClr val="lt1"/>
+          </a:fontRef>
+        </p:style>
+        <p:txBody>
+          <a:bodyPr rtlCol="0" anchor="ctr"/>
+          <a:lstStyle/>
+          <a:p>
+            <a:pPr algn="ctr"/>
+            <a:endParaRPr lang="ja-JP" altLang="en-US" sz="1801"/>
+          </a:p>
+        </p:txBody>
+      </p:sp>
+      <p:sp>
+        <p:nvSpPr>
+          <p:cNvPr id="31" name="角丸四角形 30"/>
+          <p:cNvSpPr/>
+          <p:nvPr/>
+        </p:nvSpPr>
+        <p:spPr>
+          <a:xfrm>
+            <a:off x="1309290" y="3068793"/>
+            <a:ext cx="738879" cy="230565"/>
+          </a:xfrm>
+          <a:prstGeom prst="roundRect">
+            <a:avLst/>
+          </a:prstGeom>
+          <a:solidFill>
+            <a:srgbClr val="FF0000"/>
+          </a:solidFill>
+        </p:spPr>
+        <p:style>
+          <a:lnRef idx="2">
+            <a:schemeClr val="accent1">
+              <a:shade val="50000"/>
+            </a:schemeClr>
+          </a:lnRef>
+          <a:fillRef idx="1">
+            <a:schemeClr val="accent1"/>
+          </a:fillRef>
+          <a:effectRef idx="0">
+            <a:schemeClr val="accent1"/>
+          </a:effectRef>
+          <a:fontRef idx="minor">
+            <a:schemeClr val="lt1"/>
+          </a:fontRef>
+        </p:style>
+        <p:txBody>
+          <a:bodyPr rtlCol="0" anchor="ctr"/>
+          <a:lstStyle/>
+          <a:p>
+            <a:pPr algn="ctr"/>
+            <a:endParaRPr lang="ja-JP" altLang="en-US" sz="1801"/>
+          </a:p>
+        </p:txBody>
+      </p:sp>
+      <p:sp>
+        <p:nvSpPr>
+          <p:cNvPr id="38" name="角丸四角形 37"/>
+          <p:cNvSpPr/>
+          <p:nvPr/>
+        </p:nvSpPr>
+        <p:spPr>
+          <a:xfrm>
+            <a:off x="9961508" y="2104400"/>
+            <a:ext cx="1400963" cy="214095"/>
+          </a:xfrm>
+          <a:prstGeom prst="roundRect">
+            <a:avLst/>
+          </a:prstGeom>
+        </p:spPr>
+        <p:style>
+          <a:lnRef idx="2">
+            <a:schemeClr val="accent1">
+              <a:shade val="50000"/>
+            </a:schemeClr>
+          </a:lnRef>
+          <a:fillRef idx="1">
+            <a:schemeClr val="accent1"/>
+          </a:fillRef>
+          <a:effectRef idx="0">
+            <a:schemeClr val="accent1"/>
+          </a:effectRef>
+          <a:fontRef idx="minor">
+            <a:schemeClr val="lt1"/>
+          </a:fontRef>
+        </p:style>
+        <p:txBody>
+          <a:bodyPr rtlCol="0" anchor="ctr"/>
+          <a:lstStyle/>
+          <a:p>
+            <a:pPr algn="ctr"/>
+            <a:endParaRPr lang="ja-JP" altLang="en-US" sz="1801"/>
+          </a:p>
+        </p:txBody>
+      </p:sp>
+      <p:sp>
+        <p:nvSpPr>
+          <p:cNvPr id="39" name="角丸四角形 38"/>
+          <p:cNvSpPr/>
+          <p:nvPr/>
+        </p:nvSpPr>
+        <p:spPr>
+          <a:xfrm>
+            <a:off x="9961508" y="3076850"/>
+            <a:ext cx="1400963" cy="214095"/>
+          </a:xfrm>
+          <a:prstGeom prst="roundRect">
+            <a:avLst/>
+          </a:prstGeom>
+        </p:spPr>
+        <p:style>
+          <a:lnRef idx="2">
+            <a:schemeClr val="accent1">
+              <a:shade val="50000"/>
+            </a:schemeClr>
+          </a:lnRef>
+          <a:fillRef idx="1">
+            <a:schemeClr val="accent1"/>
+          </a:fillRef>
+          <a:effectRef idx="0">
+            <a:schemeClr val="accent1"/>
+          </a:effectRef>
+          <a:fontRef idx="minor">
+            <a:schemeClr val="lt1"/>
+          </a:fontRef>
+        </p:style>
+        <p:txBody>
+          <a:bodyPr rtlCol="0" anchor="ctr"/>
+          <a:lstStyle/>
+          <a:p>
+            <a:pPr algn="ctr"/>
+            <a:endParaRPr lang="ja-JP" altLang="en-US" sz="1801"/>
+          </a:p>
+        </p:txBody>
+      </p:sp>
+      <p:sp>
+        <p:nvSpPr>
+          <p:cNvPr id="40" name="角丸四角形 39"/>
+          <p:cNvSpPr/>
+          <p:nvPr/>
+        </p:nvSpPr>
+        <p:spPr>
+          <a:xfrm>
+            <a:off x="10854127" y="2109524"/>
+            <a:ext cx="508344" cy="222218"/>
+          </a:xfrm>
+          <a:prstGeom prst="roundRect">
+            <a:avLst/>
+          </a:prstGeom>
+          <a:solidFill>
+            <a:srgbClr val="FF0000"/>
+          </a:solidFill>
+        </p:spPr>
+        <p:style>
+          <a:lnRef idx="2">
+            <a:schemeClr val="accent1">
+              <a:shade val="50000"/>
+            </a:schemeClr>
+          </a:lnRef>
+          <a:fillRef idx="1">
+            <a:schemeClr val="accent1"/>
+          </a:fillRef>
+          <a:effectRef idx="0">
+            <a:schemeClr val="accent1"/>
+          </a:effectRef>
+          <a:fontRef idx="minor">
+            <a:schemeClr val="lt1"/>
+          </a:fontRef>
+        </p:style>
+        <p:txBody>
+          <a:bodyPr rtlCol="0" anchor="ctr"/>
+          <a:lstStyle/>
+          <a:p>
+            <a:pPr algn="ctr"/>
+            <a:endParaRPr lang="ja-JP" altLang="en-US" sz="1801"/>
+          </a:p>
+        </p:txBody>
+      </p:sp>
+      <p:sp>
+        <p:nvSpPr>
+          <p:cNvPr id="41" name="角丸四角形 40"/>
+          <p:cNvSpPr/>
+          <p:nvPr/>
+        </p:nvSpPr>
+        <p:spPr>
+          <a:xfrm>
+            <a:off x="10625677" y="3056452"/>
+            <a:ext cx="738879" cy="230565"/>
+          </a:xfrm>
+          <a:prstGeom prst="roundRect">
+            <a:avLst/>
+          </a:prstGeom>
+          <a:solidFill>
+            <a:srgbClr val="FF0000"/>
+          </a:solidFill>
+        </p:spPr>
+        <p:style>
+          <a:lnRef idx="2">
+            <a:schemeClr val="accent1">
+              <a:shade val="50000"/>
+            </a:schemeClr>
+          </a:lnRef>
+          <a:fillRef idx="1">
+            <a:schemeClr val="accent1"/>
+          </a:fillRef>
+          <a:effectRef idx="0">
+            <a:schemeClr val="accent1"/>
+          </a:effectRef>
+          <a:fontRef idx="minor">
+            <a:schemeClr val="lt1"/>
+          </a:fontRef>
+        </p:style>
+        <p:txBody>
+          <a:bodyPr rtlCol="0" anchor="ctr"/>
+          <a:lstStyle/>
+          <a:p>
+            <a:pPr algn="ctr"/>
+            <a:endParaRPr lang="ja-JP" altLang="en-US" sz="1801"/>
+          </a:p>
+        </p:txBody>
+      </p:sp>
+      <p:sp>
+        <p:nvSpPr>
+          <p:cNvPr id="1033" name="テキスト ボックス 1032"/>
+          <p:cNvSpPr txBox="1"/>
+          <p:nvPr/>
+        </p:nvSpPr>
+        <p:spPr>
+          <a:xfrm rot="1624748">
+            <a:off x="-120981" y="3934488"/>
+            <a:ext cx="3131975" cy="923330"/>
+          </a:xfrm>
+          <a:prstGeom prst="rect">
+            <a:avLst/>
+          </a:prstGeom>
+          <a:noFill/>
+        </p:spPr>
+        <p:txBody>
+          <a:bodyPr wrap="square" rtlCol="0">
+            <a:spAutoFit/>
+          </a:bodyPr>
+          <a:lstStyle/>
+          <a:p>
+            <a:r>
+              <a:rPr kumimoji="1" lang="ja-JP" altLang="en-US" b="1" dirty="0" smtClean="0">
+                <a:solidFill>
+                  <a:srgbClr val="FFFF00"/>
+                </a:solidFill>
+                <a:latin typeface="装甲明朝" panose="02000600000000000000" pitchFamily="2" charset="-128"/>
+                <a:ea typeface="装甲明朝" panose="02000600000000000000" pitchFamily="2" charset="-128"/>
+              </a:rPr>
+              <a:t>消費ゲージが多いほど</a:t>
+            </a:r>
+            <a:endParaRPr kumimoji="1" lang="en-US" altLang="ja-JP" b="1" dirty="0" smtClean="0">
+              <a:solidFill>
+                <a:srgbClr val="FFFF00"/>
+              </a:solidFill>
+              <a:latin typeface="装甲明朝" panose="02000600000000000000" pitchFamily="2" charset="-128"/>
+              <a:ea typeface="装甲明朝" panose="02000600000000000000" pitchFamily="2" charset="-128"/>
+            </a:endParaRPr>
+          </a:p>
+          <a:p>
+            <a:r>
+              <a:rPr kumimoji="1" lang="ja-JP" altLang="en-US" b="1" dirty="0" smtClean="0">
+                <a:solidFill>
+                  <a:srgbClr val="FFFF00"/>
+                </a:solidFill>
+                <a:latin typeface="装甲明朝" panose="02000600000000000000" pitchFamily="2" charset="-128"/>
+                <a:ea typeface="装甲明朝" panose="02000600000000000000" pitchFamily="2" charset="-128"/>
+              </a:rPr>
+              <a:t>強烈な一撃を叩き込める！</a:t>
+            </a:r>
+            <a:endParaRPr kumimoji="1" lang="en-US" altLang="ja-JP" b="1" dirty="0" smtClean="0">
+              <a:solidFill>
+                <a:srgbClr val="FFFF00"/>
+              </a:solidFill>
+              <a:latin typeface="装甲明朝" panose="02000600000000000000" pitchFamily="2" charset="-128"/>
+              <a:ea typeface="装甲明朝" panose="02000600000000000000" pitchFamily="2" charset="-128"/>
+            </a:endParaRPr>
+          </a:p>
+          <a:p>
+            <a:endParaRPr kumimoji="1" lang="ja-JP" altLang="en-US" dirty="0"/>
+          </a:p>
+        </p:txBody>
+      </p:sp>
+      <p:sp>
+        <p:nvSpPr>
+          <p:cNvPr id="1034" name="右矢印 1033"/>
+          <p:cNvSpPr/>
+          <p:nvPr/>
+        </p:nvSpPr>
+        <p:spPr>
+          <a:xfrm flipH="1">
+            <a:off x="1535493" y="2172226"/>
+            <a:ext cx="471948" cy="78026"/>
+          </a:xfrm>
+          <a:prstGeom prst="rightArrow">
+            <a:avLst/>
+          </a:prstGeom>
+          <a:solidFill>
+            <a:srgbClr val="FFFF00"/>
+          </a:solidFill>
+          <a:ln>
+            <a:solidFill>
+              <a:srgbClr val="FFFF00"/>
+            </a:solidFill>
+          </a:ln>
+        </p:spPr>
+        <p:style>
+          <a:lnRef idx="2">
+            <a:schemeClr val="accent1">
+              <a:shade val="50000"/>
+            </a:schemeClr>
+          </a:lnRef>
+          <a:fillRef idx="1">
+            <a:schemeClr val="accent1"/>
+          </a:fillRef>
+          <a:effectRef idx="0">
+            <a:schemeClr val="accent1"/>
+          </a:effectRef>
+          <a:fontRef idx="minor">
+            <a:schemeClr val="lt1"/>
+          </a:fontRef>
+        </p:style>
+        <p:txBody>
+          <a:bodyPr rtlCol="0" anchor="ctr"/>
+          <a:lstStyle/>
+          <a:p>
+            <a:pPr algn="ctr"/>
+            <a:endParaRPr kumimoji="1" lang="ja-JP" altLang="en-US"/>
+          </a:p>
+        </p:txBody>
+      </p:sp>
+      <p:sp>
+        <p:nvSpPr>
+          <p:cNvPr id="48" name="右矢印 47"/>
+          <p:cNvSpPr/>
+          <p:nvPr/>
+        </p:nvSpPr>
+        <p:spPr>
+          <a:xfrm flipH="1">
+            <a:off x="1310125" y="3129736"/>
+            <a:ext cx="724054" cy="83999"/>
+          </a:xfrm>
+          <a:prstGeom prst="rightArrow">
+            <a:avLst/>
+          </a:prstGeom>
+          <a:solidFill>
+            <a:srgbClr val="FFFF00"/>
+          </a:solidFill>
+          <a:ln>
+            <a:solidFill>
+              <a:srgbClr val="FFFF00"/>
+            </a:solidFill>
+          </a:ln>
+        </p:spPr>
+        <p:style>
+          <a:lnRef idx="2">
+            <a:schemeClr val="accent1">
+              <a:shade val="50000"/>
+            </a:schemeClr>
+          </a:lnRef>
+          <a:fillRef idx="1">
+            <a:schemeClr val="accent1"/>
+          </a:fillRef>
+          <a:effectRef idx="0">
+            <a:schemeClr val="accent1"/>
+          </a:effectRef>
+          <a:fontRef idx="minor">
+            <a:schemeClr val="lt1"/>
+          </a:fontRef>
+        </p:style>
+        <p:txBody>
+          <a:bodyPr rtlCol="0" anchor="ctr"/>
+          <a:lstStyle/>
+          <a:p>
+            <a:pPr algn="ctr"/>
+            <a:endParaRPr kumimoji="1" lang="ja-JP" altLang="en-US"/>
+          </a:p>
+        </p:txBody>
+      </p:sp>
+      <p:sp>
+        <p:nvSpPr>
+          <p:cNvPr id="50" name="右矢印 49"/>
+          <p:cNvSpPr/>
+          <p:nvPr/>
+        </p:nvSpPr>
+        <p:spPr>
+          <a:xfrm flipH="1">
+            <a:off x="10872325" y="2180447"/>
+            <a:ext cx="471948" cy="78026"/>
+          </a:xfrm>
+          <a:prstGeom prst="rightArrow">
+            <a:avLst/>
+          </a:prstGeom>
+          <a:solidFill>
+            <a:srgbClr val="FFFF00"/>
+          </a:solidFill>
+          <a:ln>
+            <a:solidFill>
+              <a:srgbClr val="FFFF00"/>
+            </a:solidFill>
+          </a:ln>
+        </p:spPr>
+        <p:style>
+          <a:lnRef idx="2">
+            <a:schemeClr val="accent1">
+              <a:shade val="50000"/>
+            </a:schemeClr>
+          </a:lnRef>
+          <a:fillRef idx="1">
+            <a:schemeClr val="accent1"/>
+          </a:fillRef>
+          <a:effectRef idx="0">
+            <a:schemeClr val="accent1"/>
+          </a:effectRef>
+          <a:fontRef idx="minor">
+            <a:schemeClr val="lt1"/>
+          </a:fontRef>
+        </p:style>
+        <p:txBody>
+          <a:bodyPr rtlCol="0" anchor="ctr"/>
+          <a:lstStyle/>
+          <a:p>
+            <a:pPr algn="ctr"/>
+            <a:endParaRPr kumimoji="1" lang="ja-JP" altLang="en-US"/>
+          </a:p>
+        </p:txBody>
+      </p:sp>
+      <p:sp>
+        <p:nvSpPr>
+          <p:cNvPr id="51" name="右矢印 50"/>
+          <p:cNvSpPr/>
+          <p:nvPr/>
+        </p:nvSpPr>
+        <p:spPr>
+          <a:xfrm flipH="1">
+            <a:off x="10625677" y="3120405"/>
+            <a:ext cx="724054" cy="83999"/>
+          </a:xfrm>
+          <a:prstGeom prst="rightArrow">
+            <a:avLst/>
+          </a:prstGeom>
+          <a:solidFill>
+            <a:srgbClr val="FFFF00"/>
+          </a:solidFill>
+          <a:ln>
+            <a:solidFill>
+              <a:srgbClr val="FFFF00"/>
+            </a:solidFill>
+          </a:ln>
+        </p:spPr>
+        <p:style>
+          <a:lnRef idx="2">
+            <a:schemeClr val="accent1">
+              <a:shade val="50000"/>
+            </a:schemeClr>
+          </a:lnRef>
+          <a:fillRef idx="1">
+            <a:schemeClr val="accent1"/>
+          </a:fillRef>
+          <a:effectRef idx="0">
+            <a:schemeClr val="accent1"/>
+          </a:effectRef>
+          <a:fontRef idx="minor">
+            <a:schemeClr val="lt1"/>
+          </a:fontRef>
+        </p:style>
+        <p:txBody>
+          <a:bodyPr rtlCol="0" anchor="ctr"/>
+          <a:lstStyle/>
+          <a:p>
+            <a:pPr algn="ctr"/>
+            <a:endParaRPr kumimoji="1" lang="ja-JP" altLang="en-US"/>
           </a:p>
         </p:txBody>
       </p:sp>

--- a/Schedule/電脳戦機VARTUALON.pptx
+++ b/Schedule/電脳戦機VARTUALON.pptx
@@ -269,7 +269,7 @@
           <a:p>
             <a:fld id="{F6187879-3E71-47E9-AF2E-6DC9BF0289AB}" type="datetimeFigureOut">
               <a:rPr kumimoji="1" lang="ja-JP" altLang="en-US" smtClean="0"/>
-              <a:t>2020/10/22</a:t>
+              <a:t>2020/10/26</a:t>
             </a:fld>
             <a:endParaRPr kumimoji="1" lang="ja-JP" altLang="en-US"/>
           </a:p>
@@ -471,7 +471,7 @@
           <a:p>
             <a:fld id="{F6187879-3E71-47E9-AF2E-6DC9BF0289AB}" type="datetimeFigureOut">
               <a:rPr kumimoji="1" lang="ja-JP" altLang="en-US" smtClean="0"/>
-              <a:t>2020/10/22</a:t>
+              <a:t>2020/10/26</a:t>
             </a:fld>
             <a:endParaRPr kumimoji="1" lang="ja-JP" altLang="en-US"/>
           </a:p>
@@ -683,7 +683,7 @@
           <a:p>
             <a:fld id="{F6187879-3E71-47E9-AF2E-6DC9BF0289AB}" type="datetimeFigureOut">
               <a:rPr kumimoji="1" lang="ja-JP" altLang="en-US" smtClean="0"/>
-              <a:t>2020/10/22</a:t>
+              <a:t>2020/10/26</a:t>
             </a:fld>
             <a:endParaRPr kumimoji="1" lang="ja-JP" altLang="en-US"/>
           </a:p>
@@ -885,7 +885,7 @@
           <a:p>
             <a:fld id="{F6187879-3E71-47E9-AF2E-6DC9BF0289AB}" type="datetimeFigureOut">
               <a:rPr kumimoji="1" lang="ja-JP" altLang="en-US" smtClean="0"/>
-              <a:t>2020/10/22</a:t>
+              <a:t>2020/10/26</a:t>
             </a:fld>
             <a:endParaRPr kumimoji="1" lang="ja-JP" altLang="en-US"/>
           </a:p>
@@ -1131,7 +1131,7 @@
           <a:p>
             <a:fld id="{F6187879-3E71-47E9-AF2E-6DC9BF0289AB}" type="datetimeFigureOut">
               <a:rPr kumimoji="1" lang="ja-JP" altLang="en-US" smtClean="0"/>
-              <a:t>2020/10/22</a:t>
+              <a:t>2020/10/26</a:t>
             </a:fld>
             <a:endParaRPr kumimoji="1" lang="ja-JP" altLang="en-US"/>
           </a:p>
@@ -1427,7 +1427,7 @@
           <a:p>
             <a:fld id="{F6187879-3E71-47E9-AF2E-6DC9BF0289AB}" type="datetimeFigureOut">
               <a:rPr kumimoji="1" lang="ja-JP" altLang="en-US" smtClean="0"/>
-              <a:t>2020/10/22</a:t>
+              <a:t>2020/10/26</a:t>
             </a:fld>
             <a:endParaRPr kumimoji="1" lang="ja-JP" altLang="en-US"/>
           </a:p>
@@ -1858,7 +1858,7 @@
           <a:p>
             <a:fld id="{F6187879-3E71-47E9-AF2E-6DC9BF0289AB}" type="datetimeFigureOut">
               <a:rPr kumimoji="1" lang="ja-JP" altLang="en-US" smtClean="0"/>
-              <a:t>2020/10/22</a:t>
+              <a:t>2020/10/26</a:t>
             </a:fld>
             <a:endParaRPr kumimoji="1" lang="ja-JP" altLang="en-US"/>
           </a:p>
@@ -1976,7 +1976,7 @@
           <a:p>
             <a:fld id="{F6187879-3E71-47E9-AF2E-6DC9BF0289AB}" type="datetimeFigureOut">
               <a:rPr kumimoji="1" lang="ja-JP" altLang="en-US" smtClean="0"/>
-              <a:t>2020/10/22</a:t>
+              <a:t>2020/10/26</a:t>
             </a:fld>
             <a:endParaRPr kumimoji="1" lang="ja-JP" altLang="en-US"/>
           </a:p>
@@ -2071,7 +2071,7 @@
           <a:p>
             <a:fld id="{F6187879-3E71-47E9-AF2E-6DC9BF0289AB}" type="datetimeFigureOut">
               <a:rPr kumimoji="1" lang="ja-JP" altLang="en-US" smtClean="0"/>
-              <a:t>2020/10/22</a:t>
+              <a:t>2020/10/26</a:t>
             </a:fld>
             <a:endParaRPr kumimoji="1" lang="ja-JP" altLang="en-US"/>
           </a:p>
@@ -2380,7 +2380,7 @@
           <a:p>
             <a:fld id="{F6187879-3E71-47E9-AF2E-6DC9BF0289AB}" type="datetimeFigureOut">
               <a:rPr kumimoji="1" lang="ja-JP" altLang="en-US" smtClean="0"/>
-              <a:t>2020/10/22</a:t>
+              <a:t>2020/10/26</a:t>
             </a:fld>
             <a:endParaRPr kumimoji="1" lang="ja-JP" altLang="en-US"/>
           </a:p>
@@ -2633,7 +2633,7 @@
           <a:p>
             <a:fld id="{F6187879-3E71-47E9-AF2E-6DC9BF0289AB}" type="datetimeFigureOut">
               <a:rPr kumimoji="1" lang="ja-JP" altLang="en-US" smtClean="0"/>
-              <a:t>2020/10/22</a:t>
+              <a:t>2020/10/26</a:t>
             </a:fld>
             <a:endParaRPr kumimoji="1" lang="ja-JP" altLang="en-US"/>
           </a:p>
@@ -2878,7 +2878,7 @@
           <a:p>
             <a:fld id="{F6187879-3E71-47E9-AF2E-6DC9BF0289AB}" type="datetimeFigureOut">
               <a:rPr kumimoji="1" lang="ja-JP" altLang="en-US" smtClean="0"/>
-              <a:t>2020/10/22</a:t>
+              <a:t>2020/10/26</a:t>
             </a:fld>
             <a:endParaRPr kumimoji="1" lang="ja-JP" altLang="en-US"/>
           </a:p>
@@ -3273,12 +3273,12 @@
       <p:bgPr>
         <a:blipFill dpi="0" rotWithShape="1">
           <a:blip r:embed="rId2">
-            <a:alphaModFix amt="47000"/>
+            <a:alphaModFix amt="26000"/>
             <a:lum/>
           </a:blip>
           <a:srcRect/>
           <a:stretch>
-            <a:fillRect/>
+            <a:fillRect r="-21000"/>
           </a:stretch>
         </a:blipFill>
         <a:effectLst/>
@@ -3444,7 +3444,7 @@
         </p:nvSpPr>
         <p:spPr>
           <a:xfrm>
-            <a:off x="5428734" y="2125364"/>
+            <a:off x="5465143" y="2692009"/>
             <a:ext cx="1227438" cy="1318053"/>
           </a:xfrm>
           <a:prstGeom prst="irregularSeal2">
@@ -3813,7 +3813,7 @@
         </p:blipFill>
         <p:spPr>
           <a:xfrm>
-            <a:off x="8489232" y="1732625"/>
+            <a:off x="8583459" y="2556843"/>
             <a:ext cx="1688505" cy="949783"/>
           </a:xfrm>
           <a:prstGeom prst="rect">
@@ -3843,7 +3843,7 @@
         </p:blipFill>
         <p:spPr>
           <a:xfrm>
-            <a:off x="981991" y="1346078"/>
+            <a:off x="1216166" y="2019476"/>
             <a:ext cx="2945335" cy="1656750"/>
           </a:xfrm>
           <a:prstGeom prst="rect">
@@ -3873,8 +3873,8 @@
         </p:blipFill>
         <p:spPr>
           <a:xfrm>
-            <a:off x="2155463" y="2828254"/>
-            <a:ext cx="947339" cy="807212"/>
+            <a:off x="2302367" y="3600513"/>
+            <a:ext cx="878323" cy="748405"/>
           </a:xfrm>
           <a:prstGeom prst="rect">
             <a:avLst/>
@@ -3903,7 +3903,7 @@
         </p:blipFill>
         <p:spPr>
           <a:xfrm>
-            <a:off x="8892540" y="2677209"/>
+            <a:off x="9028442" y="3991896"/>
             <a:ext cx="989049" cy="989049"/>
           </a:xfrm>
           <a:prstGeom prst="rect">
@@ -3919,7 +3919,7 @@
         </p:nvSpPr>
         <p:spPr>
           <a:xfrm>
-            <a:off x="9778792" y="1670405"/>
+            <a:off x="8290962" y="2269885"/>
             <a:ext cx="1874893" cy="369332"/>
           </a:xfrm>
           <a:prstGeom prst="rect">
@@ -3965,53 +3965,13 @@
       </p:sp>
       <p:sp>
         <p:nvSpPr>
-          <p:cNvPr id="17" name="角丸四角形 16"/>
-          <p:cNvSpPr/>
-          <p:nvPr/>
-        </p:nvSpPr>
-        <p:spPr>
-          <a:xfrm>
-            <a:off x="623657" y="2104400"/>
-            <a:ext cx="1400963" cy="214095"/>
-          </a:xfrm>
-          <a:prstGeom prst="roundRect">
-            <a:avLst/>
-          </a:prstGeom>
-        </p:spPr>
-        <p:style>
-          <a:lnRef idx="2">
-            <a:schemeClr val="accent1">
-              <a:shade val="50000"/>
-            </a:schemeClr>
-          </a:lnRef>
-          <a:fillRef idx="1">
-            <a:schemeClr val="accent1"/>
-          </a:fillRef>
-          <a:effectRef idx="0">
-            <a:schemeClr val="accent1"/>
-          </a:effectRef>
-          <a:fontRef idx="minor">
-            <a:schemeClr val="lt1"/>
-          </a:fontRef>
-        </p:style>
-        <p:txBody>
-          <a:bodyPr rtlCol="0" anchor="ctr"/>
-          <a:lstStyle/>
-          <a:p>
-            <a:pPr algn="ctr"/>
-            <a:endParaRPr lang="ja-JP" altLang="en-US" sz="1801"/>
-          </a:p>
-        </p:txBody>
-      </p:sp>
-      <p:sp>
-        <p:nvSpPr>
           <p:cNvPr id="18" name="テキスト ボックス 17"/>
           <p:cNvSpPr txBox="1"/>
           <p:nvPr/>
         </p:nvSpPr>
         <p:spPr>
           <a:xfrm>
-            <a:off x="9852052" y="2633918"/>
+            <a:off x="8182218" y="3843555"/>
             <a:ext cx="2230492" cy="369332"/>
           </a:xfrm>
           <a:prstGeom prst="rect">
@@ -4063,7 +4023,7 @@
         </p:nvSpPr>
         <p:spPr>
           <a:xfrm>
-            <a:off x="435408" y="1673282"/>
+            <a:off x="2084872" y="2117245"/>
             <a:ext cx="1925219" cy="369332"/>
           </a:xfrm>
           <a:prstGeom prst="rect">
@@ -4105,8 +4065,8 @@
         </p:nvSpPr>
         <p:spPr>
           <a:xfrm>
-            <a:off x="335522" y="2459674"/>
-            <a:ext cx="1994949" cy="584775"/>
+            <a:off x="2127098" y="3137294"/>
+            <a:ext cx="1994949" cy="369332"/>
           </a:xfrm>
           <a:prstGeom prst="rect">
             <a:avLst/>
@@ -4120,31 +4080,14 @@
           <a:lstStyle/>
           <a:p>
             <a:r>
-              <a:rPr lang="en-US" altLang="ja-JP" sz="1400" dirty="0"/>
-              <a:t/>
-            </a:r>
-            <a:br>
-              <a:rPr lang="en-US" altLang="ja-JP" sz="1400" dirty="0"/>
-            </a:br>
-            <a:r>
-              <a:rPr lang="en-US" altLang="ja-JP" b="1" dirty="0">
+              <a:rPr lang="en-US" altLang="ja-JP" b="1" dirty="0" smtClean="0">
                 <a:solidFill>
                   <a:srgbClr val="FF0000"/>
                 </a:solidFill>
                 <a:latin typeface="装甲明朝" panose="02000600000000000000" pitchFamily="2" charset="-128"/>
                 <a:ea typeface="装甲明朝" panose="02000600000000000000" pitchFamily="2" charset="-128"/>
               </a:rPr>
-              <a:t>Heavy </a:t>
-            </a:r>
-            <a:r>
-              <a:rPr lang="en-US" altLang="ja-JP" b="1" dirty="0" smtClean="0">
-                <a:solidFill>
-                  <a:srgbClr val="FF0000"/>
-                </a:solidFill>
-                <a:latin typeface="装甲明朝" panose="02000600000000000000" pitchFamily="2" charset="-128"/>
-                <a:ea typeface="装甲明朝" panose="02000600000000000000" pitchFamily="2" charset="-128"/>
-              </a:rPr>
-              <a:t>weapon</a:t>
+              <a:t>Heavy weapon</a:t>
             </a:r>
             <a:endParaRPr lang="ja-JP" altLang="en-US" sz="1401" b="1" dirty="0">
               <a:solidFill>
@@ -4178,7 +4121,7 @@
         </p:blipFill>
         <p:spPr>
           <a:xfrm>
-            <a:off x="6866483" y="1288760"/>
+            <a:off x="10092900" y="1882403"/>
             <a:ext cx="2055594" cy="2997741"/>
           </a:xfrm>
           <a:prstGeom prst="rect">
@@ -4194,7 +4137,7 @@
         </p:nvSpPr>
         <p:spPr>
           <a:xfrm>
-            <a:off x="7166480" y="3008122"/>
+            <a:off x="10435586" y="3594397"/>
             <a:ext cx="1455599" cy="400110"/>
           </a:xfrm>
           <a:prstGeom prst="rect">
@@ -4246,7 +4189,7 @@
         </p:blipFill>
         <p:spPr>
           <a:xfrm>
-            <a:off x="6881308" y="1268523"/>
+            <a:off x="10119709" y="1838137"/>
             <a:ext cx="1771476" cy="2978651"/>
           </a:xfrm>
           <a:prstGeom prst="rect">
@@ -4277,7 +4220,7 @@
         </p:blipFill>
         <p:spPr bwMode="auto">
           <a:xfrm>
-            <a:off x="3168583" y="1340423"/>
+            <a:off x="97567" y="2023778"/>
             <a:ext cx="2081989" cy="2985849"/>
           </a:xfrm>
           <a:prstGeom prst="rect">
@@ -4317,7 +4260,7 @@
         </p:blipFill>
         <p:spPr>
           <a:xfrm>
-            <a:off x="3330687" y="1494512"/>
+            <a:off x="110972" y="2216676"/>
             <a:ext cx="1863373" cy="2600055"/>
           </a:xfrm>
           <a:prstGeom prst="rect">
@@ -4333,7 +4276,7 @@
         </p:nvSpPr>
         <p:spPr>
           <a:xfrm rot="20156571">
-            <a:off x="-241156" y="554605"/>
+            <a:off x="-213081" y="502816"/>
             <a:ext cx="4216978" cy="461665"/>
           </a:xfrm>
           <a:prstGeom prst="rect">
@@ -4389,7 +4332,7 @@
         </p:blipFill>
         <p:spPr>
           <a:xfrm>
-            <a:off x="8959564" y="4070196"/>
+            <a:off x="8829076" y="4914616"/>
             <a:ext cx="3088426" cy="1760403"/>
           </a:xfrm>
           <a:prstGeom prst="rect">
@@ -4405,7 +4348,7 @@
         </p:nvSpPr>
         <p:spPr>
           <a:xfrm rot="20475391">
-            <a:off x="8927212" y="5363711"/>
+            <a:off x="9222341" y="5203596"/>
             <a:ext cx="4238338" cy="646331"/>
           </a:xfrm>
           <a:prstGeom prst="rect">
@@ -4451,21 +4394,18 @@
       </p:sp>
       <p:sp>
         <p:nvSpPr>
-          <p:cNvPr id="29" name="角丸四角形 28"/>
+          <p:cNvPr id="38" name="角丸四角形 37"/>
           <p:cNvSpPr/>
           <p:nvPr/>
         </p:nvSpPr>
         <p:spPr>
           <a:xfrm>
-            <a:off x="1516276" y="2096857"/>
-            <a:ext cx="508344" cy="222218"/>
+            <a:off x="8678532" y="3584075"/>
+            <a:ext cx="1400963" cy="214095"/>
           </a:xfrm>
           <a:prstGeom prst="roundRect">
             <a:avLst/>
           </a:prstGeom>
-          <a:solidFill>
-            <a:srgbClr val="FF0000"/>
-          </a:solidFill>
         </p:spPr>
         <p:style>
           <a:lnRef idx="2">
@@ -4494,13 +4434,13 @@
       </p:sp>
       <p:sp>
         <p:nvSpPr>
-          <p:cNvPr id="30" name="角丸四角形 29"/>
+          <p:cNvPr id="39" name="角丸四角形 38"/>
           <p:cNvSpPr/>
           <p:nvPr/>
         </p:nvSpPr>
         <p:spPr>
           <a:xfrm>
-            <a:off x="623657" y="3076850"/>
+            <a:off x="2223869" y="4564463"/>
             <a:ext cx="1400963" cy="214095"/>
           </a:xfrm>
           <a:prstGeom prst="roundRect">
@@ -4534,17 +4474,19 @@
       </p:sp>
       <p:sp>
         <p:nvSpPr>
-          <p:cNvPr id="31" name="角丸四角形 30"/>
+          <p:cNvPr id="40" name="角丸四角形 39"/>
           <p:cNvSpPr/>
           <p:nvPr/>
         </p:nvSpPr>
         <p:spPr>
           <a:xfrm>
-            <a:off x="1309290" y="3068793"/>
-            <a:ext cx="738879" cy="230565"/>
+            <a:off x="9776668" y="3580136"/>
+            <a:ext cx="294054" cy="222218"/>
           </a:xfrm>
           <a:prstGeom prst="roundRect">
-            <a:avLst/>
+            <a:avLst>
+              <a:gd name="adj" fmla="val 9047"/>
+            </a:avLst>
           </a:prstGeom>
           <a:solidFill>
             <a:srgbClr val="FF0000"/>
@@ -4577,18 +4519,21 @@
       </p:sp>
       <p:sp>
         <p:nvSpPr>
-          <p:cNvPr id="38" name="角丸四角形 37"/>
+          <p:cNvPr id="41" name="角丸四角形 40"/>
           <p:cNvSpPr/>
           <p:nvPr/>
         </p:nvSpPr>
         <p:spPr>
           <a:xfrm>
-            <a:off x="9961508" y="2104400"/>
-            <a:ext cx="1400963" cy="214095"/>
+            <a:off x="2880592" y="4552148"/>
+            <a:ext cx="738879" cy="230565"/>
           </a:xfrm>
           <a:prstGeom prst="roundRect">
             <a:avLst/>
           </a:prstGeom>
+          <a:solidFill>
+            <a:srgbClr val="FF0000"/>
+          </a:solidFill>
         </p:spPr>
         <p:style>
           <a:lnRef idx="2">
@@ -4617,18 +4562,26 @@
       </p:sp>
       <p:sp>
         <p:nvSpPr>
-          <p:cNvPr id="39" name="角丸四角形 38"/>
+          <p:cNvPr id="50" name="右矢印 49"/>
           <p:cNvSpPr/>
           <p:nvPr/>
         </p:nvSpPr>
         <p:spPr>
-          <a:xfrm>
-            <a:off x="9961508" y="3076850"/>
-            <a:ext cx="1400963" cy="214095"/>
-          </a:xfrm>
-          <a:prstGeom prst="roundRect">
+          <a:xfrm flipH="1">
+            <a:off x="9777726" y="3645079"/>
+            <a:ext cx="278954" cy="100918"/>
+          </a:xfrm>
+          <a:prstGeom prst="rightArrow">
             <a:avLst/>
           </a:prstGeom>
+          <a:solidFill>
+            <a:srgbClr val="FFFF00"/>
+          </a:solidFill>
+          <a:ln>
+            <a:solidFill>
+              <a:srgbClr val="FFFF00"/>
+            </a:solidFill>
+          </a:ln>
         </p:spPr>
         <p:style>
           <a:lnRef idx="2">
@@ -4651,27 +4604,32 @@
           <a:lstStyle/>
           <a:p>
             <a:pPr algn="ctr"/>
-            <a:endParaRPr lang="ja-JP" altLang="en-US" sz="1801"/>
-          </a:p>
-        </p:txBody>
-      </p:sp>
-      <p:sp>
-        <p:nvSpPr>
-          <p:cNvPr id="40" name="角丸四角形 39"/>
+            <a:endParaRPr kumimoji="1" lang="ja-JP" altLang="en-US"/>
+          </a:p>
+        </p:txBody>
+      </p:sp>
+      <p:sp>
+        <p:nvSpPr>
+          <p:cNvPr id="51" name="右矢印 50"/>
           <p:cNvSpPr/>
           <p:nvPr/>
         </p:nvSpPr>
         <p:spPr>
-          <a:xfrm>
-            <a:off x="10854127" y="2109524"/>
-            <a:ext cx="508344" cy="222218"/>
-          </a:xfrm>
-          <a:prstGeom prst="roundRect">
+          <a:xfrm flipH="1">
+            <a:off x="2875231" y="4624732"/>
+            <a:ext cx="724054" cy="83999"/>
+          </a:xfrm>
+          <a:prstGeom prst="rightArrow">
             <a:avLst/>
           </a:prstGeom>
           <a:solidFill>
-            <a:srgbClr val="FF0000"/>
+            <a:srgbClr val="FFFF00"/>
           </a:solidFill>
+          <a:ln>
+            <a:solidFill>
+              <a:srgbClr val="FFFF00"/>
+            </a:solidFill>
+          </a:ln>
         </p:spPr>
         <p:style>
           <a:lnRef idx="2">
@@ -4694,63 +4652,20 @@
           <a:lstStyle/>
           <a:p>
             <a:pPr algn="ctr"/>
-            <a:endParaRPr lang="ja-JP" altLang="en-US" sz="1801"/>
-          </a:p>
-        </p:txBody>
-      </p:sp>
-      <p:sp>
-        <p:nvSpPr>
-          <p:cNvPr id="41" name="角丸四角形 40"/>
-          <p:cNvSpPr/>
-          <p:nvPr/>
-        </p:nvSpPr>
-        <p:spPr>
-          <a:xfrm>
-            <a:off x="10625677" y="3056452"/>
-            <a:ext cx="738879" cy="230565"/>
-          </a:xfrm>
-          <a:prstGeom prst="roundRect">
-            <a:avLst/>
-          </a:prstGeom>
-          <a:solidFill>
-            <a:srgbClr val="FF0000"/>
-          </a:solidFill>
-        </p:spPr>
-        <p:style>
-          <a:lnRef idx="2">
-            <a:schemeClr val="accent1">
-              <a:shade val="50000"/>
-            </a:schemeClr>
-          </a:lnRef>
-          <a:fillRef idx="1">
-            <a:schemeClr val="accent1"/>
-          </a:fillRef>
-          <a:effectRef idx="0">
-            <a:schemeClr val="accent1"/>
-          </a:effectRef>
-          <a:fontRef idx="minor">
-            <a:schemeClr val="lt1"/>
-          </a:fontRef>
-        </p:style>
-        <p:txBody>
-          <a:bodyPr rtlCol="0" anchor="ctr"/>
-          <a:lstStyle/>
-          <a:p>
-            <a:pPr algn="ctr"/>
-            <a:endParaRPr lang="ja-JP" altLang="en-US" sz="1801"/>
-          </a:p>
-        </p:txBody>
-      </p:sp>
-      <p:sp>
-        <p:nvSpPr>
-          <p:cNvPr id="1033" name="テキスト ボックス 1032"/>
+            <a:endParaRPr kumimoji="1" lang="ja-JP" altLang="en-US"/>
+          </a:p>
+        </p:txBody>
+      </p:sp>
+      <p:sp>
+        <p:nvSpPr>
+          <p:cNvPr id="20" name="テキスト ボックス 19"/>
           <p:cNvSpPr txBox="1"/>
           <p:nvPr/>
         </p:nvSpPr>
         <p:spPr>
-          <a:xfrm rot="1624748">
-            <a:off x="-120981" y="3934488"/>
-            <a:ext cx="3131975" cy="923330"/>
+          <a:xfrm>
+            <a:off x="3809415" y="4588656"/>
+            <a:ext cx="4748728" cy="523220"/>
           </a:xfrm>
           <a:prstGeom prst="rect">
             <a:avLst/>
@@ -4764,84 +4679,162 @@
           <a:lstStyle/>
           <a:p>
             <a:r>
-              <a:rPr kumimoji="1" lang="ja-JP" altLang="en-US" b="1" dirty="0" smtClean="0">
-                <a:solidFill>
-                  <a:srgbClr val="FFFF00"/>
+              <a:rPr kumimoji="1" lang="ja-JP" altLang="en-US" sz="2800" b="1" dirty="0" smtClean="0">
+                <a:solidFill>
+                  <a:srgbClr val="FF0000"/>
                 </a:solidFill>
                 <a:latin typeface="装甲明朝" panose="02000600000000000000" pitchFamily="2" charset="-128"/>
                 <a:ea typeface="装甲明朝" panose="02000600000000000000" pitchFamily="2" charset="-128"/>
               </a:rPr>
-              <a:t>消費ゲージが多いほど</a:t>
-            </a:r>
-            <a:endParaRPr kumimoji="1" lang="en-US" altLang="ja-JP" b="1" dirty="0" smtClean="0">
+              <a:t>どっちを選ぶかは君次第！</a:t>
+            </a:r>
+            <a:endParaRPr kumimoji="1" lang="ja-JP" altLang="en-US" sz="2800" b="1" dirty="0">
               <a:solidFill>
-                <a:srgbClr val="FFFF00"/>
+                <a:srgbClr val="FF0000"/>
               </a:solidFill>
               <a:latin typeface="装甲明朝" panose="02000600000000000000" pitchFamily="2" charset="-128"/>
               <a:ea typeface="装甲明朝" panose="02000600000000000000" pitchFamily="2" charset="-128"/>
             </a:endParaRPr>
           </a:p>
-          <a:p>
-            <a:r>
-              <a:rPr kumimoji="1" lang="ja-JP" altLang="en-US" b="1" dirty="0" smtClean="0">
-                <a:solidFill>
-                  <a:srgbClr val="FFFF00"/>
+        </p:txBody>
+      </p:sp>
+      <p:sp>
+        <p:nvSpPr>
+          <p:cNvPr id="23" name="楕円 22"/>
+          <p:cNvSpPr/>
+          <p:nvPr/>
+        </p:nvSpPr>
+        <p:spPr>
+          <a:xfrm>
+            <a:off x="2290210" y="3453118"/>
+            <a:ext cx="1016425" cy="962728"/>
+          </a:xfrm>
+          <a:prstGeom prst="ellipse">
+            <a:avLst/>
+          </a:prstGeom>
+          <a:noFill/>
+          <a:ln w="28575" cap="flat" cmpd="sng" algn="ctr">
+            <a:solidFill>
+              <a:srgbClr val="002060"/>
+            </a:solidFill>
+            <a:prstDash val="solid"/>
+            <a:round/>
+            <a:headEnd type="none" w="med" len="med"/>
+            <a:tailEnd type="none" w="med" len="med"/>
+          </a:ln>
+        </p:spPr>
+        <p:style>
+          <a:lnRef idx="0">
+            <a:scrgbClr r="0" g="0" b="0"/>
+          </a:lnRef>
+          <a:fillRef idx="0">
+            <a:scrgbClr r="0" g="0" b="0"/>
+          </a:fillRef>
+          <a:effectRef idx="0">
+            <a:scrgbClr r="0" g="0" b="0"/>
+          </a:effectRef>
+          <a:fontRef idx="minor">
+            <a:schemeClr val="dk1"/>
+          </a:fontRef>
+        </p:style>
+        <p:txBody>
+          <a:bodyPr rtlCol="0" anchor="ctr"/>
+          <a:lstStyle/>
+          <a:p>
+            <a:pPr algn="ctr"/>
+            <a:endParaRPr kumimoji="1" lang="ja-JP" altLang="en-US"/>
+          </a:p>
+        </p:txBody>
+      </p:sp>
+      <p:sp>
+        <p:nvSpPr>
+          <p:cNvPr id="24" name="テキスト ボックス 23"/>
+          <p:cNvSpPr txBox="1"/>
+          <p:nvPr/>
+        </p:nvSpPr>
+        <p:spPr>
+          <a:xfrm rot="20051490">
+            <a:off x="3310623" y="3676500"/>
+            <a:ext cx="2252823" cy="461665"/>
+          </a:xfrm>
+          <a:prstGeom prst="rect">
+            <a:avLst/>
+          </a:prstGeom>
+          <a:noFill/>
+        </p:spPr>
+        <p:txBody>
+          <a:bodyPr wrap="square" rtlCol="0">
+            <a:spAutoFit/>
+          </a:bodyPr>
+          <a:lstStyle/>
+          <a:p>
+            <a:r>
+              <a:rPr kumimoji="1" lang="ja-JP" altLang="en-US" sz="2400" b="1" dirty="0" err="1" smtClean="0">
+                <a:solidFill>
+                  <a:srgbClr val="002060"/>
                 </a:solidFill>
                 <a:latin typeface="装甲明朝" panose="02000600000000000000" pitchFamily="2" charset="-128"/>
                 <a:ea typeface="装甲明朝" panose="02000600000000000000" pitchFamily="2" charset="-128"/>
               </a:rPr>
-              <a:t>強烈な一撃を叩き込める！</a:t>
-            </a:r>
-            <a:endParaRPr kumimoji="1" lang="en-US" altLang="ja-JP" b="1" dirty="0" smtClean="0">
+              <a:t>決めろ</a:t>
+            </a:r>
+            <a:r>
+              <a:rPr kumimoji="1" lang="ja-JP" altLang="en-US" sz="2400" b="1" dirty="0" smtClean="0">
+                <a:solidFill>
+                  <a:srgbClr val="002060"/>
+                </a:solidFill>
+                <a:latin typeface="装甲明朝" panose="02000600000000000000" pitchFamily="2" charset="-128"/>
+                <a:ea typeface="装甲明朝" panose="02000600000000000000" pitchFamily="2" charset="-128"/>
+              </a:rPr>
+              <a:t>一撃！</a:t>
+            </a:r>
+            <a:endParaRPr kumimoji="1" lang="ja-JP" altLang="en-US" sz="2400" b="1" dirty="0">
               <a:solidFill>
-                <a:srgbClr val="FFFF00"/>
+                <a:srgbClr val="002060"/>
               </a:solidFill>
               <a:latin typeface="装甲明朝" panose="02000600000000000000" pitchFamily="2" charset="-128"/>
               <a:ea typeface="装甲明朝" panose="02000600000000000000" pitchFamily="2" charset="-128"/>
             </a:endParaRPr>
           </a:p>
-          <a:p>
-            <a:endParaRPr kumimoji="1" lang="ja-JP" altLang="en-US" dirty="0"/>
-          </a:p>
-        </p:txBody>
-      </p:sp>
-      <p:sp>
-        <p:nvSpPr>
-          <p:cNvPr id="1034" name="右矢印 1033"/>
+        </p:txBody>
+      </p:sp>
+      <p:sp>
+        <p:nvSpPr>
+          <p:cNvPr id="25" name="楕円 24"/>
           <p:cNvSpPr/>
           <p:nvPr/>
         </p:nvSpPr>
         <p:spPr>
-          <a:xfrm flipH="1">
-            <a:off x="1535493" y="2172226"/>
-            <a:ext cx="471948" cy="78026"/>
-          </a:xfrm>
-          <a:prstGeom prst="rightArrow">
+          <a:xfrm>
+            <a:off x="8875652" y="2580922"/>
+            <a:ext cx="1009191" cy="823650"/>
+          </a:xfrm>
+          <a:prstGeom prst="ellipse">
             <a:avLst/>
           </a:prstGeom>
-          <a:solidFill>
-            <a:srgbClr val="FFFF00"/>
-          </a:solidFill>
-          <a:ln>
+          <a:noFill/>
+          <a:ln w="28575" cap="flat" cmpd="sng" algn="ctr">
             <a:solidFill>
-              <a:srgbClr val="FFFF00"/>
+              <a:srgbClr val="002060"/>
             </a:solidFill>
+            <a:prstDash val="solid"/>
+            <a:round/>
+            <a:headEnd type="none" w="med" len="med"/>
+            <a:tailEnd type="none" w="med" len="med"/>
           </a:ln>
         </p:spPr>
         <p:style>
-          <a:lnRef idx="2">
-            <a:schemeClr val="accent1">
-              <a:shade val="50000"/>
-            </a:schemeClr>
+          <a:lnRef idx="0">
+            <a:scrgbClr r="0" g="0" b="0"/>
           </a:lnRef>
-          <a:fillRef idx="1">
-            <a:schemeClr val="accent1"/>
+          <a:fillRef idx="0">
+            <a:scrgbClr r="0" g="0" b="0"/>
           </a:fillRef>
           <a:effectRef idx="0">
-            <a:schemeClr val="accent1"/>
+            <a:scrgbClr r="0" g="0" b="0"/>
           </a:effectRef>
           <a:fontRef idx="minor">
-            <a:schemeClr val="lt1"/>
+            <a:schemeClr val="dk1"/>
           </a:fontRef>
         </p:style>
         <p:txBody>
@@ -4855,145 +4848,85 @@
       </p:sp>
       <p:sp>
         <p:nvSpPr>
-          <p:cNvPr id="48" name="右矢印 47"/>
-          <p:cNvSpPr/>
+          <p:cNvPr id="27" name="テキスト ボックス 26"/>
+          <p:cNvSpPr txBox="1"/>
           <p:nvPr/>
         </p:nvSpPr>
         <p:spPr>
-          <a:xfrm flipH="1">
-            <a:off x="1310125" y="3129736"/>
-            <a:ext cx="724054" cy="83999"/>
-          </a:xfrm>
-          <a:prstGeom prst="rightArrow">
+          <a:xfrm rot="20107770">
+            <a:off x="7038568" y="2871035"/>
+            <a:ext cx="2638504" cy="461665"/>
+          </a:xfrm>
+          <a:prstGeom prst="rect">
             <a:avLst/>
           </a:prstGeom>
-          <a:solidFill>
-            <a:srgbClr val="FFFF00"/>
-          </a:solidFill>
-          <a:ln>
-            <a:solidFill>
-              <a:srgbClr val="FFFF00"/>
-            </a:solidFill>
-          </a:ln>
-        </p:spPr>
-        <p:style>
-          <a:lnRef idx="2">
-            <a:schemeClr val="accent1">
-              <a:shade val="50000"/>
-            </a:schemeClr>
-          </a:lnRef>
-          <a:fillRef idx="1">
-            <a:schemeClr val="accent1"/>
-          </a:fillRef>
-          <a:effectRef idx="0">
-            <a:schemeClr val="accent1"/>
-          </a:effectRef>
-          <a:fontRef idx="minor">
-            <a:schemeClr val="lt1"/>
-          </a:fontRef>
-        </p:style>
-        <p:txBody>
-          <a:bodyPr rtlCol="0" anchor="ctr"/>
-          <a:lstStyle/>
-          <a:p>
-            <a:pPr algn="ctr"/>
-            <a:endParaRPr kumimoji="1" lang="ja-JP" altLang="en-US"/>
-          </a:p>
-        </p:txBody>
-      </p:sp>
-      <p:sp>
-        <p:nvSpPr>
-          <p:cNvPr id="50" name="右矢印 49"/>
-          <p:cNvSpPr/>
+          <a:noFill/>
+        </p:spPr>
+        <p:txBody>
+          <a:bodyPr wrap="square" rtlCol="0">
+            <a:spAutoFit/>
+          </a:bodyPr>
+          <a:lstStyle/>
+          <a:p>
+            <a:r>
+              <a:rPr kumimoji="1" lang="ja-JP" altLang="en-US" sz="2400" b="1" dirty="0" smtClean="0">
+                <a:solidFill>
+                  <a:srgbClr val="002060"/>
+                </a:solidFill>
+                <a:latin typeface="装甲明朝" panose="02000600000000000000" pitchFamily="2" charset="-128"/>
+                <a:ea typeface="装甲明朝" panose="02000600000000000000" pitchFamily="2" charset="-128"/>
+              </a:rPr>
+              <a:t>降らせ弾幕！</a:t>
+            </a:r>
+            <a:endParaRPr kumimoji="1" lang="ja-JP" altLang="en-US" sz="2400" b="1" dirty="0">
+              <a:solidFill>
+                <a:srgbClr val="002060"/>
+              </a:solidFill>
+              <a:latin typeface="装甲明朝" panose="02000600000000000000" pitchFamily="2" charset="-128"/>
+              <a:ea typeface="装甲明朝" panose="02000600000000000000" pitchFamily="2" charset="-128"/>
+            </a:endParaRPr>
+          </a:p>
+        </p:txBody>
+      </p:sp>
+      <p:sp>
+        <p:nvSpPr>
+          <p:cNvPr id="32" name="テキスト ボックス 31"/>
+          <p:cNvSpPr txBox="1"/>
           <p:nvPr/>
         </p:nvSpPr>
         <p:spPr>
-          <a:xfrm flipH="1">
-            <a:off x="10872325" y="2180447"/>
-            <a:ext cx="471948" cy="78026"/>
-          </a:xfrm>
-          <a:prstGeom prst="rightArrow">
+          <a:xfrm>
+            <a:off x="3344548" y="1776727"/>
+            <a:ext cx="5904667" cy="523220"/>
+          </a:xfrm>
+          <a:prstGeom prst="rect">
             <a:avLst/>
           </a:prstGeom>
-          <a:solidFill>
-            <a:srgbClr val="FFFF00"/>
-          </a:solidFill>
-          <a:ln>
-            <a:solidFill>
-              <a:srgbClr val="FFFF00"/>
-            </a:solidFill>
-          </a:ln>
-        </p:spPr>
-        <p:style>
-          <a:lnRef idx="2">
-            <a:schemeClr val="accent1">
-              <a:shade val="50000"/>
-            </a:schemeClr>
-          </a:lnRef>
-          <a:fillRef idx="1">
-            <a:schemeClr val="accent1"/>
-          </a:fillRef>
-          <a:effectRef idx="0">
-            <a:schemeClr val="accent1"/>
-          </a:effectRef>
-          <a:fontRef idx="minor">
-            <a:schemeClr val="lt1"/>
-          </a:fontRef>
-        </p:style>
-        <p:txBody>
-          <a:bodyPr rtlCol="0" anchor="ctr"/>
-          <a:lstStyle/>
-          <a:p>
-            <a:pPr algn="ctr"/>
-            <a:endParaRPr kumimoji="1" lang="ja-JP" altLang="en-US"/>
-          </a:p>
-        </p:txBody>
-      </p:sp>
-      <p:sp>
-        <p:nvSpPr>
-          <p:cNvPr id="51" name="右矢印 50"/>
-          <p:cNvSpPr/>
-          <p:nvPr/>
-        </p:nvSpPr>
-        <p:spPr>
-          <a:xfrm flipH="1">
-            <a:off x="10625677" y="3120405"/>
-            <a:ext cx="724054" cy="83999"/>
-          </a:xfrm>
-          <a:prstGeom prst="rightArrow">
-            <a:avLst/>
-          </a:prstGeom>
-          <a:solidFill>
-            <a:srgbClr val="FFFF00"/>
-          </a:solidFill>
-          <a:ln>
-            <a:solidFill>
-              <a:srgbClr val="FFFF00"/>
-            </a:solidFill>
-          </a:ln>
-        </p:spPr>
-        <p:style>
-          <a:lnRef idx="2">
-            <a:schemeClr val="accent1">
-              <a:shade val="50000"/>
-            </a:schemeClr>
-          </a:lnRef>
-          <a:fillRef idx="1">
-            <a:schemeClr val="accent1"/>
-          </a:fillRef>
-          <a:effectRef idx="0">
-            <a:schemeClr val="accent1"/>
-          </a:effectRef>
-          <a:fontRef idx="minor">
-            <a:schemeClr val="lt1"/>
-          </a:fontRef>
-        </p:style>
-        <p:txBody>
-          <a:bodyPr rtlCol="0" anchor="ctr"/>
-          <a:lstStyle/>
-          <a:p>
-            <a:pPr algn="ctr"/>
-            <a:endParaRPr kumimoji="1" lang="ja-JP" altLang="en-US"/>
+          <a:noFill/>
+        </p:spPr>
+        <p:txBody>
+          <a:bodyPr wrap="square" rtlCol="0">
+            <a:spAutoFit/>
+          </a:bodyPr>
+          <a:lstStyle/>
+          <a:p>
+            <a:r>
+              <a:rPr kumimoji="1" lang="ja-JP" altLang="en-US" sz="2800" b="1" dirty="0" smtClean="0">
+                <a:solidFill>
+                  <a:srgbClr val="FF0000"/>
+                </a:solidFill>
+                <a:latin typeface="装甲明朝" panose="02000600000000000000" pitchFamily="2" charset="-128"/>
+                <a:ea typeface="装甲明朝" panose="02000600000000000000" pitchFamily="2" charset="-128"/>
+              </a:rPr>
+              <a:t>ゲージの消費量で攻撃が変わる！</a:t>
+            </a:r>
+            <a:endParaRPr kumimoji="1" lang="ja-JP" altLang="en-US" sz="2800" b="1" dirty="0">
+              <a:solidFill>
+                <a:srgbClr val="FF0000"/>
+              </a:solidFill>
+              <a:latin typeface="装甲明朝" panose="02000600000000000000" pitchFamily="2" charset="-128"/>
+              <a:ea typeface="装甲明朝" panose="02000600000000000000" pitchFamily="2" charset="-128"/>
+            </a:endParaRPr>
           </a:p>
         </p:txBody>
       </p:sp>
@@ -5007,6 +4940,13 @@
   <p:clrMapOvr>
     <a:masterClrMapping/>
   </p:clrMapOvr>
+  <p:timing>
+    <p:tnLst>
+      <p:par>
+        <p:cTn id="1" dur="indefinite" restart="never" nodeType="tmRoot"/>
+      </p:par>
+    </p:tnLst>
+  </p:timing>
 </p:sld>
 </file>
 

--- a/Schedule/電脳戦機VARTUALON.pptx
+++ b/Schedule/電脳戦機VARTUALON.pptx
@@ -3310,7 +3310,7 @@
         </p:nvSpPr>
         <p:spPr>
           <a:xfrm>
-            <a:off x="623657" y="579395"/>
+            <a:off x="678441" y="655880"/>
             <a:ext cx="11212744" cy="904511"/>
           </a:xfrm>
         </p:spPr>
@@ -3444,18 +3444,20 @@
         </p:nvSpPr>
         <p:spPr>
           <a:xfrm>
-            <a:off x="5465143" y="2692009"/>
-            <a:ext cx="1227438" cy="1318053"/>
+            <a:off x="5314516" y="2557339"/>
+            <a:ext cx="1696697" cy="1565609"/>
           </a:xfrm>
           <a:prstGeom prst="irregularSeal2">
             <a:avLst/>
           </a:prstGeom>
           <a:solidFill>
-            <a:schemeClr val="accent4">
-              <a:lumMod val="60000"/>
-              <a:lumOff val="40000"/>
-            </a:schemeClr>
+            <a:srgbClr val="FFC000"/>
           </a:solidFill>
+          <a:ln w="38100">
+            <a:solidFill>
+              <a:srgbClr val="FF0000"/>
+            </a:solidFill>
+          </a:ln>
         </p:spPr>
         <p:style>
           <a:lnRef idx="2">
@@ -3478,18 +3480,12 @@
           <a:lstStyle/>
           <a:p>
             <a:pPr algn="ctr"/>
-            <a:r>
-              <a:rPr lang="en-US" altLang="ja-JP" sz="1801" dirty="0">
-                <a:solidFill>
-                  <a:srgbClr val="FF0000"/>
-                </a:solidFill>
-              </a:rPr>
-              <a:t>VS</a:t>
-            </a:r>
-            <a:endParaRPr lang="ja-JP" altLang="en-US" sz="1801" dirty="0">
+            <a:endParaRPr lang="ja-JP" altLang="en-US" sz="1050" dirty="0">
               <a:solidFill>
                 <a:srgbClr val="FF0000"/>
               </a:solidFill>
+              <a:latin typeface="源界明朝" panose="02000900000000000000" pitchFamily="2" charset="-128"/>
+              <a:ea typeface="源界明朝" panose="02000900000000000000" pitchFamily="2" charset="-128"/>
             </a:endParaRPr>
           </a:p>
         </p:txBody>
@@ -4023,7 +4019,7 @@
         </p:nvSpPr>
         <p:spPr>
           <a:xfrm>
-            <a:off x="2084872" y="2117245"/>
+            <a:off x="2203369" y="2202911"/>
             <a:ext cx="1925219" cy="369332"/>
           </a:xfrm>
           <a:prstGeom prst="rect">
@@ -4065,7 +4061,7 @@
         </p:nvSpPr>
         <p:spPr>
           <a:xfrm>
-            <a:off x="2127098" y="3137294"/>
+            <a:off x="2213941" y="3135988"/>
             <a:ext cx="1994949" cy="369332"/>
           </a:xfrm>
           <a:prstGeom prst="rect">
@@ -4189,7 +4185,7 @@
         </p:blipFill>
         <p:spPr>
           <a:xfrm>
-            <a:off x="10119709" y="1838137"/>
+            <a:off x="10209928" y="1894747"/>
             <a:ext cx="1771476" cy="2978651"/>
           </a:xfrm>
           <a:prstGeom prst="rect">
@@ -4260,7 +4256,7 @@
         </p:blipFill>
         <p:spPr>
           <a:xfrm>
-            <a:off x="110972" y="2216676"/>
+            <a:off x="205118" y="2231088"/>
             <a:ext cx="1863373" cy="2600055"/>
           </a:xfrm>
           <a:prstGeom prst="rect">
@@ -4440,7 +4436,7 @@
         </p:nvSpPr>
         <p:spPr>
           <a:xfrm>
-            <a:off x="2223869" y="4564463"/>
+            <a:off x="2259450" y="4563194"/>
             <a:ext cx="1400963" cy="214095"/>
           </a:xfrm>
           <a:prstGeom prst="roundRect">
@@ -4525,7 +4521,7 @@
         </p:nvSpPr>
         <p:spPr>
           <a:xfrm>
-            <a:off x="2880592" y="4552148"/>
+            <a:off x="2921534" y="4551801"/>
             <a:ext cx="738879" cy="230565"/>
           </a:xfrm>
           <a:prstGeom prst="roundRect">
@@ -4568,8 +4564,8 @@
         </p:nvSpPr>
         <p:spPr>
           <a:xfrm flipH="1">
-            <a:off x="9777726" y="3645079"/>
-            <a:ext cx="278954" cy="100918"/>
+            <a:off x="9776668" y="3632393"/>
+            <a:ext cx="280012" cy="113604"/>
           </a:xfrm>
           <a:prstGeom prst="rightArrow">
             <a:avLst/>
@@ -4616,7 +4612,7 @@
         </p:nvSpPr>
         <p:spPr>
           <a:xfrm flipH="1">
-            <a:off x="2875231" y="4624732"/>
+            <a:off x="2929112" y="4632774"/>
             <a:ext cx="724054" cy="83999"/>
           </a:xfrm>
           <a:prstGeom prst="rightArrow">
@@ -4664,7 +4660,7 @@
         </p:nvSpPr>
         <p:spPr>
           <a:xfrm>
-            <a:off x="3809415" y="4588656"/>
+            <a:off x="3629940" y="4633848"/>
             <a:ext cx="4748728" cy="523220"/>
           </a:xfrm>
           <a:prstGeom prst="rect">
@@ -4918,9 +4914,61 @@
                 <a:latin typeface="装甲明朝" panose="02000600000000000000" pitchFamily="2" charset="-128"/>
                 <a:ea typeface="装甲明朝" panose="02000600000000000000" pitchFamily="2" charset="-128"/>
               </a:rPr>
-              <a:t>ゲージの消費量で攻撃が変わる！</a:t>
+              <a:t>ゲージの消費量で攻撃が変わる</a:t>
+            </a:r>
+            <a:r>
+              <a:rPr kumimoji="1" lang="ja-JP" altLang="en-US" sz="2800" b="1" dirty="0" smtClean="0">
+                <a:solidFill>
+                  <a:srgbClr val="FF0000"/>
+                </a:solidFill>
+                <a:latin typeface="装甲明朝" panose="02000600000000000000" pitchFamily="2" charset="-128"/>
+                <a:ea typeface="装甲明朝" panose="02000600000000000000" pitchFamily="2" charset="-128"/>
+              </a:rPr>
+              <a:t>！</a:t>
             </a:r>
             <a:endParaRPr kumimoji="1" lang="ja-JP" altLang="en-US" sz="2800" b="1" dirty="0">
+              <a:solidFill>
+                <a:srgbClr val="FF0000"/>
+              </a:solidFill>
+              <a:latin typeface="装甲明朝" panose="02000600000000000000" pitchFamily="2" charset="-128"/>
+              <a:ea typeface="装甲明朝" panose="02000600000000000000" pitchFamily="2" charset="-128"/>
+            </a:endParaRPr>
+          </a:p>
+        </p:txBody>
+      </p:sp>
+      <p:sp>
+        <p:nvSpPr>
+          <p:cNvPr id="17" name="テキスト ボックス 16"/>
+          <p:cNvSpPr txBox="1"/>
+          <p:nvPr/>
+        </p:nvSpPr>
+        <p:spPr>
+          <a:xfrm rot="20729368">
+            <a:off x="5619122" y="2929073"/>
+            <a:ext cx="1809503" cy="769441"/>
+          </a:xfrm>
+          <a:prstGeom prst="rect">
+            <a:avLst/>
+          </a:prstGeom>
+          <a:noFill/>
+        </p:spPr>
+        <p:txBody>
+          <a:bodyPr wrap="square" rtlCol="0">
+            <a:spAutoFit/>
+          </a:bodyPr>
+          <a:lstStyle/>
+          <a:p>
+            <a:r>
+              <a:rPr kumimoji="1" lang="en-US" altLang="ja-JP" sz="4400" b="1" dirty="0" smtClean="0">
+                <a:solidFill>
+                  <a:srgbClr val="FF0000"/>
+                </a:solidFill>
+                <a:latin typeface="装甲明朝" panose="02000600000000000000" pitchFamily="2" charset="-128"/>
+                <a:ea typeface="装甲明朝" panose="02000600000000000000" pitchFamily="2" charset="-128"/>
+              </a:rPr>
+              <a:t>VS</a:t>
+            </a:r>
+            <a:endParaRPr kumimoji="1" lang="ja-JP" altLang="en-US" sz="4400" b="1" dirty="0">
               <a:solidFill>
                 <a:srgbClr val="FF0000"/>
               </a:solidFill>
